--- a/doc/WRML_Wormle.pptx
+++ b/doc/WRML_Wormle.pptx
@@ -289,7 +289,7 @@
           <a:p>
             <a:fld id="{69B796DD-B06B-F74C-98C0-64700E99C45C}" type="datetimeFigureOut">
               <a:rPr lang="en-US" smtClean="0"/>
-              <a:t>7/26/13</a:t>
+              <a:t>7/30/13</a:t>
             </a:fld>
             <a:endParaRPr lang="en-US"/>
           </a:p>
@@ -459,7 +459,7 @@
           <a:p>
             <a:fld id="{69B796DD-B06B-F74C-98C0-64700E99C45C}" type="datetimeFigureOut">
               <a:rPr lang="en-US" smtClean="0"/>
-              <a:t>7/26/13</a:t>
+              <a:t>7/30/13</a:t>
             </a:fld>
             <a:endParaRPr lang="en-US"/>
           </a:p>
@@ -639,7 +639,7 @@
           <a:p>
             <a:fld id="{69B796DD-B06B-F74C-98C0-64700E99C45C}" type="datetimeFigureOut">
               <a:rPr lang="en-US" smtClean="0"/>
-              <a:t>7/26/13</a:t>
+              <a:t>7/30/13</a:t>
             </a:fld>
             <a:endParaRPr lang="en-US"/>
           </a:p>
@@ -809,7 +809,7 @@
           <a:p>
             <a:fld id="{69B796DD-B06B-F74C-98C0-64700E99C45C}" type="datetimeFigureOut">
               <a:rPr lang="en-US" smtClean="0"/>
-              <a:t>7/26/13</a:t>
+              <a:t>7/30/13</a:t>
             </a:fld>
             <a:endParaRPr lang="en-US"/>
           </a:p>
@@ -1055,7 +1055,7 @@
           <a:p>
             <a:fld id="{69B796DD-B06B-F74C-98C0-64700E99C45C}" type="datetimeFigureOut">
               <a:rPr lang="en-US" smtClean="0"/>
-              <a:t>7/26/13</a:t>
+              <a:t>7/30/13</a:t>
             </a:fld>
             <a:endParaRPr lang="en-US"/>
           </a:p>
@@ -1343,7 +1343,7 @@
           <a:p>
             <a:fld id="{69B796DD-B06B-F74C-98C0-64700E99C45C}" type="datetimeFigureOut">
               <a:rPr lang="en-US" smtClean="0"/>
-              <a:t>7/26/13</a:t>
+              <a:t>7/30/13</a:t>
             </a:fld>
             <a:endParaRPr lang="en-US"/>
           </a:p>
@@ -1765,7 +1765,7 @@
           <a:p>
             <a:fld id="{69B796DD-B06B-F74C-98C0-64700E99C45C}" type="datetimeFigureOut">
               <a:rPr lang="en-US" smtClean="0"/>
-              <a:t>7/26/13</a:t>
+              <a:t>7/30/13</a:t>
             </a:fld>
             <a:endParaRPr lang="en-US"/>
           </a:p>
@@ -1883,7 +1883,7 @@
           <a:p>
             <a:fld id="{69B796DD-B06B-F74C-98C0-64700E99C45C}" type="datetimeFigureOut">
               <a:rPr lang="en-US" smtClean="0"/>
-              <a:t>7/26/13</a:t>
+              <a:t>7/30/13</a:t>
             </a:fld>
             <a:endParaRPr lang="en-US"/>
           </a:p>
@@ -1978,7 +1978,7 @@
           <a:p>
             <a:fld id="{69B796DD-B06B-F74C-98C0-64700E99C45C}" type="datetimeFigureOut">
               <a:rPr lang="en-US" smtClean="0"/>
-              <a:t>7/26/13</a:t>
+              <a:t>7/30/13</a:t>
             </a:fld>
             <a:endParaRPr lang="en-US"/>
           </a:p>
@@ -2255,7 +2255,7 @@
           <a:p>
             <a:fld id="{69B796DD-B06B-F74C-98C0-64700E99C45C}" type="datetimeFigureOut">
               <a:rPr lang="en-US" smtClean="0"/>
-              <a:t>7/26/13</a:t>
+              <a:t>7/30/13</a:t>
             </a:fld>
             <a:endParaRPr lang="en-US"/>
           </a:p>
@@ -2508,7 +2508,7 @@
           <a:p>
             <a:fld id="{69B796DD-B06B-F74C-98C0-64700E99C45C}" type="datetimeFigureOut">
               <a:rPr lang="en-US" smtClean="0"/>
-              <a:t>7/26/13</a:t>
+              <a:t>7/30/13</a:t>
             </a:fld>
             <a:endParaRPr lang="en-US"/>
           </a:p>
@@ -2721,7 +2721,7 @@
           <a:p>
             <a:fld id="{69B796DD-B06B-F74C-98C0-64700E99C45C}" type="datetimeFigureOut">
               <a:rPr lang="en-US" smtClean="0"/>
-              <a:t>7/26/13</a:t>
+              <a:t>7/30/13</a:t>
             </a:fld>
             <a:endParaRPr lang="en-US"/>
           </a:p>
@@ -29949,18 +29949,78 @@
           <a:chExt cx="0" cy="0"/>
         </a:xfrm>
       </p:grpSpPr>
+      <p:pic>
+        <p:nvPicPr>
+          <p:cNvPr id="255" name="Picture 254" descr="facing-right-from-hole.png"/>
+          <p:cNvPicPr>
+            <a:picLocks noChangeAspect="1"/>
+          </p:cNvPicPr>
+          <p:nvPr/>
+        </p:nvPicPr>
+        <p:blipFill>
+          <a:blip r:embed="rId2">
+            <a:extLst>
+              <a:ext uri="{28A0092B-C50C-407E-A947-70E740481C1C}">
+                <a14:useLocalDpi xmlns:a14="http://schemas.microsoft.com/office/drawing/2010/main" val="0"/>
+              </a:ext>
+            </a:extLst>
+          </a:blip>
+          <a:stretch>
+            <a:fillRect/>
+          </a:stretch>
+        </p:blipFill>
+        <p:spPr>
+          <a:xfrm flipH="1">
+            <a:off x="8056853" y="1360711"/>
+            <a:ext cx="795586" cy="3668338"/>
+          </a:xfrm>
+          <a:prstGeom prst="rect">
+            <a:avLst/>
+          </a:prstGeom>
+        </p:spPr>
+      </p:pic>
+      <p:pic>
+        <p:nvPicPr>
+          <p:cNvPr id="40" name="Picture 39" descr="facing-right-from-hole.png"/>
+          <p:cNvPicPr>
+            <a:picLocks noChangeAspect="1"/>
+          </p:cNvPicPr>
+          <p:nvPr/>
+        </p:nvPicPr>
+        <p:blipFill>
+          <a:blip r:embed="rId2">
+            <a:extLst>
+              <a:ext uri="{28A0092B-C50C-407E-A947-70E740481C1C}">
+                <a14:useLocalDpi xmlns:a14="http://schemas.microsoft.com/office/drawing/2010/main" val="0"/>
+              </a:ext>
+            </a:extLst>
+          </a:blip>
+          <a:stretch>
+            <a:fillRect/>
+          </a:stretch>
+        </p:blipFill>
+        <p:spPr>
+          <a:xfrm>
+            <a:off x="5148264" y="168795"/>
+            <a:ext cx="1337309" cy="6592940"/>
+          </a:xfrm>
+          <a:prstGeom prst="rect">
+            <a:avLst/>
+          </a:prstGeom>
+        </p:spPr>
+      </p:pic>
       <p:grpSp>
         <p:nvGrpSpPr>
-          <p:cNvPr id="6" name="Group 5"/>
+          <p:cNvPr id="4" name="Group 3"/>
           <p:cNvGrpSpPr/>
           <p:nvPr/>
         </p:nvGrpSpPr>
         <p:grpSpPr>
           <a:xfrm>
-            <a:off x="3238310" y="1327628"/>
-            <a:ext cx="948783" cy="3520505"/>
-            <a:chOff x="3238310" y="1327628"/>
-            <a:chExt cx="948783" cy="3520505"/>
+            <a:off x="729960" y="624800"/>
+            <a:ext cx="1201618" cy="5906628"/>
+            <a:chOff x="690544" y="624800"/>
+            <a:chExt cx="1241041" cy="5906628"/>
           </a:xfrm>
         </p:grpSpPr>
         <p:sp>
@@ -29973,8 +30033,8 @@
           </p:nvSpPr>
           <p:spPr>
             <a:xfrm rot="12880864" flipH="1">
-              <a:off x="3238310" y="4282965"/>
-              <a:ext cx="295687" cy="305044"/>
+              <a:off x="690544" y="5511963"/>
+              <a:ext cx="383391" cy="538916"/>
             </a:xfrm>
             <a:prstGeom prst="ellipse">
               <a:avLst/>
@@ -30047,8 +30107,8 @@
           </p:nvSpPr>
           <p:spPr>
             <a:xfrm flipH="1">
-              <a:off x="3321895" y="2519752"/>
-              <a:ext cx="424172" cy="2328381"/>
+              <a:off x="809758" y="2417914"/>
+              <a:ext cx="549984" cy="4113514"/>
             </a:xfrm>
             <a:custGeom>
               <a:avLst/>
@@ -30379,78 +30439,14 @@
         </p:sp>
         <p:sp>
           <p:nvSpPr>
-            <p:cNvPr id="224" name="Isosceles Triangle 223"/>
-            <p:cNvSpPr>
-              <a:spLocks noChangeAspect="1"/>
-            </p:cNvSpPr>
-            <p:nvPr/>
-          </p:nvSpPr>
-          <p:spPr>
-            <a:xfrm rot="9652179" flipH="1" flipV="1">
-              <a:off x="3599426" y="2448927"/>
-              <a:ext cx="64029" cy="160893"/>
-            </a:xfrm>
-            <a:prstGeom prst="triangle">
-              <a:avLst/>
-            </a:prstGeom>
-            <a:gradFill flip="none" rotWithShape="1">
-              <a:gsLst>
-                <a:gs pos="50000">
-                  <a:srgbClr val="FFFF00">
-                    <a:alpha val="69000"/>
-                  </a:srgbClr>
-                </a:gs>
-                <a:gs pos="92000">
-                  <a:srgbClr val="FFFFFF">
-                    <a:alpha val="69000"/>
-                  </a:srgbClr>
-                </a:gs>
-              </a:gsLst>
-              <a:lin ang="0" scaled="1"/>
-              <a:tileRect/>
-            </a:gradFill>
-            <a:ln>
-              <a:solidFill>
-                <a:srgbClr val="7F7F7F">
-                  <a:alpha val="59000"/>
-                </a:srgbClr>
-              </a:solidFill>
-            </a:ln>
-            <a:effectLst/>
-          </p:spPr>
-          <p:style>
-            <a:lnRef idx="1">
-              <a:schemeClr val="accent1"/>
-            </a:lnRef>
-            <a:fillRef idx="3">
-              <a:schemeClr val="accent1"/>
-            </a:fillRef>
-            <a:effectRef idx="2">
-              <a:schemeClr val="accent1"/>
-            </a:effectRef>
-            <a:fontRef idx="minor">
-              <a:schemeClr val="lt1"/>
-            </a:fontRef>
-          </p:style>
-          <p:txBody>
-            <a:bodyPr rtlCol="0" anchor="ctr"/>
-            <a:lstStyle/>
-            <a:p>
-              <a:pPr algn="ctr"/>
-              <a:endParaRPr lang="en-US"/>
-            </a:p>
-          </p:txBody>
-        </p:sp>
-        <p:sp>
-          <p:nvSpPr>
             <p:cNvPr id="225" name="Oval 224"/>
             <p:cNvSpPr/>
             <p:nvPr/>
           </p:nvSpPr>
           <p:spPr>
             <a:xfrm rot="11547">
-              <a:off x="3687601" y="2887216"/>
-              <a:ext cx="101253" cy="182764"/>
+              <a:off x="1283938" y="3067107"/>
+              <a:ext cx="131285" cy="322886"/>
             </a:xfrm>
             <a:prstGeom prst="ellipse">
               <a:avLst/>
@@ -30513,8 +30509,8 @@
           </p:nvSpPr>
           <p:spPr>
             <a:xfrm rot="11547">
-              <a:off x="3584612" y="2884872"/>
-              <a:ext cx="117261" cy="189930"/>
+              <a:off x="1150401" y="3062966"/>
+              <a:ext cx="152042" cy="335546"/>
             </a:xfrm>
             <a:prstGeom prst="ellipse">
               <a:avLst/>
@@ -30579,8 +30575,8 @@
           </p:nvSpPr>
           <p:spPr>
             <a:xfrm rot="6233163">
-              <a:off x="3692082" y="2859057"/>
-              <a:ext cx="99843" cy="98464"/>
+              <a:off x="1266282" y="3040501"/>
+              <a:ext cx="176391" cy="127669"/>
             </a:xfrm>
             <a:prstGeom prst="chord">
               <a:avLst>
@@ -30655,8 +30651,8 @@
           </p:nvSpPr>
           <p:spPr>
             <a:xfrm rot="5691068">
-              <a:off x="3579665" y="2850570"/>
-              <a:ext cx="112941" cy="112773"/>
+              <a:off x="1117442" y="3028871"/>
+              <a:ext cx="199531" cy="146223"/>
             </a:xfrm>
             <a:prstGeom prst="chord">
               <a:avLst>
@@ -30731,8 +30727,8 @@
           </p:nvSpPr>
           <p:spPr>
             <a:xfrm rot="21211788">
-              <a:off x="3604144" y="2956735"/>
-              <a:ext cx="82023" cy="73471"/>
+              <a:off x="1175727" y="3189925"/>
+              <a:ext cx="106351" cy="129800"/>
             </a:xfrm>
             <a:prstGeom prst="ellipse">
               <a:avLst/>
@@ -30802,8 +30798,8 @@
           </p:nvSpPr>
           <p:spPr>
             <a:xfrm rot="21211788">
-              <a:off x="3627756" y="2979256"/>
-              <a:ext cx="39461" cy="33577"/>
+              <a:off x="1206343" y="3229712"/>
+              <a:ext cx="51165" cy="59320"/>
             </a:xfrm>
             <a:prstGeom prst="ellipse">
               <a:avLst/>
@@ -30855,8 +30851,8 @@
           </p:nvSpPr>
           <p:spPr>
             <a:xfrm rot="20560099">
-              <a:off x="3707586" y="2964432"/>
-              <a:ext cx="71098" cy="63686"/>
+              <a:off x="1309851" y="3203523"/>
+              <a:ext cx="92186" cy="112513"/>
             </a:xfrm>
             <a:prstGeom prst="ellipse">
               <a:avLst/>
@@ -30926,8 +30922,8 @@
           </p:nvSpPr>
           <p:spPr>
             <a:xfrm rot="20560099">
-              <a:off x="3728742" y="2985676"/>
-              <a:ext cx="33576" cy="28571"/>
+              <a:off x="1337283" y="3241054"/>
+              <a:ext cx="43535" cy="50476"/>
             </a:xfrm>
             <a:prstGeom prst="ellipse">
               <a:avLst/>
@@ -30977,8 +30973,8 @@
           </p:nvSpPr>
           <p:spPr>
             <a:xfrm>
-              <a:off x="3615362" y="4086148"/>
-              <a:ext cx="82285" cy="25564"/>
+              <a:off x="1190273" y="5185241"/>
+              <a:ext cx="106691" cy="45164"/>
             </a:xfrm>
             <a:custGeom>
               <a:avLst/>
@@ -31077,8 +31073,8 @@
           </p:nvSpPr>
           <p:spPr>
             <a:xfrm>
-              <a:off x="3617931" y="4323553"/>
-              <a:ext cx="82285" cy="25564"/>
+              <a:off x="1193604" y="5604661"/>
+              <a:ext cx="106691" cy="45164"/>
             </a:xfrm>
             <a:custGeom>
               <a:avLst/>
@@ -31177,8 +31173,8 @@
           </p:nvSpPr>
           <p:spPr>
             <a:xfrm>
-              <a:off x="3627641" y="3902615"/>
-              <a:ext cx="82285" cy="25564"/>
+              <a:off x="1206194" y="4860996"/>
+              <a:ext cx="106691" cy="45164"/>
             </a:xfrm>
             <a:custGeom>
               <a:avLst/>
@@ -31277,8 +31273,8 @@
           </p:nvSpPr>
           <p:spPr>
             <a:xfrm rot="120000">
-              <a:off x="3634786" y="3201990"/>
-              <a:ext cx="552307" cy="762399"/>
+              <a:off x="1215458" y="3623213"/>
+              <a:ext cx="716127" cy="1346918"/>
             </a:xfrm>
             <a:custGeom>
               <a:avLst/>
@@ -32206,8 +32202,8 @@
           </p:nvSpPr>
           <p:spPr>
             <a:xfrm rot="420000">
-              <a:off x="3642019" y="3316145"/>
-              <a:ext cx="312932" cy="543204"/>
+              <a:off x="1224836" y="3824889"/>
+              <a:ext cx="405751" cy="959670"/>
             </a:xfrm>
             <a:custGeom>
               <a:avLst/>
@@ -32328,8 +32324,8 @@
           </p:nvSpPr>
           <p:spPr>
             <a:xfrm rot="1620000">
-              <a:off x="3586094" y="3323749"/>
-              <a:ext cx="406217" cy="360350"/>
+              <a:off x="1152323" y="3838323"/>
+              <a:ext cx="526705" cy="636625"/>
             </a:xfrm>
             <a:custGeom>
               <a:avLst/>
@@ -32450,8 +32446,8 @@
           </p:nvSpPr>
           <p:spPr>
             <a:xfrm rot="1896449">
-              <a:off x="3663303" y="3166739"/>
-              <a:ext cx="71131" cy="102690"/>
+              <a:off x="1252433" y="3560936"/>
+              <a:ext cx="92230" cy="181421"/>
             </a:xfrm>
             <a:prstGeom prst="ellipse">
               <a:avLst/>
@@ -32514,8 +32510,8 @@
           </p:nvSpPr>
           <p:spPr>
             <a:xfrm rot="21480000">
-              <a:off x="3699636" y="2927522"/>
-              <a:ext cx="311167" cy="353800"/>
+              <a:off x="1299543" y="3138315"/>
+              <a:ext cx="403463" cy="625053"/>
             </a:xfrm>
             <a:custGeom>
               <a:avLst/>
@@ -32741,8 +32737,8 @@
           </p:nvSpPr>
           <p:spPr>
             <a:xfrm rot="21480000">
-              <a:off x="3749737" y="3077622"/>
-              <a:ext cx="217632" cy="157847"/>
+              <a:off x="1364504" y="3403494"/>
+              <a:ext cx="282184" cy="278866"/>
             </a:xfrm>
             <a:custGeom>
               <a:avLst/>
@@ -32866,14 +32862,14 @@
         </p:sp>
         <p:sp>
           <p:nvSpPr>
-            <p:cNvPr id="242" name="Freeform 241"/>
+            <p:cNvPr id="243" name="Freeform 242"/>
             <p:cNvSpPr/>
             <p:nvPr/>
           </p:nvSpPr>
           <p:spPr>
             <a:xfrm flipV="1">
-              <a:off x="3631003" y="2732124"/>
-              <a:ext cx="77326" cy="25564"/>
+              <a:off x="1216981" y="2877573"/>
+              <a:ext cx="100262" cy="45164"/>
             </a:xfrm>
             <a:custGeom>
               <a:avLst/>
@@ -32966,114 +32962,14 @@
         </p:sp>
         <p:sp>
           <p:nvSpPr>
-            <p:cNvPr id="243" name="Freeform 242"/>
-            <p:cNvSpPr/>
-            <p:nvPr/>
-          </p:nvSpPr>
-          <p:spPr>
-            <a:xfrm flipV="1">
-              <a:off x="3635961" y="2779934"/>
-              <a:ext cx="77326" cy="25564"/>
-            </a:xfrm>
-            <a:custGeom>
-              <a:avLst/>
-              <a:gdLst>
-                <a:gd name="connsiteX0" fmla="*/ 0 w 90421"/>
-                <a:gd name="connsiteY0" fmla="*/ 0 h 33992"/>
-                <a:gd name="connsiteX1" fmla="*/ 81499 w 90421"/>
-                <a:gd name="connsiteY1" fmla="*/ 33959 h 33992"/>
-                <a:gd name="connsiteX2" fmla="*/ 88291 w 90421"/>
-                <a:gd name="connsiteY2" fmla="*/ 6792 h 33992"/>
-                <a:gd name="connsiteX3" fmla="*/ 88291 w 90421"/>
-                <a:gd name="connsiteY3" fmla="*/ 6792 h 33992"/>
-              </a:gdLst>
-              <a:ahLst/>
-              <a:cxnLst>
-                <a:cxn ang="0">
-                  <a:pos x="connsiteX0" y="connsiteY0"/>
-                </a:cxn>
-                <a:cxn ang="0">
-                  <a:pos x="connsiteX1" y="connsiteY1"/>
-                </a:cxn>
-                <a:cxn ang="0">
-                  <a:pos x="connsiteX2" y="connsiteY2"/>
-                </a:cxn>
-                <a:cxn ang="0">
-                  <a:pos x="connsiteX3" y="connsiteY3"/>
-                </a:cxn>
-              </a:cxnLst>
-              <a:rect l="l" t="t" r="r" b="b"/>
-              <a:pathLst>
-                <a:path w="90421" h="33992">
-                  <a:moveTo>
-                    <a:pt x="0" y="0"/>
-                  </a:moveTo>
-                  <a:cubicBezTo>
-                    <a:pt x="33392" y="16413"/>
-                    <a:pt x="66784" y="32827"/>
-                    <a:pt x="81499" y="33959"/>
-                  </a:cubicBezTo>
-                  <a:cubicBezTo>
-                    <a:pt x="96214" y="35091"/>
-                    <a:pt x="88291" y="6792"/>
-                    <a:pt x="88291" y="6792"/>
-                  </a:cubicBezTo>
-                  <a:lnTo>
-                    <a:pt x="88291" y="6792"/>
-                  </a:lnTo>
-                </a:path>
-              </a:pathLst>
-            </a:custGeom>
-            <a:ln w="12700" cmpd="sng">
-              <a:solidFill>
-                <a:schemeClr val="tx1">
-                  <a:lumMod val="50000"/>
-                  <a:lumOff val="50000"/>
-                  <a:alpha val="42000"/>
-                </a:schemeClr>
-              </a:solidFill>
-            </a:ln>
-            <a:effectLst>
-              <a:innerShdw blurRad="63500" dist="50800" dir="2700000">
-                <a:prstClr val="black">
-                  <a:alpha val="50000"/>
-                </a:prstClr>
-              </a:innerShdw>
-            </a:effectLst>
-          </p:spPr>
-          <p:style>
-            <a:lnRef idx="2">
-              <a:schemeClr val="accent1"/>
-            </a:lnRef>
-            <a:fillRef idx="0">
-              <a:schemeClr val="accent1"/>
-            </a:fillRef>
-            <a:effectRef idx="1">
-              <a:schemeClr val="accent1"/>
-            </a:effectRef>
-            <a:fontRef idx="minor">
-              <a:schemeClr val="tx1"/>
-            </a:fontRef>
-          </p:style>
-          <p:txBody>
-            <a:bodyPr rtlCol="0" anchor="ctr"/>
-            <a:lstStyle/>
-            <a:p>
-              <a:pPr algn="ctr"/>
-              <a:endParaRPr lang="en-US"/>
-            </a:p>
-          </p:txBody>
-        </p:sp>
-        <p:sp>
-          <p:nvSpPr>
             <p:cNvPr id="244" name="Freeform 243"/>
             <p:cNvSpPr/>
             <p:nvPr/>
           </p:nvSpPr>
           <p:spPr>
             <a:xfrm>
-              <a:off x="3608741" y="4511838"/>
-              <a:ext cx="100183" cy="30995"/>
+              <a:off x="1181689" y="5937301"/>
+              <a:ext cx="129898" cy="54758"/>
             </a:xfrm>
             <a:custGeom>
               <a:avLst/>
@@ -33172,8 +33068,8 @@
           </p:nvSpPr>
           <p:spPr>
             <a:xfrm rot="12540000">
-              <a:off x="3538284" y="4665582"/>
-              <a:ext cx="130149" cy="30995"/>
+              <a:off x="1090333" y="6208918"/>
+              <a:ext cx="168752" cy="54758"/>
             </a:xfrm>
             <a:custGeom>
               <a:avLst/>
@@ -33272,8 +33168,8 @@
           </p:nvSpPr>
           <p:spPr>
             <a:xfrm rot="21480000">
-              <a:off x="3281401" y="2792492"/>
-              <a:ext cx="412412" cy="550160"/>
+              <a:off x="757255" y="2899759"/>
+              <a:ext cx="534738" cy="971959"/>
             </a:xfrm>
             <a:custGeom>
               <a:avLst/>
@@ -33573,8 +33469,8 @@
           </p:nvSpPr>
           <p:spPr>
             <a:xfrm rot="21480000">
-              <a:off x="3321890" y="2943597"/>
-              <a:ext cx="343946" cy="326985"/>
+              <a:off x="809755" y="3166714"/>
+              <a:ext cx="445964" cy="577679"/>
             </a:xfrm>
             <a:custGeom>
               <a:avLst/>
@@ -33705,20 +33601,184 @@
             </a:p>
           </p:txBody>
         </p:sp>
+        <p:sp>
+          <p:nvSpPr>
+            <p:cNvPr id="242" name="Freeform 241"/>
+            <p:cNvSpPr/>
+            <p:nvPr/>
+          </p:nvSpPr>
+          <p:spPr>
+            <a:xfrm rot="21540000" flipV="1">
+              <a:off x="1197183" y="2766106"/>
+              <a:ext cx="88355" cy="39802"/>
+            </a:xfrm>
+            <a:custGeom>
+              <a:avLst/>
+              <a:gdLst>
+                <a:gd name="connsiteX0" fmla="*/ 0 w 90421"/>
+                <a:gd name="connsiteY0" fmla="*/ 0 h 33992"/>
+                <a:gd name="connsiteX1" fmla="*/ 81499 w 90421"/>
+                <a:gd name="connsiteY1" fmla="*/ 33959 h 33992"/>
+                <a:gd name="connsiteX2" fmla="*/ 88291 w 90421"/>
+                <a:gd name="connsiteY2" fmla="*/ 6792 h 33992"/>
+                <a:gd name="connsiteX3" fmla="*/ 88291 w 90421"/>
+                <a:gd name="connsiteY3" fmla="*/ 6792 h 33992"/>
+              </a:gdLst>
+              <a:ahLst/>
+              <a:cxnLst>
+                <a:cxn ang="0">
+                  <a:pos x="connsiteX0" y="connsiteY0"/>
+                </a:cxn>
+                <a:cxn ang="0">
+                  <a:pos x="connsiteX1" y="connsiteY1"/>
+                </a:cxn>
+                <a:cxn ang="0">
+                  <a:pos x="connsiteX2" y="connsiteY2"/>
+                </a:cxn>
+                <a:cxn ang="0">
+                  <a:pos x="connsiteX3" y="connsiteY3"/>
+                </a:cxn>
+              </a:cxnLst>
+              <a:rect l="l" t="t" r="r" b="b"/>
+              <a:pathLst>
+                <a:path w="90421" h="33992">
+                  <a:moveTo>
+                    <a:pt x="0" y="0"/>
+                  </a:moveTo>
+                  <a:cubicBezTo>
+                    <a:pt x="33392" y="16413"/>
+                    <a:pt x="66784" y="32827"/>
+                    <a:pt x="81499" y="33959"/>
+                  </a:cubicBezTo>
+                  <a:cubicBezTo>
+                    <a:pt x="96214" y="35091"/>
+                    <a:pt x="88291" y="6792"/>
+                    <a:pt x="88291" y="6792"/>
+                  </a:cubicBezTo>
+                  <a:lnTo>
+                    <a:pt x="88291" y="6792"/>
+                  </a:lnTo>
+                </a:path>
+              </a:pathLst>
+            </a:custGeom>
+            <a:ln w="12700" cmpd="sng">
+              <a:solidFill>
+                <a:schemeClr val="tx1">
+                  <a:lumMod val="50000"/>
+                  <a:lumOff val="50000"/>
+                  <a:alpha val="42000"/>
+                </a:schemeClr>
+              </a:solidFill>
+            </a:ln>
+            <a:effectLst>
+              <a:innerShdw blurRad="63500" dist="50800" dir="2700000">
+                <a:prstClr val="black">
+                  <a:alpha val="50000"/>
+                </a:prstClr>
+              </a:innerShdw>
+            </a:effectLst>
+          </p:spPr>
+          <p:style>
+            <a:lnRef idx="2">
+              <a:schemeClr val="accent1"/>
+            </a:lnRef>
+            <a:fillRef idx="0">
+              <a:schemeClr val="accent1"/>
+            </a:fillRef>
+            <a:effectRef idx="1">
+              <a:schemeClr val="accent1"/>
+            </a:effectRef>
+            <a:fontRef idx="minor">
+              <a:schemeClr val="tx1"/>
+            </a:fontRef>
+          </p:style>
+          <p:txBody>
+            <a:bodyPr rtlCol="0" anchor="ctr"/>
+            <a:lstStyle/>
+            <a:p>
+              <a:pPr algn="ctr"/>
+              <a:endParaRPr lang="en-US"/>
+            </a:p>
+          </p:txBody>
+        </p:sp>
         <p:grpSp>
           <p:nvGrpSpPr>
-            <p:cNvPr id="248" name="Group 247"/>
+            <p:cNvPr id="3" name="Group 2"/>
             <p:cNvGrpSpPr/>
             <p:nvPr/>
           </p:nvGrpSpPr>
           <p:grpSpPr>
-            <a:xfrm flipH="1">
-              <a:off x="3407728" y="1327628"/>
-              <a:ext cx="334738" cy="1438581"/>
-              <a:chOff x="6339287" y="256266"/>
-              <a:chExt cx="299090" cy="1285384"/>
+            <a:xfrm rot="21540000">
+              <a:off x="900602" y="624800"/>
+              <a:ext cx="383214" cy="2194374"/>
+              <a:chOff x="921590" y="579407"/>
+              <a:chExt cx="383212" cy="2239767"/>
             </a:xfrm>
           </p:grpSpPr>
+          <p:sp>
+            <p:nvSpPr>
+              <p:cNvPr id="224" name="Isosceles Triangle 223"/>
+              <p:cNvSpPr>
+                <a:spLocks noChangeAspect="1"/>
+              </p:cNvSpPr>
+              <p:nvPr/>
+            </p:nvSpPr>
+            <p:spPr>
+              <a:xfrm rot="9652179" flipH="1" flipV="1">
+                <a:off x="1182089" y="2325188"/>
+                <a:ext cx="73161" cy="250499"/>
+              </a:xfrm>
+              <a:prstGeom prst="triangle">
+                <a:avLst/>
+              </a:prstGeom>
+              <a:gradFill flip="none" rotWithShape="1">
+                <a:gsLst>
+                  <a:gs pos="50000">
+                    <a:srgbClr val="FFFF00">
+                      <a:alpha val="69000"/>
+                    </a:srgbClr>
+                  </a:gs>
+                  <a:gs pos="92000">
+                    <a:srgbClr val="FFFFFF">
+                      <a:alpha val="69000"/>
+                    </a:srgbClr>
+                  </a:gs>
+                </a:gsLst>
+                <a:lin ang="0" scaled="1"/>
+                <a:tileRect/>
+              </a:gradFill>
+              <a:ln>
+                <a:solidFill>
+                  <a:srgbClr val="7F7F7F">
+                    <a:alpha val="59000"/>
+                  </a:srgbClr>
+                </a:solidFill>
+              </a:ln>
+              <a:effectLst/>
+            </p:spPr>
+            <p:style>
+              <a:lnRef idx="1">
+                <a:schemeClr val="accent1"/>
+              </a:lnRef>
+              <a:fillRef idx="3">
+                <a:schemeClr val="accent1"/>
+              </a:fillRef>
+              <a:effectRef idx="2">
+                <a:schemeClr val="accent1"/>
+              </a:effectRef>
+              <a:fontRef idx="minor">
+                <a:schemeClr val="lt1"/>
+              </a:fontRef>
+            </p:style>
+            <p:txBody>
+              <a:bodyPr rtlCol="0" anchor="ctr"/>
+              <a:lstStyle/>
+              <a:p>
+                <a:pPr algn="ctr"/>
+                <a:endParaRPr lang="en-US"/>
+              </a:p>
+            </p:txBody>
+          </p:sp>
           <p:sp>
             <p:nvSpPr>
               <p:cNvPr id="249" name="Freeform 248"/>
@@ -33726,9 +33786,9 @@
               <p:nvPr/>
             </p:nvSpPr>
             <p:spPr>
-              <a:xfrm rot="573518">
-                <a:off x="6408601" y="256266"/>
-                <a:ext cx="182226" cy="1285384"/>
+              <a:xfrm rot="21026482" flipH="1">
+                <a:off x="981141" y="579407"/>
+                <a:ext cx="233032" cy="2239767"/>
               </a:xfrm>
               <a:custGeom>
                 <a:avLst/>
@@ -34566,9 +34626,9 @@
               <p:nvPr/>
             </p:nvSpPr>
             <p:spPr>
-              <a:xfrm rot="12849012">
-                <a:off x="6367941" y="1121096"/>
-                <a:ext cx="57140" cy="121780"/>
+              <a:xfrm rot="9000000" flipH="1">
+                <a:off x="1231731" y="2147624"/>
+                <a:ext cx="73071" cy="212200"/>
               </a:xfrm>
               <a:prstGeom prst="chord">
                 <a:avLst/>
@@ -34630,9 +34690,9 @@
               <p:nvPr/>
             </p:nvSpPr>
             <p:spPr>
-              <a:xfrm rot="17881845">
-                <a:off x="6459552" y="816750"/>
-                <a:ext cx="87535" cy="36617"/>
+              <a:xfrm rot="3718155" flipH="1">
+                <a:off x="1030910" y="1544113"/>
+                <a:ext cx="152529" cy="46827"/>
               </a:xfrm>
               <a:prstGeom prst="triangle">
                 <a:avLst/>
@@ -34694,9 +34754,9 @@
               <p:nvPr/>
             </p:nvSpPr>
             <p:spPr>
-              <a:xfrm rot="573518">
-                <a:off x="6523295" y="632315"/>
-                <a:ext cx="29072" cy="70255"/>
+              <a:xfrm rot="21026482" flipH="1">
+                <a:off x="1007697" y="1218332"/>
+                <a:ext cx="37178" cy="122418"/>
               </a:xfrm>
               <a:prstGeom prst="ellipse">
                 <a:avLst/>
@@ -34758,9 +34818,9 @@
               <p:nvPr/>
             </p:nvSpPr>
             <p:spPr>
-              <a:xfrm rot="1201323">
-                <a:off x="6430794" y="954168"/>
-                <a:ext cx="52768" cy="83118"/>
+              <a:xfrm rot="20398677" flipH="1">
+                <a:off x="1144693" y="1795493"/>
+                <a:ext cx="67480" cy="144832"/>
               </a:xfrm>
               <a:prstGeom prst="trapezoid">
                 <a:avLst/>
@@ -34820,9 +34880,9 @@
               <p:nvPr/>
             </p:nvSpPr>
             <p:spPr>
-              <a:xfrm rot="21540000" flipH="1">
-                <a:off x="6339287" y="465330"/>
-                <a:ext cx="299090" cy="978206"/>
+              <a:xfrm rot="21409213">
+                <a:off x="921590" y="911407"/>
+                <a:ext cx="382480" cy="1741177"/>
               </a:xfrm>
               <a:custGeom>
                 <a:avLst/>
@@ -34949,8 +35009,8 @@
           </p:nvSpPr>
           <p:spPr>
             <a:xfrm rot="18360000">
-              <a:off x="3404761" y="4606718"/>
-              <a:ext cx="51169" cy="25565"/>
+              <a:off x="905180" y="6110933"/>
+              <a:ext cx="90399" cy="33148"/>
             </a:xfrm>
             <a:custGeom>
               <a:avLst/>
@@ -35049,8 +35109,8 @@
           </p:nvSpPr>
           <p:spPr>
             <a:xfrm rot="18360000">
-              <a:off x="3346223" y="4378190"/>
-              <a:ext cx="51169" cy="25565"/>
+              <a:off x="829275" y="5707196"/>
+              <a:ext cx="90399" cy="33148"/>
             </a:xfrm>
             <a:custGeom>
               <a:avLst/>
@@ -35142,66 +35202,5214 @@
           </p:txBody>
         </p:sp>
       </p:grpSp>
-      <p:pic>
-        <p:nvPicPr>
-          <p:cNvPr id="8" name="Picture 7" descr="facing-right-from-hole.png"/>
-          <p:cNvPicPr>
-            <a:picLocks noChangeAspect="1"/>
-          </p:cNvPicPr>
+      <p:sp>
+        <p:nvSpPr>
+          <p:cNvPr id="80" name="Oval 79"/>
+          <p:cNvSpPr>
+            <a:spLocks noChangeAspect="1"/>
+          </p:cNvSpPr>
           <p:nvPr/>
-        </p:nvPicPr>
-        <p:blipFill>
-          <a:blip r:embed="rId2">
-            <a:extLst>
-              <a:ext uri="{28A0092B-C50C-407E-A947-70E740481C1C}">
-                <a14:useLocalDpi xmlns:a14="http://schemas.microsoft.com/office/drawing/2010/main" val="0"/>
-              </a:ext>
-            </a:extLst>
-          </a:blip>
-          <a:stretch>
-            <a:fillRect/>
-          </a:stretch>
-        </p:blipFill>
+        </p:nvSpPr>
+        <p:spPr>
+          <a:xfrm rot="12880864" flipH="1">
+            <a:off x="2182641" y="5529243"/>
+            <a:ext cx="371212" cy="538916"/>
+          </a:xfrm>
+          <a:prstGeom prst="ellipse">
+            <a:avLst/>
+          </a:prstGeom>
+          <a:gradFill>
+            <a:gsLst>
+              <a:gs pos="44000">
+                <a:schemeClr val="tx1">
+                  <a:lumMod val="95000"/>
+                  <a:lumOff val="5000"/>
+                </a:schemeClr>
+              </a:gs>
+              <a:gs pos="100000">
+                <a:schemeClr val="bg2">
+                  <a:lumMod val="50000"/>
+                </a:schemeClr>
+              </a:gs>
+            </a:gsLst>
+          </a:gradFill>
+          <a:ln w="19050" cmpd="sng">
+            <a:solidFill>
+              <a:schemeClr val="tx1">
+                <a:alpha val="80000"/>
+              </a:schemeClr>
+            </a:solidFill>
+          </a:ln>
+          <a:effectLst>
+            <a:innerShdw blurRad="63500" dist="50800" dir="5400000">
+              <a:prstClr val="black">
+                <a:alpha val="50000"/>
+              </a:prstClr>
+            </a:innerShdw>
+          </a:effectLst>
+          <a:scene3d>
+            <a:camera prst="isometricOffAxis1Right"/>
+            <a:lightRig rig="threePt" dir="t"/>
+          </a:scene3d>
+        </p:spPr>
+        <p:style>
+          <a:lnRef idx="1">
+            <a:schemeClr val="accent1"/>
+          </a:lnRef>
+          <a:fillRef idx="3">
+            <a:schemeClr val="accent1"/>
+          </a:fillRef>
+          <a:effectRef idx="2">
+            <a:schemeClr val="accent1"/>
+          </a:effectRef>
+          <a:fontRef idx="minor">
+            <a:schemeClr val="lt1"/>
+          </a:fontRef>
+        </p:style>
+        <p:txBody>
+          <a:bodyPr rtlCol="0" anchor="ctr"/>
+          <a:lstStyle/>
+          <a:p>
+            <a:pPr algn="ctr"/>
+            <a:r>
+              <a:rPr lang="en-US" dirty="0"/>
+              <a:t> </a:t>
+            </a:r>
+          </a:p>
+        </p:txBody>
+      </p:sp>
+      <p:sp>
+        <p:nvSpPr>
+          <p:cNvPr id="81" name="Freeform 80"/>
+          <p:cNvSpPr/>
+          <p:nvPr/>
+        </p:nvSpPr>
         <p:spPr>
           <a:xfrm>
-            <a:off x="4307096" y="1370036"/>
-            <a:ext cx="744084" cy="3668338"/>
+            <a:off x="2343369" y="2328611"/>
+            <a:ext cx="526699" cy="4208373"/>
           </a:xfrm>
-          <a:prstGeom prst="rect">
+          <a:custGeom>
+            <a:avLst/>
+            <a:gdLst>
+              <a:gd name="connsiteX0" fmla="*/ 353906 w 526699"/>
+              <a:gd name="connsiteY0" fmla="*/ 65985 h 4208373"/>
+              <a:gd name="connsiteX1" fmla="*/ 414383 w 526699"/>
+              <a:gd name="connsiteY1" fmla="*/ 14145 h 4208373"/>
+              <a:gd name="connsiteX2" fmla="*/ 492140 w 526699"/>
+              <a:gd name="connsiteY2" fmla="*/ 212865 h 4208373"/>
+              <a:gd name="connsiteX3" fmla="*/ 509420 w 526699"/>
+              <a:gd name="connsiteY3" fmla="*/ 290625 h 4208373"/>
+              <a:gd name="connsiteX4" fmla="*/ 526699 w 526699"/>
+              <a:gd name="connsiteY4" fmla="*/ 610305 h 4208373"/>
+              <a:gd name="connsiteX5" fmla="*/ 526699 w 526699"/>
+              <a:gd name="connsiteY5" fmla="*/ 2960385 h 4208373"/>
+              <a:gd name="connsiteX6" fmla="*/ 509420 w 526699"/>
+              <a:gd name="connsiteY6" fmla="*/ 3591105 h 4208373"/>
+              <a:gd name="connsiteX7" fmla="*/ 483501 w 526699"/>
+              <a:gd name="connsiteY7" fmla="*/ 3928065 h 4208373"/>
+              <a:gd name="connsiteX8" fmla="*/ 431663 w 526699"/>
+              <a:gd name="connsiteY8" fmla="*/ 4152705 h 4208373"/>
+              <a:gd name="connsiteX9" fmla="*/ 379825 w 526699"/>
+              <a:gd name="connsiteY9" fmla="*/ 4195905 h 4208373"/>
+              <a:gd name="connsiteX10" fmla="*/ 120635 w 526699"/>
+              <a:gd name="connsiteY10" fmla="*/ 3971265 h 4208373"/>
+              <a:gd name="connsiteX11" fmla="*/ 8319 w 526699"/>
+              <a:gd name="connsiteY11" fmla="*/ 3668865 h 4208373"/>
+              <a:gd name="connsiteX12" fmla="*/ 8319 w 526699"/>
+              <a:gd name="connsiteY12" fmla="*/ 3383745 h 4208373"/>
+              <a:gd name="connsiteX13" fmla="*/ 8319 w 526699"/>
+              <a:gd name="connsiteY13" fmla="*/ 3305985 h 4208373"/>
+              <a:gd name="connsiteX14" fmla="*/ 51518 w 526699"/>
+              <a:gd name="connsiteY14" fmla="*/ 3262785 h 4208373"/>
+              <a:gd name="connsiteX15" fmla="*/ 94716 w 526699"/>
+              <a:gd name="connsiteY15" fmla="*/ 3262785 h 4208373"/>
+              <a:gd name="connsiteX16" fmla="*/ 129275 w 526699"/>
+              <a:gd name="connsiteY16" fmla="*/ 3271425 h 4208373"/>
+              <a:gd name="connsiteX17" fmla="*/ 137914 w 526699"/>
+              <a:gd name="connsiteY17" fmla="*/ 3340545 h 4208373"/>
+              <a:gd name="connsiteX18" fmla="*/ 137914 w 526699"/>
+              <a:gd name="connsiteY18" fmla="*/ 3444225 h 4208373"/>
+              <a:gd name="connsiteX19" fmla="*/ 137914 w 526699"/>
+              <a:gd name="connsiteY19" fmla="*/ 3539265 h 4208373"/>
+              <a:gd name="connsiteX20" fmla="*/ 137914 w 526699"/>
+              <a:gd name="connsiteY20" fmla="*/ 3608385 h 4208373"/>
+              <a:gd name="connsiteX21" fmla="*/ 181113 w 526699"/>
+              <a:gd name="connsiteY21" fmla="*/ 3694785 h 4208373"/>
+              <a:gd name="connsiteX22" fmla="*/ 250230 w 526699"/>
+              <a:gd name="connsiteY22" fmla="*/ 3789825 h 4208373"/>
+              <a:gd name="connsiteX23" fmla="*/ 319347 w 526699"/>
+              <a:gd name="connsiteY23" fmla="*/ 3789825 h 4208373"/>
+              <a:gd name="connsiteX24" fmla="*/ 302068 w 526699"/>
+              <a:gd name="connsiteY24" fmla="*/ 3556545 h 4208373"/>
+              <a:gd name="connsiteX25" fmla="*/ 302068 w 526699"/>
+              <a:gd name="connsiteY25" fmla="*/ 3159105 h 4208373"/>
+              <a:gd name="connsiteX26" fmla="*/ 319347 w 526699"/>
+              <a:gd name="connsiteY26" fmla="*/ 2424705 h 4208373"/>
+              <a:gd name="connsiteX27" fmla="*/ 371185 w 526699"/>
+              <a:gd name="connsiteY27" fmla="*/ 463425 h 4208373"/>
+              <a:gd name="connsiteX28" fmla="*/ 353906 w 526699"/>
+              <a:gd name="connsiteY28" fmla="*/ 65985 h 4208373"/>
+            </a:gdLst>
+            <a:ahLst/>
+            <a:cxnLst>
+              <a:cxn ang="0">
+                <a:pos x="connsiteX0" y="connsiteY0"/>
+              </a:cxn>
+              <a:cxn ang="0">
+                <a:pos x="connsiteX1" y="connsiteY1"/>
+              </a:cxn>
+              <a:cxn ang="0">
+                <a:pos x="connsiteX2" y="connsiteY2"/>
+              </a:cxn>
+              <a:cxn ang="0">
+                <a:pos x="connsiteX3" y="connsiteY3"/>
+              </a:cxn>
+              <a:cxn ang="0">
+                <a:pos x="connsiteX4" y="connsiteY4"/>
+              </a:cxn>
+              <a:cxn ang="0">
+                <a:pos x="connsiteX5" y="connsiteY5"/>
+              </a:cxn>
+              <a:cxn ang="0">
+                <a:pos x="connsiteX6" y="connsiteY6"/>
+              </a:cxn>
+              <a:cxn ang="0">
+                <a:pos x="connsiteX7" y="connsiteY7"/>
+              </a:cxn>
+              <a:cxn ang="0">
+                <a:pos x="connsiteX8" y="connsiteY8"/>
+              </a:cxn>
+              <a:cxn ang="0">
+                <a:pos x="connsiteX9" y="connsiteY9"/>
+              </a:cxn>
+              <a:cxn ang="0">
+                <a:pos x="connsiteX10" y="connsiteY10"/>
+              </a:cxn>
+              <a:cxn ang="0">
+                <a:pos x="connsiteX11" y="connsiteY11"/>
+              </a:cxn>
+              <a:cxn ang="0">
+                <a:pos x="connsiteX12" y="connsiteY12"/>
+              </a:cxn>
+              <a:cxn ang="0">
+                <a:pos x="connsiteX13" y="connsiteY13"/>
+              </a:cxn>
+              <a:cxn ang="0">
+                <a:pos x="connsiteX14" y="connsiteY14"/>
+              </a:cxn>
+              <a:cxn ang="0">
+                <a:pos x="connsiteX15" y="connsiteY15"/>
+              </a:cxn>
+              <a:cxn ang="0">
+                <a:pos x="connsiteX16" y="connsiteY16"/>
+              </a:cxn>
+              <a:cxn ang="0">
+                <a:pos x="connsiteX17" y="connsiteY17"/>
+              </a:cxn>
+              <a:cxn ang="0">
+                <a:pos x="connsiteX18" y="connsiteY18"/>
+              </a:cxn>
+              <a:cxn ang="0">
+                <a:pos x="connsiteX19" y="connsiteY19"/>
+              </a:cxn>
+              <a:cxn ang="0">
+                <a:pos x="connsiteX20" y="connsiteY20"/>
+              </a:cxn>
+              <a:cxn ang="0">
+                <a:pos x="connsiteX21" y="connsiteY21"/>
+              </a:cxn>
+              <a:cxn ang="0">
+                <a:pos x="connsiteX22" y="connsiteY22"/>
+              </a:cxn>
+              <a:cxn ang="0">
+                <a:pos x="connsiteX23" y="connsiteY23"/>
+              </a:cxn>
+              <a:cxn ang="0">
+                <a:pos x="connsiteX24" y="connsiteY24"/>
+              </a:cxn>
+              <a:cxn ang="0">
+                <a:pos x="connsiteX25" y="connsiteY25"/>
+              </a:cxn>
+              <a:cxn ang="0">
+                <a:pos x="connsiteX26" y="connsiteY26"/>
+              </a:cxn>
+              <a:cxn ang="0">
+                <a:pos x="connsiteX27" y="connsiteY27"/>
+              </a:cxn>
+              <a:cxn ang="0">
+                <a:pos x="connsiteX28" y="connsiteY28"/>
+              </a:cxn>
+            </a:cxnLst>
+            <a:rect l="l" t="t" r="r" b="b"/>
+            <a:pathLst>
+              <a:path w="526699" h="4208373">
+                <a:moveTo>
+                  <a:pt x="353906" y="65985"/>
+                </a:moveTo>
+                <a:cubicBezTo>
+                  <a:pt x="361106" y="-8895"/>
+                  <a:pt x="391344" y="-10335"/>
+                  <a:pt x="414383" y="14145"/>
+                </a:cubicBezTo>
+                <a:cubicBezTo>
+                  <a:pt x="437422" y="38625"/>
+                  <a:pt x="476301" y="166785"/>
+                  <a:pt x="492140" y="212865"/>
+                </a:cubicBezTo>
+                <a:cubicBezTo>
+                  <a:pt x="507980" y="258945"/>
+                  <a:pt x="503660" y="224385"/>
+                  <a:pt x="509420" y="290625"/>
+                </a:cubicBezTo>
+                <a:cubicBezTo>
+                  <a:pt x="515180" y="356865"/>
+                  <a:pt x="523819" y="165345"/>
+                  <a:pt x="526699" y="610305"/>
+                </a:cubicBezTo>
+                <a:cubicBezTo>
+                  <a:pt x="529579" y="1055265"/>
+                  <a:pt x="529579" y="2463585"/>
+                  <a:pt x="526699" y="2960385"/>
+                </a:cubicBezTo>
+                <a:cubicBezTo>
+                  <a:pt x="523819" y="3457185"/>
+                  <a:pt x="516620" y="3429825"/>
+                  <a:pt x="509420" y="3591105"/>
+                </a:cubicBezTo>
+                <a:cubicBezTo>
+                  <a:pt x="502220" y="3752385"/>
+                  <a:pt x="496461" y="3834465"/>
+                  <a:pt x="483501" y="3928065"/>
+                </a:cubicBezTo>
+                <a:cubicBezTo>
+                  <a:pt x="470542" y="4021665"/>
+                  <a:pt x="448942" y="4108065"/>
+                  <a:pt x="431663" y="4152705"/>
+                </a:cubicBezTo>
+                <a:cubicBezTo>
+                  <a:pt x="414384" y="4197345"/>
+                  <a:pt x="431663" y="4226145"/>
+                  <a:pt x="379825" y="4195905"/>
+                </a:cubicBezTo>
+                <a:cubicBezTo>
+                  <a:pt x="327987" y="4165665"/>
+                  <a:pt x="182553" y="4059105"/>
+                  <a:pt x="120635" y="3971265"/>
+                </a:cubicBezTo>
+                <a:cubicBezTo>
+                  <a:pt x="58717" y="3883425"/>
+                  <a:pt x="27038" y="3766785"/>
+                  <a:pt x="8319" y="3668865"/>
+                </a:cubicBezTo>
+                <a:cubicBezTo>
+                  <a:pt x="-10400" y="3570945"/>
+                  <a:pt x="8319" y="3383745"/>
+                  <a:pt x="8319" y="3383745"/>
+                </a:cubicBezTo>
+                <a:cubicBezTo>
+                  <a:pt x="8319" y="3323265"/>
+                  <a:pt x="1119" y="3326145"/>
+                  <a:pt x="8319" y="3305985"/>
+                </a:cubicBezTo>
+                <a:cubicBezTo>
+                  <a:pt x="15519" y="3285825"/>
+                  <a:pt x="37118" y="3269985"/>
+                  <a:pt x="51518" y="3262785"/>
+                </a:cubicBezTo>
+                <a:cubicBezTo>
+                  <a:pt x="65918" y="3255585"/>
+                  <a:pt x="81757" y="3261345"/>
+                  <a:pt x="94716" y="3262785"/>
+                </a:cubicBezTo>
+                <a:cubicBezTo>
+                  <a:pt x="107675" y="3264225"/>
+                  <a:pt x="122075" y="3258465"/>
+                  <a:pt x="129275" y="3271425"/>
+                </a:cubicBezTo>
+                <a:cubicBezTo>
+                  <a:pt x="136475" y="3284385"/>
+                  <a:pt x="136474" y="3311745"/>
+                  <a:pt x="137914" y="3340545"/>
+                </a:cubicBezTo>
+                <a:cubicBezTo>
+                  <a:pt x="139354" y="3369345"/>
+                  <a:pt x="137914" y="3444225"/>
+                  <a:pt x="137914" y="3444225"/>
+                </a:cubicBezTo>
+                <a:lnTo>
+                  <a:pt x="137914" y="3539265"/>
+                </a:lnTo>
+                <a:cubicBezTo>
+                  <a:pt x="137914" y="3566625"/>
+                  <a:pt x="130714" y="3582465"/>
+                  <a:pt x="137914" y="3608385"/>
+                </a:cubicBezTo>
+                <a:cubicBezTo>
+                  <a:pt x="145114" y="3634305"/>
+                  <a:pt x="162394" y="3664545"/>
+                  <a:pt x="181113" y="3694785"/>
+                </a:cubicBezTo>
+                <a:cubicBezTo>
+                  <a:pt x="199832" y="3725025"/>
+                  <a:pt x="227191" y="3773985"/>
+                  <a:pt x="250230" y="3789825"/>
+                </a:cubicBezTo>
+                <a:cubicBezTo>
+                  <a:pt x="273269" y="3805665"/>
+                  <a:pt x="310707" y="3828705"/>
+                  <a:pt x="319347" y="3789825"/>
+                </a:cubicBezTo>
+                <a:cubicBezTo>
+                  <a:pt x="327987" y="3750945"/>
+                  <a:pt x="304948" y="3661665"/>
+                  <a:pt x="302068" y="3556545"/>
+                </a:cubicBezTo>
+                <a:cubicBezTo>
+                  <a:pt x="299188" y="3451425"/>
+                  <a:pt x="299188" y="3347745"/>
+                  <a:pt x="302068" y="3159105"/>
+                </a:cubicBezTo>
+                <a:cubicBezTo>
+                  <a:pt x="304948" y="2970465"/>
+                  <a:pt x="307827" y="2873985"/>
+                  <a:pt x="319347" y="2424705"/>
+                </a:cubicBezTo>
+                <a:cubicBezTo>
+                  <a:pt x="330867" y="1975425"/>
+                  <a:pt x="361105" y="855105"/>
+                  <a:pt x="371185" y="463425"/>
+                </a:cubicBezTo>
+                <a:cubicBezTo>
+                  <a:pt x="381265" y="71745"/>
+                  <a:pt x="346706" y="140865"/>
+                  <a:pt x="353906" y="65985"/>
+                </a:cubicBezTo>
+                <a:close/>
+              </a:path>
+            </a:pathLst>
+          </a:custGeom>
+          <a:gradFill flip="none" rotWithShape="1">
+            <a:gsLst>
+              <a:gs pos="0">
+                <a:srgbClr val="CCCAB5"/>
+              </a:gs>
+              <a:gs pos="68000">
+                <a:srgbClr val="D9A77D"/>
+              </a:gs>
+              <a:gs pos="100000">
+                <a:srgbClr val="CB5E67">
+                  <a:alpha val="97000"/>
+                </a:srgbClr>
+              </a:gs>
+            </a:gsLst>
+            <a:path path="rect">
+              <a:fillToRect l="50000" t="50000" r="50000" b="50000"/>
+            </a:path>
+            <a:tileRect/>
+          </a:gradFill>
+          <a:ln w="19050" cmpd="sng">
+            <a:solidFill>
+              <a:srgbClr val="0D0D0D">
+                <a:alpha val="78000"/>
+              </a:srgbClr>
+            </a:solidFill>
+          </a:ln>
+          <a:effectLst>
+            <a:outerShdw blurRad="50800" dist="38100" dir="8100000" algn="tr" rotWithShape="0">
+              <a:prstClr val="black">
+                <a:alpha val="40000"/>
+              </a:prstClr>
+            </a:outerShdw>
+          </a:effectLst>
+        </p:spPr>
+        <p:style>
+          <a:lnRef idx="1">
+            <a:schemeClr val="accent1"/>
+          </a:lnRef>
+          <a:fillRef idx="3">
+            <a:schemeClr val="accent1"/>
+          </a:fillRef>
+          <a:effectRef idx="2">
+            <a:schemeClr val="accent1"/>
+          </a:effectRef>
+          <a:fontRef idx="minor">
+            <a:schemeClr val="lt1"/>
+          </a:fontRef>
+        </p:style>
+        <p:txBody>
+          <a:bodyPr lIns="91425" tIns="45713" rIns="91425" bIns="45713" spcCol="0" rtlCol="0" anchor="ctr"/>
+          <a:lstStyle/>
+          <a:p>
+            <a:pPr algn="ctr"/>
+            <a:endParaRPr lang="en-US"/>
+          </a:p>
+        </p:txBody>
+      </p:sp>
+      <p:sp>
+        <p:nvSpPr>
+          <p:cNvPr id="82" name="Oval 81"/>
+          <p:cNvSpPr/>
+          <p:nvPr/>
+        </p:nvSpPr>
+        <p:spPr>
+          <a:xfrm rot="11547">
+            <a:off x="2807805" y="3067107"/>
+            <a:ext cx="127115" cy="322886"/>
+          </a:xfrm>
+          <a:prstGeom prst="ellipse">
             <a:avLst/>
           </a:prstGeom>
+          <a:gradFill flip="none" rotWithShape="1">
+            <a:gsLst>
+              <a:gs pos="0">
+                <a:schemeClr val="bg1">
+                  <a:lumMod val="85000"/>
+                </a:schemeClr>
+              </a:gs>
+              <a:gs pos="100000">
+                <a:schemeClr val="bg1"/>
+              </a:gs>
+            </a:gsLst>
+            <a:lin ang="6060000" scaled="0"/>
+            <a:tileRect/>
+          </a:gradFill>
+          <a:ln w="12700" cmpd="sng">
+            <a:solidFill>
+              <a:srgbClr val="000000"/>
+            </a:solidFill>
+          </a:ln>
+          <a:effectLst>
+            <a:outerShdw blurRad="59055" dist="10287" dir="5700000" sx="103000" sy="103000" algn="tl" rotWithShape="0">
+              <a:schemeClr val="tx1">
+                <a:alpha val="32000"/>
+              </a:schemeClr>
+            </a:outerShdw>
+          </a:effectLst>
         </p:spPr>
-      </p:pic>
-      <p:pic>
-        <p:nvPicPr>
-          <p:cNvPr id="255" name="Picture 254" descr="facing-right-from-hole.png"/>
-          <p:cNvPicPr>
-            <a:picLocks noChangeAspect="1"/>
-          </p:cNvPicPr>
+        <p:style>
+          <a:lnRef idx="1">
+            <a:schemeClr val="accent1"/>
+          </a:lnRef>
+          <a:fillRef idx="3">
+            <a:schemeClr val="accent1"/>
+          </a:fillRef>
+          <a:effectRef idx="2">
+            <a:schemeClr val="accent1"/>
+          </a:effectRef>
+          <a:fontRef idx="minor">
+            <a:schemeClr val="lt1"/>
+          </a:fontRef>
+        </p:style>
+        <p:txBody>
+          <a:bodyPr rtlCol="0" anchor="ctr"/>
+          <a:lstStyle/>
+          <a:p>
+            <a:pPr algn="ctr"/>
+            <a:endParaRPr lang="en-US"/>
+          </a:p>
+        </p:txBody>
+      </p:sp>
+      <p:sp>
+        <p:nvSpPr>
+          <p:cNvPr id="83" name="Oval 82"/>
+          <p:cNvSpPr/>
           <p:nvPr/>
-        </p:nvPicPr>
-        <p:blipFill>
-          <a:blip r:embed="rId2">
-            <a:extLst>
-              <a:ext uri="{28A0092B-C50C-407E-A947-70E740481C1C}">
-                <a14:useLocalDpi xmlns:a14="http://schemas.microsoft.com/office/drawing/2010/main" val="0"/>
-              </a:ext>
-            </a:extLst>
-          </a:blip>
-          <a:stretch>
-            <a:fillRect/>
-          </a:stretch>
-        </p:blipFill>
+        </p:nvSpPr>
         <p:spPr>
-          <a:xfrm flipH="1">
-            <a:off x="6292519" y="1452476"/>
-            <a:ext cx="795586" cy="3668338"/>
+          <a:xfrm rot="11547">
+            <a:off x="2678510" y="3062966"/>
+            <a:ext cx="147212" cy="335546"/>
           </a:xfrm>
-          <a:prstGeom prst="rect">
+          <a:prstGeom prst="ellipse">
             <a:avLst/>
           </a:prstGeom>
+          <a:gradFill flip="none" rotWithShape="1">
+            <a:gsLst>
+              <a:gs pos="0">
+                <a:schemeClr val="bg1">
+                  <a:lumMod val="85000"/>
+                </a:schemeClr>
+              </a:gs>
+              <a:gs pos="100000">
+                <a:schemeClr val="bg1"/>
+              </a:gs>
+            </a:gsLst>
+            <a:lin ang="6060000" scaled="0"/>
+            <a:tileRect/>
+          </a:gradFill>
+          <a:ln w="12700" cmpd="sng">
+            <a:solidFill>
+              <a:srgbClr val="000000"/>
+            </a:solidFill>
+          </a:ln>
+          <a:effectLst>
+            <a:outerShdw blurRad="59055" dist="10287" dir="5700000" sx="103000" sy="103000" algn="tl" rotWithShape="0">
+              <a:schemeClr val="tx1">
+                <a:alpha val="32000"/>
+              </a:schemeClr>
+            </a:outerShdw>
+          </a:effectLst>
         </p:spPr>
-      </p:pic>
+        <p:style>
+          <a:lnRef idx="1">
+            <a:schemeClr val="accent1"/>
+          </a:lnRef>
+          <a:fillRef idx="3">
+            <a:schemeClr val="accent1"/>
+          </a:fillRef>
+          <a:effectRef idx="2">
+            <a:schemeClr val="accent1"/>
+          </a:effectRef>
+          <a:fontRef idx="minor">
+            <a:schemeClr val="lt1"/>
+          </a:fontRef>
+        </p:style>
+        <p:txBody>
+          <a:bodyPr rtlCol="0" anchor="ctr"/>
+          <a:lstStyle/>
+          <a:p>
+            <a:pPr algn="ctr"/>
+            <a:endParaRPr lang="en-US"/>
+          </a:p>
+        </p:txBody>
+      </p:sp>
+      <p:sp>
+        <p:nvSpPr>
+          <p:cNvPr id="84" name="Chord 83"/>
+          <p:cNvSpPr>
+            <a:spLocks noChangeAspect="1"/>
+          </p:cNvSpPr>
+          <p:nvPr/>
+        </p:nvSpPr>
+        <p:spPr>
+          <a:xfrm rot="6233163">
+            <a:off x="2787908" y="3042529"/>
+            <a:ext cx="176391" cy="123614"/>
+          </a:xfrm>
+          <a:prstGeom prst="chord">
+            <a:avLst>
+              <a:gd name="adj1" fmla="val 4814524"/>
+              <a:gd name="adj2" fmla="val 15252426"/>
+            </a:avLst>
+          </a:prstGeom>
+          <a:gradFill flip="none" rotWithShape="1">
+            <a:gsLst>
+              <a:gs pos="0">
+                <a:srgbClr val="CCCAB5"/>
+              </a:gs>
+              <a:gs pos="13000">
+                <a:srgbClr val="D9A77D"/>
+              </a:gs>
+              <a:gs pos="100000">
+                <a:srgbClr val="AA4D51">
+                  <a:alpha val="99000"/>
+                </a:srgbClr>
+              </a:gs>
+            </a:gsLst>
+            <a:path path="rect">
+              <a:fillToRect r="100000" b="100000"/>
+            </a:path>
+            <a:tileRect l="-100000" t="-100000"/>
+          </a:gradFill>
+          <a:ln w="12700" cmpd="sng">
+            <a:solidFill>
+              <a:srgbClr val="0D0D0D">
+                <a:alpha val="48000"/>
+              </a:srgbClr>
+            </a:solidFill>
+          </a:ln>
+          <a:effectLst>
+            <a:outerShdw blurRad="46355" dist="22987" dir="5400000" rotWithShape="0">
+              <a:srgbClr val="000000">
+                <a:alpha val="35000"/>
+              </a:srgbClr>
+            </a:outerShdw>
+          </a:effectLst>
+        </p:spPr>
+        <p:style>
+          <a:lnRef idx="1">
+            <a:schemeClr val="accent1"/>
+          </a:lnRef>
+          <a:fillRef idx="3">
+            <a:schemeClr val="accent1"/>
+          </a:fillRef>
+          <a:effectRef idx="2">
+            <a:schemeClr val="accent1"/>
+          </a:effectRef>
+          <a:fontRef idx="minor">
+            <a:schemeClr val="lt1"/>
+          </a:fontRef>
+        </p:style>
+        <p:txBody>
+          <a:bodyPr lIns="91425" tIns="45713" rIns="91425" bIns="45713" spcCol="0" rtlCol="0" anchor="ctr"/>
+          <a:lstStyle/>
+          <a:p>
+            <a:pPr algn="ctr"/>
+            <a:endParaRPr lang="en-US"/>
+          </a:p>
+        </p:txBody>
+      </p:sp>
+      <p:sp>
+        <p:nvSpPr>
+          <p:cNvPr id="85" name="Chord 84"/>
+          <p:cNvSpPr>
+            <a:spLocks noChangeAspect="1"/>
+          </p:cNvSpPr>
+          <p:nvPr/>
+        </p:nvSpPr>
+        <p:spPr>
+          <a:xfrm rot="5691068">
+            <a:off x="2643428" y="3031193"/>
+            <a:ext cx="199531" cy="141578"/>
+          </a:xfrm>
+          <a:prstGeom prst="chord">
+            <a:avLst>
+              <a:gd name="adj1" fmla="val 4814524"/>
+              <a:gd name="adj2" fmla="val 15252426"/>
+            </a:avLst>
+          </a:prstGeom>
+          <a:gradFill flip="none" rotWithShape="1">
+            <a:gsLst>
+              <a:gs pos="0">
+                <a:srgbClr val="CCCAB5"/>
+              </a:gs>
+              <a:gs pos="13000">
+                <a:srgbClr val="D9A77D"/>
+              </a:gs>
+              <a:gs pos="100000">
+                <a:srgbClr val="AA4D51">
+                  <a:alpha val="99000"/>
+                </a:srgbClr>
+              </a:gs>
+            </a:gsLst>
+            <a:path path="rect">
+              <a:fillToRect r="100000" b="100000"/>
+            </a:path>
+            <a:tileRect l="-100000" t="-100000"/>
+          </a:gradFill>
+          <a:ln w="12700" cmpd="sng">
+            <a:solidFill>
+              <a:srgbClr val="0D0D0D">
+                <a:alpha val="48000"/>
+              </a:srgbClr>
+            </a:solidFill>
+          </a:ln>
+          <a:effectLst>
+            <a:outerShdw blurRad="46355" dist="22987" dir="5400000" rotWithShape="0">
+              <a:srgbClr val="000000">
+                <a:alpha val="35000"/>
+              </a:srgbClr>
+            </a:outerShdw>
+          </a:effectLst>
+        </p:spPr>
+        <p:style>
+          <a:lnRef idx="1">
+            <a:schemeClr val="accent1"/>
+          </a:lnRef>
+          <a:fillRef idx="3">
+            <a:schemeClr val="accent1"/>
+          </a:fillRef>
+          <a:effectRef idx="2">
+            <a:schemeClr val="accent1"/>
+          </a:effectRef>
+          <a:fontRef idx="minor">
+            <a:schemeClr val="lt1"/>
+          </a:fontRef>
+        </p:style>
+        <p:txBody>
+          <a:bodyPr lIns="91425" tIns="45713" rIns="91425" bIns="45713" spcCol="0" rtlCol="0" anchor="ctr"/>
+          <a:lstStyle/>
+          <a:p>
+            <a:pPr algn="ctr"/>
+            <a:endParaRPr lang="en-US"/>
+          </a:p>
+        </p:txBody>
+      </p:sp>
+      <p:sp>
+        <p:nvSpPr>
+          <p:cNvPr id="86" name="Oval 85"/>
+          <p:cNvSpPr>
+            <a:spLocks noChangeAspect="1"/>
+          </p:cNvSpPr>
+          <p:nvPr/>
+        </p:nvSpPr>
+        <p:spPr>
+          <a:xfrm rot="21211788">
+            <a:off x="2703031" y="3189925"/>
+            <a:ext cx="102973" cy="129800"/>
+          </a:xfrm>
+          <a:prstGeom prst="ellipse">
+            <a:avLst/>
+          </a:prstGeom>
+          <a:gradFill>
+            <a:gsLst>
+              <a:gs pos="0">
+                <a:srgbClr val="755997"/>
+              </a:gs>
+              <a:gs pos="100000">
+                <a:srgbClr val="961AB3"/>
+              </a:gs>
+            </a:gsLst>
+            <a:lin ang="7200000" scaled="0"/>
+          </a:gradFill>
+          <a:ln w="9525" cmpd="sng">
+            <a:solidFill>
+              <a:schemeClr val="accent4">
+                <a:lumMod val="50000"/>
+                <a:alpha val="46000"/>
+              </a:schemeClr>
+            </a:solidFill>
+          </a:ln>
+          <a:effectLst>
+            <a:innerShdw blurRad="69850" dist="50800" dir="2700000">
+              <a:srgbClr val="8D24AA">
+                <a:alpha val="33000"/>
+              </a:srgbClr>
+            </a:innerShdw>
+          </a:effectLst>
+        </p:spPr>
+        <p:style>
+          <a:lnRef idx="1">
+            <a:schemeClr val="accent1"/>
+          </a:lnRef>
+          <a:fillRef idx="3">
+            <a:schemeClr val="accent1"/>
+          </a:fillRef>
+          <a:effectRef idx="2">
+            <a:schemeClr val="accent1"/>
+          </a:effectRef>
+          <a:fontRef idx="minor">
+            <a:schemeClr val="lt1"/>
+          </a:fontRef>
+        </p:style>
+        <p:txBody>
+          <a:bodyPr rot="0" spcFirstLastPara="0" vertOverflow="overflow" horzOverflow="overflow" vert="horz" wrap="square" lIns="91425" tIns="45713" rIns="91425" bIns="45713" numCol="1" spcCol="0" rtlCol="0" fromWordArt="0" anchor="ctr" anchorCtr="0" forceAA="0" compatLnSpc="1">
+            <a:prstTxWarp prst="textNoShape">
+              <a:avLst/>
+            </a:prstTxWarp>
+            <a:noAutofit/>
+          </a:bodyPr>
+          <a:lstStyle/>
+          <a:p>
+            <a:pPr algn="ctr"/>
+            <a:endParaRPr lang="en-US"/>
+          </a:p>
+        </p:txBody>
+      </p:sp>
+      <p:sp>
+        <p:nvSpPr>
+          <p:cNvPr id="87" name="Oval 86"/>
+          <p:cNvSpPr>
+            <a:spLocks noChangeAspect="1"/>
+          </p:cNvSpPr>
+          <p:nvPr/>
+        </p:nvSpPr>
+        <p:spPr>
+          <a:xfrm rot="21211788">
+            <a:off x="2732675" y="3229712"/>
+            <a:ext cx="49540" cy="59320"/>
+          </a:xfrm>
+          <a:prstGeom prst="ellipse">
+            <a:avLst/>
+          </a:prstGeom>
+          <a:solidFill>
+            <a:schemeClr val="tx1">
+              <a:alpha val="68000"/>
+            </a:schemeClr>
+          </a:solidFill>
+          <a:ln>
+            <a:solidFill>
+              <a:schemeClr val="tx1"/>
+            </a:solidFill>
+          </a:ln>
+          <a:effectLst>
+            <a:softEdge rad="12700"/>
+          </a:effectLst>
+        </p:spPr>
+        <p:style>
+          <a:lnRef idx="1">
+            <a:schemeClr val="accent1"/>
+          </a:lnRef>
+          <a:fillRef idx="3">
+            <a:schemeClr val="accent1"/>
+          </a:fillRef>
+          <a:effectRef idx="2">
+            <a:schemeClr val="accent1"/>
+          </a:effectRef>
+          <a:fontRef idx="minor">
+            <a:schemeClr val="lt1"/>
+          </a:fontRef>
+        </p:style>
+        <p:txBody>
+          <a:bodyPr rtlCol="0" anchor="ctr"/>
+          <a:lstStyle/>
+          <a:p>
+            <a:pPr algn="ctr"/>
+            <a:endParaRPr lang="en-US"/>
+          </a:p>
+        </p:txBody>
+      </p:sp>
+      <p:sp>
+        <p:nvSpPr>
+          <p:cNvPr id="88" name="Oval 87"/>
+          <p:cNvSpPr>
+            <a:spLocks noChangeAspect="1"/>
+          </p:cNvSpPr>
+          <p:nvPr/>
+        </p:nvSpPr>
+        <p:spPr>
+          <a:xfrm rot="20560099">
+            <a:off x="2832895" y="3203523"/>
+            <a:ext cx="89258" cy="112513"/>
+          </a:xfrm>
+          <a:prstGeom prst="ellipse">
+            <a:avLst/>
+          </a:prstGeom>
+          <a:gradFill>
+            <a:gsLst>
+              <a:gs pos="0">
+                <a:srgbClr val="755997"/>
+              </a:gs>
+              <a:gs pos="100000">
+                <a:srgbClr val="961AB3"/>
+              </a:gs>
+            </a:gsLst>
+            <a:lin ang="7200000" scaled="0"/>
+          </a:gradFill>
+          <a:ln w="9525" cmpd="sng">
+            <a:solidFill>
+              <a:schemeClr val="accent4">
+                <a:lumMod val="50000"/>
+                <a:alpha val="46000"/>
+              </a:schemeClr>
+            </a:solidFill>
+          </a:ln>
+          <a:effectLst>
+            <a:innerShdw blurRad="69850" dist="50800" dir="2700000">
+              <a:srgbClr val="8D24AA">
+                <a:alpha val="33000"/>
+              </a:srgbClr>
+            </a:innerShdw>
+          </a:effectLst>
+        </p:spPr>
+        <p:style>
+          <a:lnRef idx="1">
+            <a:schemeClr val="accent1"/>
+          </a:lnRef>
+          <a:fillRef idx="3">
+            <a:schemeClr val="accent1"/>
+          </a:fillRef>
+          <a:effectRef idx="2">
+            <a:schemeClr val="accent1"/>
+          </a:effectRef>
+          <a:fontRef idx="minor">
+            <a:schemeClr val="lt1"/>
+          </a:fontRef>
+        </p:style>
+        <p:txBody>
+          <a:bodyPr rot="0" spcFirstLastPara="0" vertOverflow="overflow" horzOverflow="overflow" vert="horz" wrap="square" lIns="91425" tIns="45713" rIns="91425" bIns="45713" numCol="1" spcCol="0" rtlCol="0" fromWordArt="0" anchor="ctr" anchorCtr="0" forceAA="0" compatLnSpc="1">
+            <a:prstTxWarp prst="textNoShape">
+              <a:avLst/>
+            </a:prstTxWarp>
+            <a:noAutofit/>
+          </a:bodyPr>
+          <a:lstStyle/>
+          <a:p>
+            <a:pPr algn="ctr"/>
+            <a:endParaRPr lang="en-US"/>
+          </a:p>
+        </p:txBody>
+      </p:sp>
+      <p:sp>
+        <p:nvSpPr>
+          <p:cNvPr id="89" name="Oval 88"/>
+          <p:cNvSpPr>
+            <a:spLocks/>
+          </p:cNvSpPr>
+          <p:nvPr/>
+        </p:nvSpPr>
+        <p:spPr>
+          <a:xfrm rot="20560099">
+            <a:off x="2859455" y="3241054"/>
+            <a:ext cx="42152" cy="50476"/>
+          </a:xfrm>
+          <a:prstGeom prst="ellipse">
+            <a:avLst/>
+          </a:prstGeom>
+          <a:solidFill>
+            <a:schemeClr val="tx1">
+              <a:alpha val="68000"/>
+            </a:schemeClr>
+          </a:solidFill>
+          <a:ln>
+            <a:solidFill>
+              <a:schemeClr val="tx1"/>
+            </a:solidFill>
+          </a:ln>
+          <a:effectLst>
+            <a:softEdge rad="12700"/>
+          </a:effectLst>
+        </p:spPr>
+        <p:style>
+          <a:lnRef idx="1">
+            <a:schemeClr val="accent1"/>
+          </a:lnRef>
+          <a:fillRef idx="3">
+            <a:schemeClr val="accent1"/>
+          </a:fillRef>
+          <a:effectRef idx="2">
+            <a:schemeClr val="accent1"/>
+          </a:effectRef>
+          <a:fontRef idx="minor">
+            <a:schemeClr val="lt1"/>
+          </a:fontRef>
+        </p:style>
+        <p:txBody>
+          <a:bodyPr rtlCol="0" anchor="ctr"/>
+          <a:lstStyle/>
+          <a:p>
+            <a:pPr algn="ctr"/>
+            <a:endParaRPr lang="en-US"/>
+          </a:p>
+        </p:txBody>
+      </p:sp>
+      <p:sp>
+        <p:nvSpPr>
+          <p:cNvPr id="90" name="Freeform 89"/>
+          <p:cNvSpPr/>
+          <p:nvPr/>
+        </p:nvSpPr>
+        <p:spPr>
+          <a:xfrm>
+            <a:off x="2717115" y="5185241"/>
+            <a:ext cx="103302" cy="45164"/>
+          </a:xfrm>
+          <a:custGeom>
+            <a:avLst/>
+            <a:gdLst>
+              <a:gd name="connsiteX0" fmla="*/ 0 w 90421"/>
+              <a:gd name="connsiteY0" fmla="*/ 0 h 33992"/>
+              <a:gd name="connsiteX1" fmla="*/ 81499 w 90421"/>
+              <a:gd name="connsiteY1" fmla="*/ 33959 h 33992"/>
+              <a:gd name="connsiteX2" fmla="*/ 88291 w 90421"/>
+              <a:gd name="connsiteY2" fmla="*/ 6792 h 33992"/>
+              <a:gd name="connsiteX3" fmla="*/ 88291 w 90421"/>
+              <a:gd name="connsiteY3" fmla="*/ 6792 h 33992"/>
+            </a:gdLst>
+            <a:ahLst/>
+            <a:cxnLst>
+              <a:cxn ang="0">
+                <a:pos x="connsiteX0" y="connsiteY0"/>
+              </a:cxn>
+              <a:cxn ang="0">
+                <a:pos x="connsiteX1" y="connsiteY1"/>
+              </a:cxn>
+              <a:cxn ang="0">
+                <a:pos x="connsiteX2" y="connsiteY2"/>
+              </a:cxn>
+              <a:cxn ang="0">
+                <a:pos x="connsiteX3" y="connsiteY3"/>
+              </a:cxn>
+            </a:cxnLst>
+            <a:rect l="l" t="t" r="r" b="b"/>
+            <a:pathLst>
+              <a:path w="90421" h="33992">
+                <a:moveTo>
+                  <a:pt x="0" y="0"/>
+                </a:moveTo>
+                <a:cubicBezTo>
+                  <a:pt x="33392" y="16413"/>
+                  <a:pt x="66784" y="32827"/>
+                  <a:pt x="81499" y="33959"/>
+                </a:cubicBezTo>
+                <a:cubicBezTo>
+                  <a:pt x="96214" y="35091"/>
+                  <a:pt x="88291" y="6792"/>
+                  <a:pt x="88291" y="6792"/>
+                </a:cubicBezTo>
+                <a:lnTo>
+                  <a:pt x="88291" y="6792"/>
+                </a:lnTo>
+              </a:path>
+            </a:pathLst>
+          </a:custGeom>
+          <a:ln w="12700" cmpd="sng">
+            <a:solidFill>
+              <a:schemeClr val="tx1">
+                <a:lumMod val="50000"/>
+                <a:lumOff val="50000"/>
+                <a:alpha val="58000"/>
+              </a:schemeClr>
+            </a:solidFill>
+          </a:ln>
+          <a:effectLst>
+            <a:innerShdw blurRad="63500" dist="50800" dir="2700000">
+              <a:prstClr val="black">
+                <a:alpha val="50000"/>
+              </a:prstClr>
+            </a:innerShdw>
+          </a:effectLst>
+        </p:spPr>
+        <p:style>
+          <a:lnRef idx="2">
+            <a:schemeClr val="accent1"/>
+          </a:lnRef>
+          <a:fillRef idx="0">
+            <a:schemeClr val="accent1"/>
+          </a:fillRef>
+          <a:effectRef idx="1">
+            <a:schemeClr val="accent1"/>
+          </a:effectRef>
+          <a:fontRef idx="minor">
+            <a:schemeClr val="tx1"/>
+          </a:fontRef>
+        </p:style>
+        <p:txBody>
+          <a:bodyPr rtlCol="0" anchor="ctr"/>
+          <a:lstStyle/>
+          <a:p>
+            <a:pPr algn="ctr"/>
+            <a:endParaRPr lang="en-US"/>
+          </a:p>
+        </p:txBody>
+      </p:sp>
+      <p:sp>
+        <p:nvSpPr>
+          <p:cNvPr id="91" name="Freeform 90"/>
+          <p:cNvSpPr/>
+          <p:nvPr/>
+        </p:nvSpPr>
+        <p:spPr>
+          <a:xfrm>
+            <a:off x="2720340" y="5604661"/>
+            <a:ext cx="103302" cy="45164"/>
+          </a:xfrm>
+          <a:custGeom>
+            <a:avLst/>
+            <a:gdLst>
+              <a:gd name="connsiteX0" fmla="*/ 0 w 90421"/>
+              <a:gd name="connsiteY0" fmla="*/ 0 h 33992"/>
+              <a:gd name="connsiteX1" fmla="*/ 81499 w 90421"/>
+              <a:gd name="connsiteY1" fmla="*/ 33959 h 33992"/>
+              <a:gd name="connsiteX2" fmla="*/ 88291 w 90421"/>
+              <a:gd name="connsiteY2" fmla="*/ 6792 h 33992"/>
+              <a:gd name="connsiteX3" fmla="*/ 88291 w 90421"/>
+              <a:gd name="connsiteY3" fmla="*/ 6792 h 33992"/>
+            </a:gdLst>
+            <a:ahLst/>
+            <a:cxnLst>
+              <a:cxn ang="0">
+                <a:pos x="connsiteX0" y="connsiteY0"/>
+              </a:cxn>
+              <a:cxn ang="0">
+                <a:pos x="connsiteX1" y="connsiteY1"/>
+              </a:cxn>
+              <a:cxn ang="0">
+                <a:pos x="connsiteX2" y="connsiteY2"/>
+              </a:cxn>
+              <a:cxn ang="0">
+                <a:pos x="connsiteX3" y="connsiteY3"/>
+              </a:cxn>
+            </a:cxnLst>
+            <a:rect l="l" t="t" r="r" b="b"/>
+            <a:pathLst>
+              <a:path w="90421" h="33992">
+                <a:moveTo>
+                  <a:pt x="0" y="0"/>
+                </a:moveTo>
+                <a:cubicBezTo>
+                  <a:pt x="33392" y="16413"/>
+                  <a:pt x="66784" y="32827"/>
+                  <a:pt x="81499" y="33959"/>
+                </a:cubicBezTo>
+                <a:cubicBezTo>
+                  <a:pt x="96214" y="35091"/>
+                  <a:pt x="88291" y="6792"/>
+                  <a:pt x="88291" y="6792"/>
+                </a:cubicBezTo>
+                <a:lnTo>
+                  <a:pt x="88291" y="6792"/>
+                </a:lnTo>
+              </a:path>
+            </a:pathLst>
+          </a:custGeom>
+          <a:ln w="12700" cmpd="sng">
+            <a:solidFill>
+              <a:schemeClr val="tx1">
+                <a:lumMod val="50000"/>
+                <a:lumOff val="50000"/>
+                <a:alpha val="58000"/>
+              </a:schemeClr>
+            </a:solidFill>
+          </a:ln>
+          <a:effectLst>
+            <a:innerShdw blurRad="63500" dist="50800" dir="2700000">
+              <a:prstClr val="black">
+                <a:alpha val="50000"/>
+              </a:prstClr>
+            </a:innerShdw>
+          </a:effectLst>
+        </p:spPr>
+        <p:style>
+          <a:lnRef idx="2">
+            <a:schemeClr val="accent1"/>
+          </a:lnRef>
+          <a:fillRef idx="0">
+            <a:schemeClr val="accent1"/>
+          </a:fillRef>
+          <a:effectRef idx="1">
+            <a:schemeClr val="accent1"/>
+          </a:effectRef>
+          <a:fontRef idx="minor">
+            <a:schemeClr val="tx1"/>
+          </a:fontRef>
+        </p:style>
+        <p:txBody>
+          <a:bodyPr rtlCol="0" anchor="ctr"/>
+          <a:lstStyle/>
+          <a:p>
+            <a:pPr algn="ctr"/>
+            <a:endParaRPr lang="en-US"/>
+          </a:p>
+        </p:txBody>
+      </p:sp>
+      <p:sp>
+        <p:nvSpPr>
+          <p:cNvPr id="92" name="Freeform 91"/>
+          <p:cNvSpPr/>
+          <p:nvPr/>
+        </p:nvSpPr>
+        <p:spPr>
+          <a:xfrm>
+            <a:off x="2732530" y="4860996"/>
+            <a:ext cx="103302" cy="45164"/>
+          </a:xfrm>
+          <a:custGeom>
+            <a:avLst/>
+            <a:gdLst>
+              <a:gd name="connsiteX0" fmla="*/ 0 w 90421"/>
+              <a:gd name="connsiteY0" fmla="*/ 0 h 33992"/>
+              <a:gd name="connsiteX1" fmla="*/ 81499 w 90421"/>
+              <a:gd name="connsiteY1" fmla="*/ 33959 h 33992"/>
+              <a:gd name="connsiteX2" fmla="*/ 88291 w 90421"/>
+              <a:gd name="connsiteY2" fmla="*/ 6792 h 33992"/>
+              <a:gd name="connsiteX3" fmla="*/ 88291 w 90421"/>
+              <a:gd name="connsiteY3" fmla="*/ 6792 h 33992"/>
+            </a:gdLst>
+            <a:ahLst/>
+            <a:cxnLst>
+              <a:cxn ang="0">
+                <a:pos x="connsiteX0" y="connsiteY0"/>
+              </a:cxn>
+              <a:cxn ang="0">
+                <a:pos x="connsiteX1" y="connsiteY1"/>
+              </a:cxn>
+              <a:cxn ang="0">
+                <a:pos x="connsiteX2" y="connsiteY2"/>
+              </a:cxn>
+              <a:cxn ang="0">
+                <a:pos x="connsiteX3" y="connsiteY3"/>
+              </a:cxn>
+            </a:cxnLst>
+            <a:rect l="l" t="t" r="r" b="b"/>
+            <a:pathLst>
+              <a:path w="90421" h="33992">
+                <a:moveTo>
+                  <a:pt x="0" y="0"/>
+                </a:moveTo>
+                <a:cubicBezTo>
+                  <a:pt x="33392" y="16413"/>
+                  <a:pt x="66784" y="32827"/>
+                  <a:pt x="81499" y="33959"/>
+                </a:cubicBezTo>
+                <a:cubicBezTo>
+                  <a:pt x="96214" y="35091"/>
+                  <a:pt x="88291" y="6792"/>
+                  <a:pt x="88291" y="6792"/>
+                </a:cubicBezTo>
+                <a:lnTo>
+                  <a:pt x="88291" y="6792"/>
+                </a:lnTo>
+              </a:path>
+            </a:pathLst>
+          </a:custGeom>
+          <a:ln w="12700" cmpd="sng">
+            <a:solidFill>
+              <a:schemeClr val="tx1">
+                <a:lumMod val="50000"/>
+                <a:lumOff val="50000"/>
+                <a:alpha val="58000"/>
+              </a:schemeClr>
+            </a:solidFill>
+          </a:ln>
+          <a:effectLst>
+            <a:innerShdw blurRad="63500" dist="50800" dir="2700000">
+              <a:prstClr val="black">
+                <a:alpha val="50000"/>
+              </a:prstClr>
+            </a:innerShdw>
+          </a:effectLst>
+        </p:spPr>
+        <p:style>
+          <a:lnRef idx="2">
+            <a:schemeClr val="accent1"/>
+          </a:lnRef>
+          <a:fillRef idx="0">
+            <a:schemeClr val="accent1"/>
+          </a:fillRef>
+          <a:effectRef idx="1">
+            <a:schemeClr val="accent1"/>
+          </a:effectRef>
+          <a:fontRef idx="minor">
+            <a:schemeClr val="tx1"/>
+          </a:fontRef>
+        </p:style>
+        <p:txBody>
+          <a:bodyPr rtlCol="0" anchor="ctr"/>
+          <a:lstStyle/>
+          <a:p>
+            <a:pPr algn="ctr"/>
+            <a:endParaRPr lang="en-US"/>
+          </a:p>
+        </p:txBody>
+      </p:sp>
+      <p:sp>
+        <p:nvSpPr>
+          <p:cNvPr id="93" name="Freeform 92"/>
+          <p:cNvSpPr/>
+          <p:nvPr/>
+        </p:nvSpPr>
+        <p:spPr>
+          <a:xfrm rot="120000">
+            <a:off x="2741500" y="3623213"/>
+            <a:ext cx="693379" cy="1346918"/>
+          </a:xfrm>
+          <a:custGeom>
+            <a:avLst/>
+            <a:gdLst>
+              <a:gd name="connsiteX0" fmla="*/ 6688 w 851238"/>
+              <a:gd name="connsiteY0" fmla="*/ 120650 h 1524000"/>
+              <a:gd name="connsiteX1" fmla="*/ 13038 w 851238"/>
+              <a:gd name="connsiteY1" fmla="*/ 69850 h 1524000"/>
+              <a:gd name="connsiteX2" fmla="*/ 25738 w 851238"/>
+              <a:gd name="connsiteY2" fmla="*/ 31750 h 1524000"/>
+              <a:gd name="connsiteX3" fmla="*/ 44788 w 851238"/>
+              <a:gd name="connsiteY3" fmla="*/ 25400 h 1524000"/>
+              <a:gd name="connsiteX4" fmla="*/ 51138 w 851238"/>
+              <a:gd name="connsiteY4" fmla="*/ 6350 h 1524000"/>
+              <a:gd name="connsiteX5" fmla="*/ 70188 w 851238"/>
+              <a:gd name="connsiteY5" fmla="*/ 0 h 1524000"/>
+              <a:gd name="connsiteX6" fmla="*/ 140038 w 851238"/>
+              <a:gd name="connsiteY6" fmla="*/ 6350 h 1524000"/>
+              <a:gd name="connsiteX7" fmla="*/ 152738 w 851238"/>
+              <a:gd name="connsiteY7" fmla="*/ 247650 h 1524000"/>
+              <a:gd name="connsiteX8" fmla="*/ 165438 w 851238"/>
+              <a:gd name="connsiteY8" fmla="*/ 298450 h 1524000"/>
+              <a:gd name="connsiteX9" fmla="*/ 178138 w 851238"/>
+              <a:gd name="connsiteY9" fmla="*/ 323850 h 1524000"/>
+              <a:gd name="connsiteX10" fmla="*/ 190838 w 851238"/>
+              <a:gd name="connsiteY10" fmla="*/ 368300 h 1524000"/>
+              <a:gd name="connsiteX11" fmla="*/ 197188 w 851238"/>
+              <a:gd name="connsiteY11" fmla="*/ 387350 h 1524000"/>
+              <a:gd name="connsiteX12" fmla="*/ 209888 w 851238"/>
+              <a:gd name="connsiteY12" fmla="*/ 406400 h 1524000"/>
+              <a:gd name="connsiteX13" fmla="*/ 222588 w 851238"/>
+              <a:gd name="connsiteY13" fmla="*/ 444500 h 1524000"/>
+              <a:gd name="connsiteX14" fmla="*/ 235288 w 851238"/>
+              <a:gd name="connsiteY14" fmla="*/ 469900 h 1524000"/>
+              <a:gd name="connsiteX15" fmla="*/ 267038 w 851238"/>
+              <a:gd name="connsiteY15" fmla="*/ 558800 h 1524000"/>
+              <a:gd name="connsiteX16" fmla="*/ 292438 w 851238"/>
+              <a:gd name="connsiteY16" fmla="*/ 635000 h 1524000"/>
+              <a:gd name="connsiteX17" fmla="*/ 311488 w 851238"/>
+              <a:gd name="connsiteY17" fmla="*/ 685800 h 1524000"/>
+              <a:gd name="connsiteX18" fmla="*/ 330538 w 851238"/>
+              <a:gd name="connsiteY18" fmla="*/ 723900 h 1524000"/>
+              <a:gd name="connsiteX19" fmla="*/ 343238 w 851238"/>
+              <a:gd name="connsiteY19" fmla="*/ 768350 h 1524000"/>
+              <a:gd name="connsiteX20" fmla="*/ 368638 w 851238"/>
+              <a:gd name="connsiteY20" fmla="*/ 819150 h 1524000"/>
+              <a:gd name="connsiteX21" fmla="*/ 374988 w 851238"/>
+              <a:gd name="connsiteY21" fmla="*/ 850900 h 1524000"/>
+              <a:gd name="connsiteX22" fmla="*/ 381338 w 851238"/>
+              <a:gd name="connsiteY22" fmla="*/ 869950 h 1524000"/>
+              <a:gd name="connsiteX23" fmla="*/ 394038 w 851238"/>
+              <a:gd name="connsiteY23" fmla="*/ 933450 h 1524000"/>
+              <a:gd name="connsiteX24" fmla="*/ 400388 w 851238"/>
+              <a:gd name="connsiteY24" fmla="*/ 952500 h 1524000"/>
+              <a:gd name="connsiteX25" fmla="*/ 413088 w 851238"/>
+              <a:gd name="connsiteY25" fmla="*/ 977900 h 1524000"/>
+              <a:gd name="connsiteX26" fmla="*/ 425788 w 851238"/>
+              <a:gd name="connsiteY26" fmla="*/ 1028700 h 1524000"/>
+              <a:gd name="connsiteX27" fmla="*/ 438488 w 851238"/>
+              <a:gd name="connsiteY27" fmla="*/ 1073150 h 1524000"/>
+              <a:gd name="connsiteX28" fmla="*/ 444838 w 851238"/>
+              <a:gd name="connsiteY28" fmla="*/ 1130300 h 1524000"/>
+              <a:gd name="connsiteX29" fmla="*/ 451188 w 851238"/>
+              <a:gd name="connsiteY29" fmla="*/ 1193800 h 1524000"/>
+              <a:gd name="connsiteX30" fmla="*/ 463888 w 851238"/>
+              <a:gd name="connsiteY30" fmla="*/ 1263650 h 1524000"/>
+              <a:gd name="connsiteX31" fmla="*/ 489288 w 851238"/>
+              <a:gd name="connsiteY31" fmla="*/ 1301750 h 1524000"/>
+              <a:gd name="connsiteX32" fmla="*/ 495638 w 851238"/>
+              <a:gd name="connsiteY32" fmla="*/ 1320800 h 1524000"/>
+              <a:gd name="connsiteX33" fmla="*/ 501988 w 851238"/>
+              <a:gd name="connsiteY33" fmla="*/ 1346200 h 1524000"/>
+              <a:gd name="connsiteX34" fmla="*/ 546438 w 851238"/>
+              <a:gd name="connsiteY34" fmla="*/ 1403350 h 1524000"/>
+              <a:gd name="connsiteX35" fmla="*/ 559138 w 851238"/>
+              <a:gd name="connsiteY35" fmla="*/ 1422400 h 1524000"/>
+              <a:gd name="connsiteX36" fmla="*/ 635338 w 851238"/>
+              <a:gd name="connsiteY36" fmla="*/ 1441450 h 1524000"/>
+              <a:gd name="connsiteX37" fmla="*/ 692488 w 851238"/>
+              <a:gd name="connsiteY37" fmla="*/ 1447800 h 1524000"/>
+              <a:gd name="connsiteX38" fmla="*/ 730588 w 851238"/>
+              <a:gd name="connsiteY38" fmla="*/ 1454150 h 1524000"/>
+              <a:gd name="connsiteX39" fmla="*/ 851238 w 851238"/>
+              <a:gd name="connsiteY39" fmla="*/ 1460500 h 1524000"/>
+              <a:gd name="connsiteX40" fmla="*/ 832188 w 851238"/>
+              <a:gd name="connsiteY40" fmla="*/ 1466850 h 1524000"/>
+              <a:gd name="connsiteX41" fmla="*/ 787738 w 851238"/>
+              <a:gd name="connsiteY41" fmla="*/ 1517650 h 1524000"/>
+              <a:gd name="connsiteX42" fmla="*/ 736938 w 851238"/>
+              <a:gd name="connsiteY42" fmla="*/ 1524000 h 1524000"/>
+              <a:gd name="connsiteX43" fmla="*/ 578188 w 851238"/>
+              <a:gd name="connsiteY43" fmla="*/ 1517650 h 1524000"/>
+              <a:gd name="connsiteX44" fmla="*/ 540088 w 851238"/>
+              <a:gd name="connsiteY44" fmla="*/ 1492250 h 1524000"/>
+              <a:gd name="connsiteX45" fmla="*/ 514688 w 851238"/>
+              <a:gd name="connsiteY45" fmla="*/ 1485900 h 1524000"/>
+              <a:gd name="connsiteX46" fmla="*/ 476588 w 851238"/>
+              <a:gd name="connsiteY46" fmla="*/ 1454150 h 1524000"/>
+              <a:gd name="connsiteX47" fmla="*/ 457538 w 851238"/>
+              <a:gd name="connsiteY47" fmla="*/ 1435100 h 1524000"/>
+              <a:gd name="connsiteX48" fmla="*/ 432138 w 851238"/>
+              <a:gd name="connsiteY48" fmla="*/ 1416050 h 1524000"/>
+              <a:gd name="connsiteX49" fmla="*/ 400388 w 851238"/>
+              <a:gd name="connsiteY49" fmla="*/ 1384300 h 1524000"/>
+              <a:gd name="connsiteX50" fmla="*/ 394038 w 851238"/>
+              <a:gd name="connsiteY50" fmla="*/ 1365250 h 1524000"/>
+              <a:gd name="connsiteX51" fmla="*/ 387688 w 851238"/>
+              <a:gd name="connsiteY51" fmla="*/ 1333500 h 1524000"/>
+              <a:gd name="connsiteX52" fmla="*/ 374988 w 851238"/>
+              <a:gd name="connsiteY52" fmla="*/ 1314450 h 1524000"/>
+              <a:gd name="connsiteX53" fmla="*/ 368638 w 851238"/>
+              <a:gd name="connsiteY53" fmla="*/ 1295400 h 1524000"/>
+              <a:gd name="connsiteX54" fmla="*/ 355938 w 851238"/>
+              <a:gd name="connsiteY54" fmla="*/ 1270000 h 1524000"/>
+              <a:gd name="connsiteX55" fmla="*/ 336888 w 851238"/>
+              <a:gd name="connsiteY55" fmla="*/ 1225550 h 1524000"/>
+              <a:gd name="connsiteX56" fmla="*/ 324188 w 851238"/>
+              <a:gd name="connsiteY56" fmla="*/ 1168400 h 1524000"/>
+              <a:gd name="connsiteX57" fmla="*/ 317838 w 851238"/>
+              <a:gd name="connsiteY57" fmla="*/ 1149350 h 1524000"/>
+              <a:gd name="connsiteX58" fmla="*/ 311488 w 851238"/>
+              <a:gd name="connsiteY58" fmla="*/ 1104900 h 1524000"/>
+              <a:gd name="connsiteX59" fmla="*/ 305138 w 851238"/>
+              <a:gd name="connsiteY59" fmla="*/ 1073150 h 1524000"/>
+              <a:gd name="connsiteX60" fmla="*/ 298788 w 851238"/>
+              <a:gd name="connsiteY60" fmla="*/ 1028700 h 1524000"/>
+              <a:gd name="connsiteX61" fmla="*/ 279738 w 851238"/>
+              <a:gd name="connsiteY61" fmla="*/ 1085850 h 1524000"/>
+              <a:gd name="connsiteX62" fmla="*/ 273388 w 851238"/>
+              <a:gd name="connsiteY62" fmla="*/ 1035050 h 1524000"/>
+              <a:gd name="connsiteX63" fmla="*/ 254338 w 851238"/>
+              <a:gd name="connsiteY63" fmla="*/ 971550 h 1524000"/>
+              <a:gd name="connsiteX64" fmla="*/ 241638 w 851238"/>
+              <a:gd name="connsiteY64" fmla="*/ 914400 h 1524000"/>
+              <a:gd name="connsiteX65" fmla="*/ 235288 w 851238"/>
+              <a:gd name="connsiteY65" fmla="*/ 882650 h 1524000"/>
+              <a:gd name="connsiteX66" fmla="*/ 222588 w 851238"/>
+              <a:gd name="connsiteY66" fmla="*/ 844550 h 1524000"/>
+              <a:gd name="connsiteX67" fmla="*/ 216238 w 851238"/>
+              <a:gd name="connsiteY67" fmla="*/ 787400 h 1524000"/>
+              <a:gd name="connsiteX68" fmla="*/ 203538 w 851238"/>
+              <a:gd name="connsiteY68" fmla="*/ 806450 h 1524000"/>
+              <a:gd name="connsiteX69" fmla="*/ 190838 w 851238"/>
+              <a:gd name="connsiteY69" fmla="*/ 844550 h 1524000"/>
+              <a:gd name="connsiteX70" fmla="*/ 178138 w 851238"/>
+              <a:gd name="connsiteY70" fmla="*/ 806450 h 1524000"/>
+              <a:gd name="connsiteX71" fmla="*/ 171788 w 851238"/>
+              <a:gd name="connsiteY71" fmla="*/ 774700 h 1524000"/>
+              <a:gd name="connsiteX72" fmla="*/ 159088 w 851238"/>
+              <a:gd name="connsiteY72" fmla="*/ 749300 h 1524000"/>
+              <a:gd name="connsiteX73" fmla="*/ 146388 w 851238"/>
+              <a:gd name="connsiteY73" fmla="*/ 685800 h 1524000"/>
+              <a:gd name="connsiteX74" fmla="*/ 140038 w 851238"/>
+              <a:gd name="connsiteY74" fmla="*/ 654050 h 1524000"/>
+              <a:gd name="connsiteX75" fmla="*/ 114638 w 851238"/>
+              <a:gd name="connsiteY75" fmla="*/ 673100 h 1524000"/>
+              <a:gd name="connsiteX76" fmla="*/ 95588 w 851238"/>
+              <a:gd name="connsiteY76" fmla="*/ 692150 h 1524000"/>
+              <a:gd name="connsiteX77" fmla="*/ 82888 w 851238"/>
+              <a:gd name="connsiteY77" fmla="*/ 641350 h 1524000"/>
+              <a:gd name="connsiteX78" fmla="*/ 70188 w 851238"/>
+              <a:gd name="connsiteY78" fmla="*/ 571500 h 1524000"/>
+              <a:gd name="connsiteX79" fmla="*/ 57488 w 851238"/>
+              <a:gd name="connsiteY79" fmla="*/ 520700 h 1524000"/>
+              <a:gd name="connsiteX80" fmla="*/ 44788 w 851238"/>
+              <a:gd name="connsiteY80" fmla="*/ 482600 h 1524000"/>
+              <a:gd name="connsiteX81" fmla="*/ 19388 w 851238"/>
+              <a:gd name="connsiteY81" fmla="*/ 444500 h 1524000"/>
+              <a:gd name="connsiteX82" fmla="*/ 13038 w 851238"/>
+              <a:gd name="connsiteY82" fmla="*/ 266700 h 1524000"/>
+              <a:gd name="connsiteX83" fmla="*/ 6688 w 851238"/>
+              <a:gd name="connsiteY83" fmla="*/ 285750 h 1524000"/>
+              <a:gd name="connsiteX84" fmla="*/ 338 w 851238"/>
+              <a:gd name="connsiteY84" fmla="*/ 266700 h 1524000"/>
+              <a:gd name="connsiteX85" fmla="*/ 6688 w 851238"/>
+              <a:gd name="connsiteY85" fmla="*/ 120650 h 1524000"/>
+            </a:gdLst>
+            <a:ahLst/>
+            <a:cxnLst>
+              <a:cxn ang="0">
+                <a:pos x="connsiteX0" y="connsiteY0"/>
+              </a:cxn>
+              <a:cxn ang="0">
+                <a:pos x="connsiteX1" y="connsiteY1"/>
+              </a:cxn>
+              <a:cxn ang="0">
+                <a:pos x="connsiteX2" y="connsiteY2"/>
+              </a:cxn>
+              <a:cxn ang="0">
+                <a:pos x="connsiteX3" y="connsiteY3"/>
+              </a:cxn>
+              <a:cxn ang="0">
+                <a:pos x="connsiteX4" y="connsiteY4"/>
+              </a:cxn>
+              <a:cxn ang="0">
+                <a:pos x="connsiteX5" y="connsiteY5"/>
+              </a:cxn>
+              <a:cxn ang="0">
+                <a:pos x="connsiteX6" y="connsiteY6"/>
+              </a:cxn>
+              <a:cxn ang="0">
+                <a:pos x="connsiteX7" y="connsiteY7"/>
+              </a:cxn>
+              <a:cxn ang="0">
+                <a:pos x="connsiteX8" y="connsiteY8"/>
+              </a:cxn>
+              <a:cxn ang="0">
+                <a:pos x="connsiteX9" y="connsiteY9"/>
+              </a:cxn>
+              <a:cxn ang="0">
+                <a:pos x="connsiteX10" y="connsiteY10"/>
+              </a:cxn>
+              <a:cxn ang="0">
+                <a:pos x="connsiteX11" y="connsiteY11"/>
+              </a:cxn>
+              <a:cxn ang="0">
+                <a:pos x="connsiteX12" y="connsiteY12"/>
+              </a:cxn>
+              <a:cxn ang="0">
+                <a:pos x="connsiteX13" y="connsiteY13"/>
+              </a:cxn>
+              <a:cxn ang="0">
+                <a:pos x="connsiteX14" y="connsiteY14"/>
+              </a:cxn>
+              <a:cxn ang="0">
+                <a:pos x="connsiteX15" y="connsiteY15"/>
+              </a:cxn>
+              <a:cxn ang="0">
+                <a:pos x="connsiteX16" y="connsiteY16"/>
+              </a:cxn>
+              <a:cxn ang="0">
+                <a:pos x="connsiteX17" y="connsiteY17"/>
+              </a:cxn>
+              <a:cxn ang="0">
+                <a:pos x="connsiteX18" y="connsiteY18"/>
+              </a:cxn>
+              <a:cxn ang="0">
+                <a:pos x="connsiteX19" y="connsiteY19"/>
+              </a:cxn>
+              <a:cxn ang="0">
+                <a:pos x="connsiteX20" y="connsiteY20"/>
+              </a:cxn>
+              <a:cxn ang="0">
+                <a:pos x="connsiteX21" y="connsiteY21"/>
+              </a:cxn>
+              <a:cxn ang="0">
+                <a:pos x="connsiteX22" y="connsiteY22"/>
+              </a:cxn>
+              <a:cxn ang="0">
+                <a:pos x="connsiteX23" y="connsiteY23"/>
+              </a:cxn>
+              <a:cxn ang="0">
+                <a:pos x="connsiteX24" y="connsiteY24"/>
+              </a:cxn>
+              <a:cxn ang="0">
+                <a:pos x="connsiteX25" y="connsiteY25"/>
+              </a:cxn>
+              <a:cxn ang="0">
+                <a:pos x="connsiteX26" y="connsiteY26"/>
+              </a:cxn>
+              <a:cxn ang="0">
+                <a:pos x="connsiteX27" y="connsiteY27"/>
+              </a:cxn>
+              <a:cxn ang="0">
+                <a:pos x="connsiteX28" y="connsiteY28"/>
+              </a:cxn>
+              <a:cxn ang="0">
+                <a:pos x="connsiteX29" y="connsiteY29"/>
+              </a:cxn>
+              <a:cxn ang="0">
+                <a:pos x="connsiteX30" y="connsiteY30"/>
+              </a:cxn>
+              <a:cxn ang="0">
+                <a:pos x="connsiteX31" y="connsiteY31"/>
+              </a:cxn>
+              <a:cxn ang="0">
+                <a:pos x="connsiteX32" y="connsiteY32"/>
+              </a:cxn>
+              <a:cxn ang="0">
+                <a:pos x="connsiteX33" y="connsiteY33"/>
+              </a:cxn>
+              <a:cxn ang="0">
+                <a:pos x="connsiteX34" y="connsiteY34"/>
+              </a:cxn>
+              <a:cxn ang="0">
+                <a:pos x="connsiteX35" y="connsiteY35"/>
+              </a:cxn>
+              <a:cxn ang="0">
+                <a:pos x="connsiteX36" y="connsiteY36"/>
+              </a:cxn>
+              <a:cxn ang="0">
+                <a:pos x="connsiteX37" y="connsiteY37"/>
+              </a:cxn>
+              <a:cxn ang="0">
+                <a:pos x="connsiteX38" y="connsiteY38"/>
+              </a:cxn>
+              <a:cxn ang="0">
+                <a:pos x="connsiteX39" y="connsiteY39"/>
+              </a:cxn>
+              <a:cxn ang="0">
+                <a:pos x="connsiteX40" y="connsiteY40"/>
+              </a:cxn>
+              <a:cxn ang="0">
+                <a:pos x="connsiteX41" y="connsiteY41"/>
+              </a:cxn>
+              <a:cxn ang="0">
+                <a:pos x="connsiteX42" y="connsiteY42"/>
+              </a:cxn>
+              <a:cxn ang="0">
+                <a:pos x="connsiteX43" y="connsiteY43"/>
+              </a:cxn>
+              <a:cxn ang="0">
+                <a:pos x="connsiteX44" y="connsiteY44"/>
+              </a:cxn>
+              <a:cxn ang="0">
+                <a:pos x="connsiteX45" y="connsiteY45"/>
+              </a:cxn>
+              <a:cxn ang="0">
+                <a:pos x="connsiteX46" y="connsiteY46"/>
+              </a:cxn>
+              <a:cxn ang="0">
+                <a:pos x="connsiteX47" y="connsiteY47"/>
+              </a:cxn>
+              <a:cxn ang="0">
+                <a:pos x="connsiteX48" y="connsiteY48"/>
+              </a:cxn>
+              <a:cxn ang="0">
+                <a:pos x="connsiteX49" y="connsiteY49"/>
+              </a:cxn>
+              <a:cxn ang="0">
+                <a:pos x="connsiteX50" y="connsiteY50"/>
+              </a:cxn>
+              <a:cxn ang="0">
+                <a:pos x="connsiteX51" y="connsiteY51"/>
+              </a:cxn>
+              <a:cxn ang="0">
+                <a:pos x="connsiteX52" y="connsiteY52"/>
+              </a:cxn>
+              <a:cxn ang="0">
+                <a:pos x="connsiteX53" y="connsiteY53"/>
+              </a:cxn>
+              <a:cxn ang="0">
+                <a:pos x="connsiteX54" y="connsiteY54"/>
+              </a:cxn>
+              <a:cxn ang="0">
+                <a:pos x="connsiteX55" y="connsiteY55"/>
+              </a:cxn>
+              <a:cxn ang="0">
+                <a:pos x="connsiteX56" y="connsiteY56"/>
+              </a:cxn>
+              <a:cxn ang="0">
+                <a:pos x="connsiteX57" y="connsiteY57"/>
+              </a:cxn>
+              <a:cxn ang="0">
+                <a:pos x="connsiteX58" y="connsiteY58"/>
+              </a:cxn>
+              <a:cxn ang="0">
+                <a:pos x="connsiteX59" y="connsiteY59"/>
+              </a:cxn>
+              <a:cxn ang="0">
+                <a:pos x="connsiteX60" y="connsiteY60"/>
+              </a:cxn>
+              <a:cxn ang="0">
+                <a:pos x="connsiteX61" y="connsiteY61"/>
+              </a:cxn>
+              <a:cxn ang="0">
+                <a:pos x="connsiteX62" y="connsiteY62"/>
+              </a:cxn>
+              <a:cxn ang="0">
+                <a:pos x="connsiteX63" y="connsiteY63"/>
+              </a:cxn>
+              <a:cxn ang="0">
+                <a:pos x="connsiteX64" y="connsiteY64"/>
+              </a:cxn>
+              <a:cxn ang="0">
+                <a:pos x="connsiteX65" y="connsiteY65"/>
+              </a:cxn>
+              <a:cxn ang="0">
+                <a:pos x="connsiteX66" y="connsiteY66"/>
+              </a:cxn>
+              <a:cxn ang="0">
+                <a:pos x="connsiteX67" y="connsiteY67"/>
+              </a:cxn>
+              <a:cxn ang="0">
+                <a:pos x="connsiteX68" y="connsiteY68"/>
+              </a:cxn>
+              <a:cxn ang="0">
+                <a:pos x="connsiteX69" y="connsiteY69"/>
+              </a:cxn>
+              <a:cxn ang="0">
+                <a:pos x="connsiteX70" y="connsiteY70"/>
+              </a:cxn>
+              <a:cxn ang="0">
+                <a:pos x="connsiteX71" y="connsiteY71"/>
+              </a:cxn>
+              <a:cxn ang="0">
+                <a:pos x="connsiteX72" y="connsiteY72"/>
+              </a:cxn>
+              <a:cxn ang="0">
+                <a:pos x="connsiteX73" y="connsiteY73"/>
+              </a:cxn>
+              <a:cxn ang="0">
+                <a:pos x="connsiteX74" y="connsiteY74"/>
+              </a:cxn>
+              <a:cxn ang="0">
+                <a:pos x="connsiteX75" y="connsiteY75"/>
+              </a:cxn>
+              <a:cxn ang="0">
+                <a:pos x="connsiteX76" y="connsiteY76"/>
+              </a:cxn>
+              <a:cxn ang="0">
+                <a:pos x="connsiteX77" y="connsiteY77"/>
+              </a:cxn>
+              <a:cxn ang="0">
+                <a:pos x="connsiteX78" y="connsiteY78"/>
+              </a:cxn>
+              <a:cxn ang="0">
+                <a:pos x="connsiteX79" y="connsiteY79"/>
+              </a:cxn>
+              <a:cxn ang="0">
+                <a:pos x="connsiteX80" y="connsiteY80"/>
+              </a:cxn>
+              <a:cxn ang="0">
+                <a:pos x="connsiteX81" y="connsiteY81"/>
+              </a:cxn>
+              <a:cxn ang="0">
+                <a:pos x="connsiteX82" y="connsiteY82"/>
+              </a:cxn>
+              <a:cxn ang="0">
+                <a:pos x="connsiteX83" y="connsiteY83"/>
+              </a:cxn>
+              <a:cxn ang="0">
+                <a:pos x="connsiteX84" y="connsiteY84"/>
+              </a:cxn>
+              <a:cxn ang="0">
+                <a:pos x="connsiteX85" y="connsiteY85"/>
+              </a:cxn>
+            </a:cxnLst>
+            <a:rect l="l" t="t" r="r" b="b"/>
+            <a:pathLst>
+              <a:path w="851238" h="1524000">
+                <a:moveTo>
+                  <a:pt x="6688" y="120650"/>
+                </a:moveTo>
+                <a:cubicBezTo>
+                  <a:pt x="8805" y="87842"/>
+                  <a:pt x="9462" y="86536"/>
+                  <a:pt x="13038" y="69850"/>
+                </a:cubicBezTo>
+                <a:cubicBezTo>
+                  <a:pt x="15843" y="56760"/>
+                  <a:pt x="13038" y="35983"/>
+                  <a:pt x="25738" y="31750"/>
+                </a:cubicBezTo>
+                <a:lnTo>
+                  <a:pt x="44788" y="25400"/>
+                </a:lnTo>
+                <a:cubicBezTo>
+                  <a:pt x="46905" y="19050"/>
+                  <a:pt x="46405" y="11083"/>
+                  <a:pt x="51138" y="6350"/>
+                </a:cubicBezTo>
+                <a:cubicBezTo>
+                  <a:pt x="55871" y="1617"/>
+                  <a:pt x="63495" y="0"/>
+                  <a:pt x="70188" y="0"/>
+                </a:cubicBezTo>
+                <a:cubicBezTo>
+                  <a:pt x="93567" y="0"/>
+                  <a:pt x="116755" y="4233"/>
+                  <a:pt x="140038" y="6350"/>
+                </a:cubicBezTo>
+                <a:cubicBezTo>
+                  <a:pt x="170346" y="97274"/>
+                  <a:pt x="140425" y="1394"/>
+                  <a:pt x="152738" y="247650"/>
+                </a:cubicBezTo>
+                <a:cubicBezTo>
+                  <a:pt x="153301" y="258902"/>
+                  <a:pt x="160078" y="285944"/>
+                  <a:pt x="165438" y="298450"/>
+                </a:cubicBezTo>
+                <a:cubicBezTo>
+                  <a:pt x="169167" y="307151"/>
+                  <a:pt x="174409" y="315149"/>
+                  <a:pt x="178138" y="323850"/>
+                </a:cubicBezTo>
+                <a:cubicBezTo>
+                  <a:pt x="184663" y="339075"/>
+                  <a:pt x="186235" y="352188"/>
+                  <a:pt x="190838" y="368300"/>
+                </a:cubicBezTo>
+                <a:cubicBezTo>
+                  <a:pt x="192677" y="374736"/>
+                  <a:pt x="194195" y="381363"/>
+                  <a:pt x="197188" y="387350"/>
+                </a:cubicBezTo>
+                <a:cubicBezTo>
+                  <a:pt x="200601" y="394176"/>
+                  <a:pt x="206788" y="399426"/>
+                  <a:pt x="209888" y="406400"/>
+                </a:cubicBezTo>
+                <a:cubicBezTo>
+                  <a:pt x="215325" y="418633"/>
+                  <a:pt x="216601" y="432526"/>
+                  <a:pt x="222588" y="444500"/>
+                </a:cubicBezTo>
+                <a:lnTo>
+                  <a:pt x="235288" y="469900"/>
+                </a:lnTo>
+                <a:cubicBezTo>
+                  <a:pt x="252344" y="623406"/>
+                  <a:pt x="223152" y="453474"/>
+                  <a:pt x="267038" y="558800"/>
+                </a:cubicBezTo>
+                <a:cubicBezTo>
+                  <a:pt x="325914" y="700102"/>
+                  <a:pt x="223813" y="520625"/>
+                  <a:pt x="292438" y="635000"/>
+                </a:cubicBezTo>
+                <a:cubicBezTo>
+                  <a:pt x="304145" y="681829"/>
+                  <a:pt x="291564" y="639312"/>
+                  <a:pt x="311488" y="685800"/>
+                </a:cubicBezTo>
+                <a:cubicBezTo>
+                  <a:pt x="327262" y="722606"/>
+                  <a:pt x="306132" y="687291"/>
+                  <a:pt x="330538" y="723900"/>
+                </a:cubicBezTo>
+                <a:cubicBezTo>
+                  <a:pt x="333232" y="734678"/>
+                  <a:pt x="338177" y="757216"/>
+                  <a:pt x="343238" y="768350"/>
+                </a:cubicBezTo>
+                <a:cubicBezTo>
+                  <a:pt x="351072" y="785585"/>
+                  <a:pt x="368638" y="819150"/>
+                  <a:pt x="368638" y="819150"/>
+                </a:cubicBezTo>
+                <a:cubicBezTo>
+                  <a:pt x="370755" y="829733"/>
+                  <a:pt x="372370" y="840429"/>
+                  <a:pt x="374988" y="850900"/>
+                </a:cubicBezTo>
+                <a:cubicBezTo>
+                  <a:pt x="376611" y="857394"/>
+                  <a:pt x="379833" y="863428"/>
+                  <a:pt x="381338" y="869950"/>
+                </a:cubicBezTo>
+                <a:cubicBezTo>
+                  <a:pt x="386192" y="890983"/>
+                  <a:pt x="387212" y="912972"/>
+                  <a:pt x="394038" y="933450"/>
+                </a:cubicBezTo>
+                <a:cubicBezTo>
+                  <a:pt x="396155" y="939800"/>
+                  <a:pt x="397751" y="946348"/>
+                  <a:pt x="400388" y="952500"/>
+                </a:cubicBezTo>
+                <a:cubicBezTo>
+                  <a:pt x="404117" y="961201"/>
+                  <a:pt x="410095" y="968920"/>
+                  <a:pt x="413088" y="977900"/>
+                </a:cubicBezTo>
+                <a:cubicBezTo>
+                  <a:pt x="418608" y="994459"/>
+                  <a:pt x="421555" y="1011767"/>
+                  <a:pt x="425788" y="1028700"/>
+                </a:cubicBezTo>
+                <a:cubicBezTo>
+                  <a:pt x="433761" y="1060594"/>
+                  <a:pt x="429378" y="1045821"/>
+                  <a:pt x="438488" y="1073150"/>
+                </a:cubicBezTo>
+                <a:cubicBezTo>
+                  <a:pt x="440605" y="1092200"/>
+                  <a:pt x="442831" y="1111238"/>
+                  <a:pt x="444838" y="1130300"/>
+                </a:cubicBezTo>
+                <a:cubicBezTo>
+                  <a:pt x="447065" y="1151455"/>
+                  <a:pt x="448703" y="1172673"/>
+                  <a:pt x="451188" y="1193800"/>
+                </a:cubicBezTo>
+                <a:cubicBezTo>
+                  <a:pt x="451756" y="1198625"/>
+                  <a:pt x="457999" y="1251873"/>
+                  <a:pt x="463888" y="1263650"/>
+                </a:cubicBezTo>
+                <a:cubicBezTo>
+                  <a:pt x="470714" y="1277302"/>
+                  <a:pt x="484461" y="1287270"/>
+                  <a:pt x="489288" y="1301750"/>
+                </a:cubicBezTo>
+                <a:cubicBezTo>
+                  <a:pt x="491405" y="1308100"/>
+                  <a:pt x="493799" y="1314364"/>
+                  <a:pt x="495638" y="1320800"/>
+                </a:cubicBezTo>
+                <a:cubicBezTo>
+                  <a:pt x="498036" y="1329191"/>
+                  <a:pt x="498085" y="1338394"/>
+                  <a:pt x="501988" y="1346200"/>
+                </a:cubicBezTo>
+                <a:cubicBezTo>
+                  <a:pt x="526062" y="1394348"/>
+                  <a:pt x="520306" y="1371992"/>
+                  <a:pt x="546438" y="1403350"/>
+                </a:cubicBezTo>
+                <a:cubicBezTo>
+                  <a:pt x="551324" y="1409213"/>
+                  <a:pt x="552666" y="1418355"/>
+                  <a:pt x="559138" y="1422400"/>
+                </a:cubicBezTo>
+                <a:cubicBezTo>
+                  <a:pt x="575988" y="1432931"/>
+                  <a:pt x="616218" y="1438901"/>
+                  <a:pt x="635338" y="1441450"/>
+                </a:cubicBezTo>
+                <a:cubicBezTo>
+                  <a:pt x="654337" y="1443983"/>
+                  <a:pt x="673489" y="1445267"/>
+                  <a:pt x="692488" y="1447800"/>
+                </a:cubicBezTo>
+                <a:cubicBezTo>
+                  <a:pt x="705250" y="1449502"/>
+                  <a:pt x="717754" y="1453123"/>
+                  <a:pt x="730588" y="1454150"/>
+                </a:cubicBezTo>
+                <a:cubicBezTo>
+                  <a:pt x="770732" y="1457362"/>
+                  <a:pt x="811021" y="1458383"/>
+                  <a:pt x="851238" y="1460500"/>
+                </a:cubicBezTo>
+                <a:cubicBezTo>
+                  <a:pt x="844888" y="1462617"/>
+                  <a:pt x="836921" y="1462117"/>
+                  <a:pt x="832188" y="1466850"/>
+                </a:cubicBezTo>
+                <a:cubicBezTo>
+                  <a:pt x="816578" y="1482460"/>
+                  <a:pt x="812477" y="1510903"/>
+                  <a:pt x="787738" y="1517650"/>
+                </a:cubicBezTo>
+                <a:cubicBezTo>
+                  <a:pt x="771274" y="1522140"/>
+                  <a:pt x="753871" y="1521883"/>
+                  <a:pt x="736938" y="1524000"/>
+                </a:cubicBezTo>
+                <a:cubicBezTo>
+                  <a:pt x="684021" y="1521883"/>
+                  <a:pt x="630471" y="1526083"/>
+                  <a:pt x="578188" y="1517650"/>
+                </a:cubicBezTo>
+                <a:cubicBezTo>
+                  <a:pt x="563119" y="1515220"/>
+                  <a:pt x="554896" y="1495952"/>
+                  <a:pt x="540088" y="1492250"/>
+                </a:cubicBezTo>
+                <a:lnTo>
+                  <a:pt x="514688" y="1485900"/>
+                </a:lnTo>
+                <a:cubicBezTo>
+                  <a:pt x="459033" y="1430245"/>
+                  <a:pt x="529632" y="1498353"/>
+                  <a:pt x="476588" y="1454150"/>
+                </a:cubicBezTo>
+                <a:cubicBezTo>
+                  <a:pt x="469689" y="1448401"/>
+                  <a:pt x="464356" y="1440944"/>
+                  <a:pt x="457538" y="1435100"/>
+                </a:cubicBezTo>
+                <a:cubicBezTo>
+                  <a:pt x="449503" y="1428212"/>
+                  <a:pt x="439622" y="1423534"/>
+                  <a:pt x="432138" y="1416050"/>
+                </a:cubicBezTo>
+                <a:cubicBezTo>
+                  <a:pt x="389805" y="1373717"/>
+                  <a:pt x="451188" y="1418167"/>
+                  <a:pt x="400388" y="1384300"/>
+                </a:cubicBezTo>
+                <a:cubicBezTo>
+                  <a:pt x="398271" y="1377950"/>
+                  <a:pt x="395661" y="1371744"/>
+                  <a:pt x="394038" y="1365250"/>
+                </a:cubicBezTo>
+                <a:cubicBezTo>
+                  <a:pt x="391420" y="1354779"/>
+                  <a:pt x="391478" y="1343606"/>
+                  <a:pt x="387688" y="1333500"/>
+                </a:cubicBezTo>
+                <a:cubicBezTo>
+                  <a:pt x="385008" y="1326354"/>
+                  <a:pt x="378401" y="1321276"/>
+                  <a:pt x="374988" y="1314450"/>
+                </a:cubicBezTo>
+                <a:cubicBezTo>
+                  <a:pt x="371995" y="1308463"/>
+                  <a:pt x="371275" y="1301552"/>
+                  <a:pt x="368638" y="1295400"/>
+                </a:cubicBezTo>
+                <a:cubicBezTo>
+                  <a:pt x="364909" y="1286699"/>
+                  <a:pt x="359667" y="1278701"/>
+                  <a:pt x="355938" y="1270000"/>
+                </a:cubicBezTo>
+                <a:cubicBezTo>
+                  <a:pt x="327908" y="1204596"/>
+                  <a:pt x="379009" y="1309791"/>
+                  <a:pt x="336888" y="1225550"/>
+                </a:cubicBezTo>
+                <a:cubicBezTo>
+                  <a:pt x="332523" y="1203726"/>
+                  <a:pt x="330166" y="1189325"/>
+                  <a:pt x="324188" y="1168400"/>
+                </a:cubicBezTo>
+                <a:cubicBezTo>
+                  <a:pt x="322349" y="1161964"/>
+                  <a:pt x="319955" y="1155700"/>
+                  <a:pt x="317838" y="1149350"/>
+                </a:cubicBezTo>
+                <a:cubicBezTo>
+                  <a:pt x="315721" y="1134533"/>
+                  <a:pt x="313949" y="1119663"/>
+                  <a:pt x="311488" y="1104900"/>
+                </a:cubicBezTo>
+                <a:cubicBezTo>
+                  <a:pt x="309714" y="1094254"/>
+                  <a:pt x="306912" y="1083796"/>
+                  <a:pt x="305138" y="1073150"/>
+                </a:cubicBezTo>
+                <a:cubicBezTo>
+                  <a:pt x="302677" y="1058387"/>
+                  <a:pt x="300905" y="1043517"/>
+                  <a:pt x="298788" y="1028700"/>
+                </a:cubicBezTo>
+                <a:cubicBezTo>
+                  <a:pt x="284988" y="1111502"/>
+                  <a:pt x="294231" y="1129329"/>
+                  <a:pt x="279738" y="1085850"/>
+                </a:cubicBezTo>
+                <a:cubicBezTo>
+                  <a:pt x="277621" y="1068917"/>
+                  <a:pt x="276193" y="1051883"/>
+                  <a:pt x="273388" y="1035050"/>
+                </a:cubicBezTo>
+                <a:cubicBezTo>
+                  <a:pt x="262828" y="971688"/>
+                  <a:pt x="271276" y="1056238"/>
+                  <a:pt x="254338" y="971550"/>
+                </a:cubicBezTo>
+                <a:cubicBezTo>
+                  <a:pt x="235186" y="875791"/>
+                  <a:pt x="259573" y="995109"/>
+                  <a:pt x="241638" y="914400"/>
+                </a:cubicBezTo>
+                <a:cubicBezTo>
+                  <a:pt x="239297" y="903864"/>
+                  <a:pt x="238128" y="893063"/>
+                  <a:pt x="235288" y="882650"/>
+                </a:cubicBezTo>
+                <a:cubicBezTo>
+                  <a:pt x="231766" y="869735"/>
+                  <a:pt x="222588" y="844550"/>
+                  <a:pt x="222588" y="844550"/>
+                </a:cubicBezTo>
+                <a:cubicBezTo>
+                  <a:pt x="220471" y="825500"/>
+                  <a:pt x="224810" y="804544"/>
+                  <a:pt x="216238" y="787400"/>
+                </a:cubicBezTo>
+                <a:cubicBezTo>
+                  <a:pt x="212825" y="780574"/>
+                  <a:pt x="206638" y="799476"/>
+                  <a:pt x="203538" y="806450"/>
+                </a:cubicBezTo>
+                <a:cubicBezTo>
+                  <a:pt x="198101" y="818683"/>
+                  <a:pt x="190838" y="844550"/>
+                  <a:pt x="190838" y="844550"/>
+                </a:cubicBezTo>
+                <a:cubicBezTo>
+                  <a:pt x="186605" y="831850"/>
+                  <a:pt x="180763" y="819577"/>
+                  <a:pt x="178138" y="806450"/>
+                </a:cubicBezTo>
+                <a:cubicBezTo>
+                  <a:pt x="176021" y="795867"/>
+                  <a:pt x="175201" y="784939"/>
+                  <a:pt x="171788" y="774700"/>
+                </a:cubicBezTo>
+                <a:cubicBezTo>
+                  <a:pt x="168795" y="765720"/>
+                  <a:pt x="162412" y="758163"/>
+                  <a:pt x="159088" y="749300"/>
+                </a:cubicBezTo>
+                <a:cubicBezTo>
+                  <a:pt x="153142" y="733444"/>
+                  <a:pt x="148970" y="700001"/>
+                  <a:pt x="146388" y="685800"/>
+                </a:cubicBezTo>
+                <a:cubicBezTo>
+                  <a:pt x="144457" y="675181"/>
+                  <a:pt x="142155" y="664633"/>
+                  <a:pt x="140038" y="654050"/>
+                </a:cubicBezTo>
+                <a:cubicBezTo>
+                  <a:pt x="131571" y="660400"/>
+                  <a:pt x="122673" y="666212"/>
+                  <a:pt x="114638" y="673100"/>
+                </a:cubicBezTo>
+                <a:cubicBezTo>
+                  <a:pt x="107820" y="678944"/>
+                  <a:pt x="101938" y="698500"/>
+                  <a:pt x="95588" y="692150"/>
+                </a:cubicBezTo>
+                <a:cubicBezTo>
+                  <a:pt x="83246" y="679808"/>
+                  <a:pt x="87121" y="658283"/>
+                  <a:pt x="82888" y="641350"/>
+                </a:cubicBezTo>
+                <a:cubicBezTo>
+                  <a:pt x="64063" y="566051"/>
+                  <a:pt x="92941" y="685263"/>
+                  <a:pt x="70188" y="571500"/>
+                </a:cubicBezTo>
+                <a:cubicBezTo>
+                  <a:pt x="66765" y="554384"/>
+                  <a:pt x="63008" y="537259"/>
+                  <a:pt x="57488" y="520700"/>
+                </a:cubicBezTo>
+                <a:lnTo>
+                  <a:pt x="44788" y="482600"/>
+                </a:lnTo>
+                <a:cubicBezTo>
+                  <a:pt x="13460" y="493043"/>
+                  <a:pt x="22388" y="497008"/>
+                  <a:pt x="19388" y="444500"/>
+                </a:cubicBezTo>
+                <a:cubicBezTo>
+                  <a:pt x="16005" y="385292"/>
+                  <a:pt x="15155" y="325967"/>
+                  <a:pt x="13038" y="266700"/>
+                </a:cubicBezTo>
+                <a:cubicBezTo>
+                  <a:pt x="10921" y="273050"/>
+                  <a:pt x="13381" y="285750"/>
+                  <a:pt x="6688" y="285750"/>
+                </a:cubicBezTo>
+                <a:cubicBezTo>
+                  <a:pt x="-5" y="285750"/>
+                  <a:pt x="642" y="273387"/>
+                  <a:pt x="338" y="266700"/>
+                </a:cubicBezTo>
+                <a:cubicBezTo>
+                  <a:pt x="-1488" y="226525"/>
+                  <a:pt x="4571" y="153458"/>
+                  <a:pt x="6688" y="120650"/>
+                </a:cubicBezTo>
+                <a:close/>
+              </a:path>
+            </a:pathLst>
+          </a:custGeom>
+          <a:gradFill>
+            <a:gsLst>
+              <a:gs pos="0">
+                <a:schemeClr val="bg1">
+                  <a:lumMod val="65000"/>
+                </a:schemeClr>
+              </a:gs>
+              <a:gs pos="59000">
+                <a:schemeClr val="bg1">
+                  <a:lumMod val="95000"/>
+                </a:schemeClr>
+              </a:gs>
+            </a:gsLst>
+            <a:lin ang="1800000" scaled="0"/>
+          </a:gradFill>
+          <a:ln w="19050" cmpd="sng">
+            <a:solidFill>
+              <a:schemeClr val="bg1">
+                <a:lumMod val="85000"/>
+                <a:alpha val="59000"/>
+              </a:schemeClr>
+            </a:solidFill>
+          </a:ln>
+          <a:effectLst>
+            <a:outerShdw blurRad="40000" dist="23000" dir="7680000" rotWithShape="0">
+              <a:srgbClr val="000000">
+                <a:alpha val="35000"/>
+              </a:srgbClr>
+            </a:outerShdw>
+          </a:effectLst>
+        </p:spPr>
+        <p:style>
+          <a:lnRef idx="1">
+            <a:schemeClr val="accent1"/>
+          </a:lnRef>
+          <a:fillRef idx="3">
+            <a:schemeClr val="accent1"/>
+          </a:fillRef>
+          <a:effectRef idx="2">
+            <a:schemeClr val="accent1"/>
+          </a:effectRef>
+          <a:fontRef idx="minor">
+            <a:schemeClr val="lt1"/>
+          </a:fontRef>
+        </p:style>
+        <p:txBody>
+          <a:bodyPr lIns="91425" tIns="45713" rIns="91425" bIns="45713" spcCol="0" rtlCol="0" anchor="ctr"/>
+          <a:lstStyle/>
+          <a:p>
+            <a:pPr algn="ctr"/>
+            <a:endParaRPr lang="en-US"/>
+          </a:p>
+        </p:txBody>
+      </p:sp>
+      <p:sp>
+        <p:nvSpPr>
+          <p:cNvPr id="94" name="Freeform 93"/>
+          <p:cNvSpPr/>
+          <p:nvPr/>
+        </p:nvSpPr>
+        <p:spPr>
+          <a:xfrm rot="420000">
+            <a:off x="2750580" y="3824889"/>
+            <a:ext cx="392862" cy="959670"/>
+          </a:xfrm>
+          <a:custGeom>
+            <a:avLst/>
+            <a:gdLst>
+              <a:gd name="connsiteX0" fmla="*/ 0 w 279629"/>
+              <a:gd name="connsiteY0" fmla="*/ 0 h 600021"/>
+              <a:gd name="connsiteX1" fmla="*/ 46605 w 279629"/>
+              <a:gd name="connsiteY1" fmla="*/ 180589 h 600021"/>
+              <a:gd name="connsiteX2" fmla="*/ 186419 w 279629"/>
+              <a:gd name="connsiteY2" fmla="*/ 396130 h 600021"/>
+              <a:gd name="connsiteX3" fmla="*/ 279629 w 279629"/>
+              <a:gd name="connsiteY3" fmla="*/ 600021 h 600021"/>
+              <a:gd name="connsiteX4" fmla="*/ 279629 w 279629"/>
+              <a:gd name="connsiteY4" fmla="*/ 600021 h 600021"/>
+            </a:gdLst>
+            <a:ahLst/>
+            <a:cxnLst>
+              <a:cxn ang="0">
+                <a:pos x="connsiteX0" y="connsiteY0"/>
+              </a:cxn>
+              <a:cxn ang="0">
+                <a:pos x="connsiteX1" y="connsiteY1"/>
+              </a:cxn>
+              <a:cxn ang="0">
+                <a:pos x="connsiteX2" y="connsiteY2"/>
+              </a:cxn>
+              <a:cxn ang="0">
+                <a:pos x="connsiteX3" y="connsiteY3"/>
+              </a:cxn>
+              <a:cxn ang="0">
+                <a:pos x="connsiteX4" y="connsiteY4"/>
+              </a:cxn>
+            </a:cxnLst>
+            <a:rect l="l" t="t" r="r" b="b"/>
+            <a:pathLst>
+              <a:path w="279629" h="600021">
+                <a:moveTo>
+                  <a:pt x="0" y="0"/>
+                </a:moveTo>
+                <a:cubicBezTo>
+                  <a:pt x="7767" y="57283"/>
+                  <a:pt x="15535" y="114567"/>
+                  <a:pt x="46605" y="180589"/>
+                </a:cubicBezTo>
+                <a:cubicBezTo>
+                  <a:pt x="77675" y="246611"/>
+                  <a:pt x="147582" y="326225"/>
+                  <a:pt x="186419" y="396130"/>
+                </a:cubicBezTo>
+                <a:cubicBezTo>
+                  <a:pt x="225256" y="466035"/>
+                  <a:pt x="279629" y="600021"/>
+                  <a:pt x="279629" y="600021"/>
+                </a:cubicBezTo>
+                <a:lnTo>
+                  <a:pt x="279629" y="600021"/>
+                </a:lnTo>
+              </a:path>
+            </a:pathLst>
+          </a:custGeom>
+          <a:ln w="50800" cap="rnd" cmpd="sng">
+            <a:gradFill flip="none" rotWithShape="1">
+              <a:gsLst>
+                <a:gs pos="0">
+                  <a:schemeClr val="bg1">
+                    <a:lumMod val="85000"/>
+                    <a:alpha val="46000"/>
+                  </a:schemeClr>
+                </a:gs>
+                <a:gs pos="65000">
+                  <a:schemeClr val="bg1">
+                    <a:alpha val="46000"/>
+                  </a:schemeClr>
+                </a:gs>
+              </a:gsLst>
+              <a:lin ang="12420000" scaled="0"/>
+              <a:tileRect/>
+            </a:gradFill>
+          </a:ln>
+          <a:effectLst>
+            <a:glow rad="114300">
+              <a:schemeClr val="bg1">
+                <a:lumMod val="95000"/>
+                <a:alpha val="69000"/>
+              </a:schemeClr>
+            </a:glow>
+            <a:softEdge rad="25400"/>
+          </a:effectLst>
+        </p:spPr>
+        <p:style>
+          <a:lnRef idx="2">
+            <a:schemeClr val="accent1"/>
+          </a:lnRef>
+          <a:fillRef idx="0">
+            <a:schemeClr val="accent1"/>
+          </a:fillRef>
+          <a:effectRef idx="1">
+            <a:schemeClr val="accent1"/>
+          </a:effectRef>
+          <a:fontRef idx="minor">
+            <a:schemeClr val="tx1"/>
+          </a:fontRef>
+        </p:style>
+        <p:txBody>
+          <a:bodyPr rtlCol="0" anchor="ctr"/>
+          <a:lstStyle/>
+          <a:p>
+            <a:pPr algn="ctr"/>
+            <a:endParaRPr lang="en-US" dirty="0"/>
+          </a:p>
+        </p:txBody>
+      </p:sp>
+      <p:sp>
+        <p:nvSpPr>
+          <p:cNvPr id="95" name="Freeform 94"/>
+          <p:cNvSpPr/>
+          <p:nvPr/>
+        </p:nvSpPr>
+        <p:spPr>
+          <a:xfrm rot="1620000">
+            <a:off x="2680371" y="3838323"/>
+            <a:ext cx="509974" cy="636625"/>
+          </a:xfrm>
+          <a:custGeom>
+            <a:avLst/>
+            <a:gdLst>
+              <a:gd name="connsiteX0" fmla="*/ 0 w 279629"/>
+              <a:gd name="connsiteY0" fmla="*/ 0 h 600021"/>
+              <a:gd name="connsiteX1" fmla="*/ 46605 w 279629"/>
+              <a:gd name="connsiteY1" fmla="*/ 180589 h 600021"/>
+              <a:gd name="connsiteX2" fmla="*/ 186419 w 279629"/>
+              <a:gd name="connsiteY2" fmla="*/ 396130 h 600021"/>
+              <a:gd name="connsiteX3" fmla="*/ 279629 w 279629"/>
+              <a:gd name="connsiteY3" fmla="*/ 600021 h 600021"/>
+              <a:gd name="connsiteX4" fmla="*/ 279629 w 279629"/>
+              <a:gd name="connsiteY4" fmla="*/ 600021 h 600021"/>
+            </a:gdLst>
+            <a:ahLst/>
+            <a:cxnLst>
+              <a:cxn ang="0">
+                <a:pos x="connsiteX0" y="connsiteY0"/>
+              </a:cxn>
+              <a:cxn ang="0">
+                <a:pos x="connsiteX1" y="connsiteY1"/>
+              </a:cxn>
+              <a:cxn ang="0">
+                <a:pos x="connsiteX2" y="connsiteY2"/>
+              </a:cxn>
+              <a:cxn ang="0">
+                <a:pos x="connsiteX3" y="connsiteY3"/>
+              </a:cxn>
+              <a:cxn ang="0">
+                <a:pos x="connsiteX4" y="connsiteY4"/>
+              </a:cxn>
+            </a:cxnLst>
+            <a:rect l="l" t="t" r="r" b="b"/>
+            <a:pathLst>
+              <a:path w="279629" h="600021">
+                <a:moveTo>
+                  <a:pt x="0" y="0"/>
+                </a:moveTo>
+                <a:cubicBezTo>
+                  <a:pt x="7767" y="57283"/>
+                  <a:pt x="15535" y="114567"/>
+                  <a:pt x="46605" y="180589"/>
+                </a:cubicBezTo>
+                <a:cubicBezTo>
+                  <a:pt x="77675" y="246611"/>
+                  <a:pt x="147582" y="326225"/>
+                  <a:pt x="186419" y="396130"/>
+                </a:cubicBezTo>
+                <a:cubicBezTo>
+                  <a:pt x="225256" y="466035"/>
+                  <a:pt x="279629" y="600021"/>
+                  <a:pt x="279629" y="600021"/>
+                </a:cubicBezTo>
+                <a:lnTo>
+                  <a:pt x="279629" y="600021"/>
+                </a:lnTo>
+              </a:path>
+            </a:pathLst>
+          </a:custGeom>
+          <a:ln w="57150" cap="rnd" cmpd="sng">
+            <a:gradFill flip="none" rotWithShape="1">
+              <a:gsLst>
+                <a:gs pos="0">
+                  <a:schemeClr val="bg1">
+                    <a:lumMod val="85000"/>
+                    <a:alpha val="46000"/>
+                  </a:schemeClr>
+                </a:gs>
+                <a:gs pos="65000">
+                  <a:schemeClr val="bg1">
+                    <a:alpha val="46000"/>
+                  </a:schemeClr>
+                </a:gs>
+              </a:gsLst>
+              <a:lin ang="12420000" scaled="0"/>
+              <a:tileRect/>
+            </a:gradFill>
+          </a:ln>
+          <a:effectLst>
+            <a:glow rad="114300">
+              <a:schemeClr val="bg1">
+                <a:lumMod val="95000"/>
+                <a:alpha val="69000"/>
+              </a:schemeClr>
+            </a:glow>
+            <a:softEdge rad="25400"/>
+          </a:effectLst>
+        </p:spPr>
+        <p:style>
+          <a:lnRef idx="2">
+            <a:schemeClr val="accent1"/>
+          </a:lnRef>
+          <a:fillRef idx="0">
+            <a:schemeClr val="accent1"/>
+          </a:fillRef>
+          <a:effectRef idx="1">
+            <a:schemeClr val="accent1"/>
+          </a:effectRef>
+          <a:fontRef idx="minor">
+            <a:schemeClr val="tx1"/>
+          </a:fontRef>
+        </p:style>
+        <p:txBody>
+          <a:bodyPr rtlCol="0" anchor="ctr"/>
+          <a:lstStyle/>
+          <a:p>
+            <a:pPr algn="ctr"/>
+            <a:endParaRPr lang="en-US" dirty="0"/>
+          </a:p>
+        </p:txBody>
+      </p:sp>
+      <p:sp>
+        <p:nvSpPr>
+          <p:cNvPr id="96" name="Oval 95"/>
+          <p:cNvSpPr/>
+          <p:nvPr/>
+        </p:nvSpPr>
+        <p:spPr>
+          <a:xfrm rot="1896449">
+            <a:off x="2777301" y="3560936"/>
+            <a:ext cx="89300" cy="181421"/>
+          </a:xfrm>
+          <a:prstGeom prst="ellipse">
+            <a:avLst/>
+          </a:prstGeom>
+          <a:solidFill>
+            <a:schemeClr val="tx1">
+              <a:lumMod val="95000"/>
+              <a:lumOff val="5000"/>
+              <a:alpha val="88000"/>
+            </a:schemeClr>
+          </a:solidFill>
+          <a:ln>
+            <a:solidFill>
+              <a:schemeClr val="tx1">
+                <a:lumMod val="50000"/>
+                <a:lumOff val="50000"/>
+              </a:schemeClr>
+            </a:solidFill>
+          </a:ln>
+          <a:effectLst>
+            <a:innerShdw blurRad="63500" dist="50800" dir="2700000">
+              <a:prstClr val="black">
+                <a:alpha val="50000"/>
+              </a:prstClr>
+            </a:innerShdw>
+          </a:effectLst>
+        </p:spPr>
+        <p:style>
+          <a:lnRef idx="1">
+            <a:schemeClr val="accent1"/>
+          </a:lnRef>
+          <a:fillRef idx="3">
+            <a:schemeClr val="accent1"/>
+          </a:fillRef>
+          <a:effectRef idx="2">
+            <a:schemeClr val="accent1"/>
+          </a:effectRef>
+          <a:fontRef idx="minor">
+            <a:schemeClr val="lt1"/>
+          </a:fontRef>
+        </p:style>
+        <p:txBody>
+          <a:bodyPr rtlCol="0" anchor="ctr"/>
+          <a:lstStyle/>
+          <a:p>
+            <a:pPr algn="ctr"/>
+            <a:r>
+              <a:rPr lang="en-US" dirty="0" smtClean="0"/>
+              <a:t>z</a:t>
+            </a:r>
+            <a:endParaRPr lang="en-US" dirty="0"/>
+          </a:p>
+        </p:txBody>
+      </p:sp>
+      <p:sp>
+        <p:nvSpPr>
+          <p:cNvPr id="97" name="Freeform 96"/>
+          <p:cNvSpPr/>
+          <p:nvPr/>
+        </p:nvSpPr>
+        <p:spPr>
+          <a:xfrm rot="21480000">
+            <a:off x="2822914" y="3138315"/>
+            <a:ext cx="390647" cy="625053"/>
+          </a:xfrm>
+          <a:custGeom>
+            <a:avLst/>
+            <a:gdLst>
+              <a:gd name="connsiteX0" fmla="*/ 3274 w 455112"/>
+              <a:gd name="connsiteY0" fmla="*/ 307403 h 626140"/>
+              <a:gd name="connsiteX1" fmla="*/ 90971 w 455112"/>
+              <a:gd name="connsiteY1" fmla="*/ 369117 h 626140"/>
+              <a:gd name="connsiteX2" fmla="*/ 181915 w 455112"/>
+              <a:gd name="connsiteY2" fmla="*/ 463313 h 626140"/>
+              <a:gd name="connsiteX3" fmla="*/ 263116 w 455112"/>
+              <a:gd name="connsiteY3" fmla="*/ 317148 h 626140"/>
+              <a:gd name="connsiteX4" fmla="*/ 350813 w 455112"/>
+              <a:gd name="connsiteY4" fmla="*/ 239193 h 626140"/>
+              <a:gd name="connsiteX5" fmla="*/ 428765 w 455112"/>
+              <a:gd name="connsiteY5" fmla="*/ 2080 h 626140"/>
+              <a:gd name="connsiteX6" fmla="*/ 448253 w 455112"/>
+              <a:gd name="connsiteY6" fmla="*/ 128757 h 626140"/>
+              <a:gd name="connsiteX7" fmla="*/ 451501 w 455112"/>
+              <a:gd name="connsiteY7" fmla="*/ 219704 h 626140"/>
+              <a:gd name="connsiteX8" fmla="*/ 399533 w 455112"/>
+              <a:gd name="connsiteY8" fmla="*/ 369117 h 626140"/>
+              <a:gd name="connsiteX9" fmla="*/ 350813 w 455112"/>
+              <a:gd name="connsiteY9" fmla="*/ 378862 h 626140"/>
+              <a:gd name="connsiteX10" fmla="*/ 246876 w 455112"/>
+              <a:gd name="connsiteY10" fmla="*/ 619223 h 626140"/>
+              <a:gd name="connsiteX11" fmla="*/ 129947 w 455112"/>
+              <a:gd name="connsiteY11" fmla="*/ 554260 h 626140"/>
+              <a:gd name="connsiteX12" fmla="*/ 58491 w 455112"/>
+              <a:gd name="connsiteY12" fmla="*/ 482802 h 626140"/>
+              <a:gd name="connsiteX13" fmla="*/ 22762 w 455112"/>
+              <a:gd name="connsiteY13" fmla="*/ 424335 h 626140"/>
+              <a:gd name="connsiteX14" fmla="*/ 3274 w 455112"/>
+              <a:gd name="connsiteY14" fmla="*/ 307403 h 626140"/>
+            </a:gdLst>
+            <a:ahLst/>
+            <a:cxnLst>
+              <a:cxn ang="0">
+                <a:pos x="connsiteX0" y="connsiteY0"/>
+              </a:cxn>
+              <a:cxn ang="0">
+                <a:pos x="connsiteX1" y="connsiteY1"/>
+              </a:cxn>
+              <a:cxn ang="0">
+                <a:pos x="connsiteX2" y="connsiteY2"/>
+              </a:cxn>
+              <a:cxn ang="0">
+                <a:pos x="connsiteX3" y="connsiteY3"/>
+              </a:cxn>
+              <a:cxn ang="0">
+                <a:pos x="connsiteX4" y="connsiteY4"/>
+              </a:cxn>
+              <a:cxn ang="0">
+                <a:pos x="connsiteX5" y="connsiteY5"/>
+              </a:cxn>
+              <a:cxn ang="0">
+                <a:pos x="connsiteX6" y="connsiteY6"/>
+              </a:cxn>
+              <a:cxn ang="0">
+                <a:pos x="connsiteX7" y="connsiteY7"/>
+              </a:cxn>
+              <a:cxn ang="0">
+                <a:pos x="connsiteX8" y="connsiteY8"/>
+              </a:cxn>
+              <a:cxn ang="0">
+                <a:pos x="connsiteX9" y="connsiteY9"/>
+              </a:cxn>
+              <a:cxn ang="0">
+                <a:pos x="connsiteX10" y="connsiteY10"/>
+              </a:cxn>
+              <a:cxn ang="0">
+                <a:pos x="connsiteX11" y="connsiteY11"/>
+              </a:cxn>
+              <a:cxn ang="0">
+                <a:pos x="connsiteX12" y="connsiteY12"/>
+              </a:cxn>
+              <a:cxn ang="0">
+                <a:pos x="connsiteX13" y="connsiteY13"/>
+              </a:cxn>
+              <a:cxn ang="0">
+                <a:pos x="connsiteX14" y="connsiteY14"/>
+              </a:cxn>
+            </a:cxnLst>
+            <a:rect l="l" t="t" r="r" b="b"/>
+            <a:pathLst>
+              <a:path w="455112" h="626140">
+                <a:moveTo>
+                  <a:pt x="3274" y="307403"/>
+                </a:moveTo>
+                <a:cubicBezTo>
+                  <a:pt x="14642" y="298200"/>
+                  <a:pt x="61198" y="343132"/>
+                  <a:pt x="90971" y="369117"/>
+                </a:cubicBezTo>
+                <a:cubicBezTo>
+                  <a:pt x="120744" y="395102"/>
+                  <a:pt x="153224" y="471975"/>
+                  <a:pt x="181915" y="463313"/>
+                </a:cubicBezTo>
+                <a:cubicBezTo>
+                  <a:pt x="210606" y="454652"/>
+                  <a:pt x="234966" y="354501"/>
+                  <a:pt x="263116" y="317148"/>
+                </a:cubicBezTo>
+                <a:cubicBezTo>
+                  <a:pt x="291266" y="279795"/>
+                  <a:pt x="323205" y="291704"/>
+                  <a:pt x="350813" y="239193"/>
+                </a:cubicBezTo>
+                <a:cubicBezTo>
+                  <a:pt x="378421" y="186682"/>
+                  <a:pt x="412525" y="20486"/>
+                  <a:pt x="428765" y="2080"/>
+                </a:cubicBezTo>
+                <a:cubicBezTo>
+                  <a:pt x="445005" y="-16326"/>
+                  <a:pt x="444464" y="92486"/>
+                  <a:pt x="448253" y="128757"/>
+                </a:cubicBezTo>
+                <a:cubicBezTo>
+                  <a:pt x="452042" y="165028"/>
+                  <a:pt x="459621" y="179644"/>
+                  <a:pt x="451501" y="219704"/>
+                </a:cubicBezTo>
+                <a:cubicBezTo>
+                  <a:pt x="443381" y="259764"/>
+                  <a:pt x="416314" y="342591"/>
+                  <a:pt x="399533" y="369117"/>
+                </a:cubicBezTo>
+                <a:cubicBezTo>
+                  <a:pt x="382752" y="395643"/>
+                  <a:pt x="376256" y="337178"/>
+                  <a:pt x="350813" y="378862"/>
+                </a:cubicBezTo>
+                <a:cubicBezTo>
+                  <a:pt x="325370" y="420546"/>
+                  <a:pt x="283687" y="589990"/>
+                  <a:pt x="246876" y="619223"/>
+                </a:cubicBezTo>
+                <a:cubicBezTo>
+                  <a:pt x="210065" y="648456"/>
+                  <a:pt x="161344" y="576997"/>
+                  <a:pt x="129947" y="554260"/>
+                </a:cubicBezTo>
+                <a:cubicBezTo>
+                  <a:pt x="98550" y="531523"/>
+                  <a:pt x="76355" y="504456"/>
+                  <a:pt x="58491" y="482802"/>
+                </a:cubicBezTo>
+                <a:cubicBezTo>
+                  <a:pt x="40627" y="461148"/>
+                  <a:pt x="32506" y="452486"/>
+                  <a:pt x="22762" y="424335"/>
+                </a:cubicBezTo>
+                <a:cubicBezTo>
+                  <a:pt x="13018" y="396184"/>
+                  <a:pt x="-8094" y="316606"/>
+                  <a:pt x="3274" y="307403"/>
+                </a:cubicBezTo>
+                <a:close/>
+              </a:path>
+            </a:pathLst>
+          </a:custGeom>
+          <a:gradFill>
+            <a:gsLst>
+              <a:gs pos="0">
+                <a:schemeClr val="bg1">
+                  <a:lumMod val="65000"/>
+                </a:schemeClr>
+              </a:gs>
+              <a:gs pos="59000">
+                <a:schemeClr val="bg1">
+                  <a:lumMod val="95000"/>
+                </a:schemeClr>
+              </a:gs>
+            </a:gsLst>
+            <a:lin ang="1800000" scaled="0"/>
+          </a:gradFill>
+          <a:ln w="19050" cmpd="sng">
+            <a:solidFill>
+              <a:schemeClr val="bg1">
+                <a:lumMod val="85000"/>
+                <a:alpha val="59000"/>
+              </a:schemeClr>
+            </a:solidFill>
+          </a:ln>
+          <a:effectLst>
+            <a:outerShdw blurRad="40000" dist="23000" dir="7680000" rotWithShape="0">
+              <a:srgbClr val="000000">
+                <a:alpha val="35000"/>
+              </a:srgbClr>
+            </a:outerShdw>
+          </a:effectLst>
+        </p:spPr>
+        <p:style>
+          <a:lnRef idx="1">
+            <a:schemeClr val="accent1"/>
+          </a:lnRef>
+          <a:fillRef idx="3">
+            <a:schemeClr val="accent1"/>
+          </a:fillRef>
+          <a:effectRef idx="2">
+            <a:schemeClr val="accent1"/>
+          </a:effectRef>
+          <a:fontRef idx="minor">
+            <a:schemeClr val="lt1"/>
+          </a:fontRef>
+        </p:style>
+        <p:txBody>
+          <a:bodyPr lIns="91425" tIns="45713" rIns="91425" bIns="45713" spcCol="0" rtlCol="0" anchor="ctr"/>
+          <a:lstStyle/>
+          <a:p>
+            <a:pPr algn="ctr"/>
+            <a:endParaRPr lang="en-US"/>
+          </a:p>
+        </p:txBody>
+      </p:sp>
+      <p:sp>
+        <p:nvSpPr>
+          <p:cNvPr id="98" name="Freeform 97"/>
+          <p:cNvSpPr/>
+          <p:nvPr/>
+        </p:nvSpPr>
+        <p:spPr>
+          <a:xfrm rot="21480000">
+            <a:off x="2885812" y="3403494"/>
+            <a:ext cx="273220" cy="278866"/>
+          </a:xfrm>
+          <a:custGeom>
+            <a:avLst/>
+            <a:gdLst>
+              <a:gd name="connsiteX0" fmla="*/ 0 w 318306"/>
+              <a:gd name="connsiteY0" fmla="*/ 149414 h 279351"/>
+              <a:gd name="connsiteX1" fmla="*/ 126673 w 318306"/>
+              <a:gd name="connsiteY1" fmla="*/ 279338 h 279351"/>
+              <a:gd name="connsiteX2" fmla="*/ 214369 w 318306"/>
+              <a:gd name="connsiteY2" fmla="*/ 142917 h 279351"/>
+              <a:gd name="connsiteX3" fmla="*/ 318306 w 318306"/>
+              <a:gd name="connsiteY3" fmla="*/ 0 h 279351"/>
+              <a:gd name="connsiteX4" fmla="*/ 318306 w 318306"/>
+              <a:gd name="connsiteY4" fmla="*/ 0 h 279351"/>
+            </a:gdLst>
+            <a:ahLst/>
+            <a:cxnLst>
+              <a:cxn ang="0">
+                <a:pos x="connsiteX0" y="connsiteY0"/>
+              </a:cxn>
+              <a:cxn ang="0">
+                <a:pos x="connsiteX1" y="connsiteY1"/>
+              </a:cxn>
+              <a:cxn ang="0">
+                <a:pos x="connsiteX2" y="connsiteY2"/>
+              </a:cxn>
+              <a:cxn ang="0">
+                <a:pos x="connsiteX3" y="connsiteY3"/>
+              </a:cxn>
+              <a:cxn ang="0">
+                <a:pos x="connsiteX4" y="connsiteY4"/>
+              </a:cxn>
+            </a:cxnLst>
+            <a:rect l="l" t="t" r="r" b="b"/>
+            <a:pathLst>
+              <a:path w="318306" h="279351">
+                <a:moveTo>
+                  <a:pt x="0" y="149414"/>
+                </a:moveTo>
+                <a:cubicBezTo>
+                  <a:pt x="45472" y="214917"/>
+                  <a:pt x="90945" y="280421"/>
+                  <a:pt x="126673" y="279338"/>
+                </a:cubicBezTo>
+                <a:cubicBezTo>
+                  <a:pt x="162401" y="278255"/>
+                  <a:pt x="182430" y="189473"/>
+                  <a:pt x="214369" y="142917"/>
+                </a:cubicBezTo>
+                <a:cubicBezTo>
+                  <a:pt x="246308" y="96361"/>
+                  <a:pt x="318306" y="0"/>
+                  <a:pt x="318306" y="0"/>
+                </a:cubicBezTo>
+                <a:lnTo>
+                  <a:pt x="318306" y="0"/>
+                </a:lnTo>
+              </a:path>
+            </a:pathLst>
+          </a:custGeom>
+          <a:ln w="50800" cap="rnd" cmpd="sng">
+            <a:gradFill flip="none" rotWithShape="1">
+              <a:gsLst>
+                <a:gs pos="0">
+                  <a:schemeClr val="bg1">
+                    <a:lumMod val="85000"/>
+                    <a:alpha val="46000"/>
+                  </a:schemeClr>
+                </a:gs>
+                <a:gs pos="65000">
+                  <a:schemeClr val="bg1">
+                    <a:alpha val="46000"/>
+                  </a:schemeClr>
+                </a:gs>
+              </a:gsLst>
+              <a:lin ang="12420000" scaled="0"/>
+              <a:tileRect/>
+            </a:gradFill>
+          </a:ln>
+          <a:effectLst>
+            <a:glow rad="114300">
+              <a:schemeClr val="bg1">
+                <a:lumMod val="95000"/>
+                <a:alpha val="69000"/>
+              </a:schemeClr>
+            </a:glow>
+            <a:softEdge rad="25400"/>
+          </a:effectLst>
+        </p:spPr>
+        <p:style>
+          <a:lnRef idx="2">
+            <a:schemeClr val="accent1"/>
+          </a:lnRef>
+          <a:fillRef idx="0">
+            <a:schemeClr val="accent1"/>
+          </a:fillRef>
+          <a:effectRef idx="1">
+            <a:schemeClr val="accent1"/>
+          </a:effectRef>
+          <a:fontRef idx="minor">
+            <a:schemeClr val="tx1"/>
+          </a:fontRef>
+        </p:style>
+        <p:txBody>
+          <a:bodyPr rot="0" spcFirstLastPara="0" vertOverflow="overflow" horzOverflow="overflow" vert="horz" wrap="square" lIns="91440" tIns="45720" rIns="91440" bIns="45720" numCol="1" spcCol="0" rtlCol="0" fromWordArt="0" anchor="ctr" anchorCtr="0" forceAA="0" compatLnSpc="1">
+            <a:prstTxWarp prst="textNoShape">
+              <a:avLst/>
+            </a:prstTxWarp>
+            <a:noAutofit/>
+          </a:bodyPr>
+          <a:lstStyle/>
+          <a:p>
+            <a:pPr algn="ctr"/>
+            <a:endParaRPr lang="en-US" dirty="0">
+              <a:solidFill>
+                <a:schemeClr val="tx1"/>
+              </a:solidFill>
+            </a:endParaRPr>
+          </a:p>
+        </p:txBody>
+      </p:sp>
+      <p:sp>
+        <p:nvSpPr>
+          <p:cNvPr id="99" name="Freeform 98"/>
+          <p:cNvSpPr/>
+          <p:nvPr/>
+        </p:nvSpPr>
+        <p:spPr>
+          <a:xfrm flipV="1">
+            <a:off x="2742975" y="2877573"/>
+            <a:ext cx="97077" cy="45164"/>
+          </a:xfrm>
+          <a:custGeom>
+            <a:avLst/>
+            <a:gdLst>
+              <a:gd name="connsiteX0" fmla="*/ 0 w 90421"/>
+              <a:gd name="connsiteY0" fmla="*/ 0 h 33992"/>
+              <a:gd name="connsiteX1" fmla="*/ 81499 w 90421"/>
+              <a:gd name="connsiteY1" fmla="*/ 33959 h 33992"/>
+              <a:gd name="connsiteX2" fmla="*/ 88291 w 90421"/>
+              <a:gd name="connsiteY2" fmla="*/ 6792 h 33992"/>
+              <a:gd name="connsiteX3" fmla="*/ 88291 w 90421"/>
+              <a:gd name="connsiteY3" fmla="*/ 6792 h 33992"/>
+            </a:gdLst>
+            <a:ahLst/>
+            <a:cxnLst>
+              <a:cxn ang="0">
+                <a:pos x="connsiteX0" y="connsiteY0"/>
+              </a:cxn>
+              <a:cxn ang="0">
+                <a:pos x="connsiteX1" y="connsiteY1"/>
+              </a:cxn>
+              <a:cxn ang="0">
+                <a:pos x="connsiteX2" y="connsiteY2"/>
+              </a:cxn>
+              <a:cxn ang="0">
+                <a:pos x="connsiteX3" y="connsiteY3"/>
+              </a:cxn>
+            </a:cxnLst>
+            <a:rect l="l" t="t" r="r" b="b"/>
+            <a:pathLst>
+              <a:path w="90421" h="33992">
+                <a:moveTo>
+                  <a:pt x="0" y="0"/>
+                </a:moveTo>
+                <a:cubicBezTo>
+                  <a:pt x="33392" y="16413"/>
+                  <a:pt x="66784" y="32827"/>
+                  <a:pt x="81499" y="33959"/>
+                </a:cubicBezTo>
+                <a:cubicBezTo>
+                  <a:pt x="96214" y="35091"/>
+                  <a:pt x="88291" y="6792"/>
+                  <a:pt x="88291" y="6792"/>
+                </a:cubicBezTo>
+                <a:lnTo>
+                  <a:pt x="88291" y="6792"/>
+                </a:lnTo>
+              </a:path>
+            </a:pathLst>
+          </a:custGeom>
+          <a:ln w="12700" cmpd="sng">
+            <a:solidFill>
+              <a:schemeClr val="tx1">
+                <a:lumMod val="50000"/>
+                <a:lumOff val="50000"/>
+                <a:alpha val="42000"/>
+              </a:schemeClr>
+            </a:solidFill>
+          </a:ln>
+          <a:effectLst>
+            <a:innerShdw blurRad="63500" dist="50800" dir="2700000">
+              <a:prstClr val="black">
+                <a:alpha val="50000"/>
+              </a:prstClr>
+            </a:innerShdw>
+          </a:effectLst>
+        </p:spPr>
+        <p:style>
+          <a:lnRef idx="2">
+            <a:schemeClr val="accent1"/>
+          </a:lnRef>
+          <a:fillRef idx="0">
+            <a:schemeClr val="accent1"/>
+          </a:fillRef>
+          <a:effectRef idx="1">
+            <a:schemeClr val="accent1"/>
+          </a:effectRef>
+          <a:fontRef idx="minor">
+            <a:schemeClr val="tx1"/>
+          </a:fontRef>
+        </p:style>
+        <p:txBody>
+          <a:bodyPr rtlCol="0" anchor="ctr"/>
+          <a:lstStyle/>
+          <a:p>
+            <a:pPr algn="ctr"/>
+            <a:endParaRPr lang="en-US"/>
+          </a:p>
+        </p:txBody>
+      </p:sp>
+      <p:sp>
+        <p:nvSpPr>
+          <p:cNvPr id="100" name="Freeform 99"/>
+          <p:cNvSpPr/>
+          <p:nvPr/>
+        </p:nvSpPr>
+        <p:spPr>
+          <a:xfrm>
+            <a:off x="2708803" y="5937301"/>
+            <a:ext cx="125772" cy="54758"/>
+          </a:xfrm>
+          <a:custGeom>
+            <a:avLst/>
+            <a:gdLst>
+              <a:gd name="connsiteX0" fmla="*/ 0 w 90421"/>
+              <a:gd name="connsiteY0" fmla="*/ 0 h 33992"/>
+              <a:gd name="connsiteX1" fmla="*/ 81499 w 90421"/>
+              <a:gd name="connsiteY1" fmla="*/ 33959 h 33992"/>
+              <a:gd name="connsiteX2" fmla="*/ 88291 w 90421"/>
+              <a:gd name="connsiteY2" fmla="*/ 6792 h 33992"/>
+              <a:gd name="connsiteX3" fmla="*/ 88291 w 90421"/>
+              <a:gd name="connsiteY3" fmla="*/ 6792 h 33992"/>
+            </a:gdLst>
+            <a:ahLst/>
+            <a:cxnLst>
+              <a:cxn ang="0">
+                <a:pos x="connsiteX0" y="connsiteY0"/>
+              </a:cxn>
+              <a:cxn ang="0">
+                <a:pos x="connsiteX1" y="connsiteY1"/>
+              </a:cxn>
+              <a:cxn ang="0">
+                <a:pos x="connsiteX2" y="connsiteY2"/>
+              </a:cxn>
+              <a:cxn ang="0">
+                <a:pos x="connsiteX3" y="connsiteY3"/>
+              </a:cxn>
+            </a:cxnLst>
+            <a:rect l="l" t="t" r="r" b="b"/>
+            <a:pathLst>
+              <a:path w="90421" h="33992">
+                <a:moveTo>
+                  <a:pt x="0" y="0"/>
+                </a:moveTo>
+                <a:cubicBezTo>
+                  <a:pt x="33392" y="16413"/>
+                  <a:pt x="66784" y="32827"/>
+                  <a:pt x="81499" y="33959"/>
+                </a:cubicBezTo>
+                <a:cubicBezTo>
+                  <a:pt x="96214" y="35091"/>
+                  <a:pt x="88291" y="6792"/>
+                  <a:pt x="88291" y="6792"/>
+                </a:cubicBezTo>
+                <a:lnTo>
+                  <a:pt x="88291" y="6792"/>
+                </a:lnTo>
+              </a:path>
+            </a:pathLst>
+          </a:custGeom>
+          <a:ln w="12700" cmpd="sng">
+            <a:solidFill>
+              <a:schemeClr val="tx1">
+                <a:lumMod val="50000"/>
+                <a:lumOff val="50000"/>
+                <a:alpha val="58000"/>
+              </a:schemeClr>
+            </a:solidFill>
+          </a:ln>
+          <a:effectLst>
+            <a:innerShdw blurRad="63500" dist="50800" dir="2700000">
+              <a:prstClr val="black">
+                <a:alpha val="50000"/>
+              </a:prstClr>
+            </a:innerShdw>
+          </a:effectLst>
+        </p:spPr>
+        <p:style>
+          <a:lnRef idx="2">
+            <a:schemeClr val="accent1"/>
+          </a:lnRef>
+          <a:fillRef idx="0">
+            <a:schemeClr val="accent1"/>
+          </a:fillRef>
+          <a:effectRef idx="1">
+            <a:schemeClr val="accent1"/>
+          </a:effectRef>
+          <a:fontRef idx="minor">
+            <a:schemeClr val="tx1"/>
+          </a:fontRef>
+        </p:style>
+        <p:txBody>
+          <a:bodyPr rtlCol="0" anchor="ctr"/>
+          <a:lstStyle/>
+          <a:p>
+            <a:pPr algn="ctr"/>
+            <a:endParaRPr lang="en-US"/>
+          </a:p>
+        </p:txBody>
+      </p:sp>
+      <p:sp>
+        <p:nvSpPr>
+          <p:cNvPr id="101" name="Freeform 100"/>
+          <p:cNvSpPr/>
+          <p:nvPr/>
+        </p:nvSpPr>
+        <p:spPr>
+          <a:xfrm rot="12540000">
+            <a:off x="2620349" y="6208918"/>
+            <a:ext cx="163392" cy="54758"/>
+          </a:xfrm>
+          <a:custGeom>
+            <a:avLst/>
+            <a:gdLst>
+              <a:gd name="connsiteX0" fmla="*/ 0 w 90421"/>
+              <a:gd name="connsiteY0" fmla="*/ 0 h 33992"/>
+              <a:gd name="connsiteX1" fmla="*/ 81499 w 90421"/>
+              <a:gd name="connsiteY1" fmla="*/ 33959 h 33992"/>
+              <a:gd name="connsiteX2" fmla="*/ 88291 w 90421"/>
+              <a:gd name="connsiteY2" fmla="*/ 6792 h 33992"/>
+              <a:gd name="connsiteX3" fmla="*/ 88291 w 90421"/>
+              <a:gd name="connsiteY3" fmla="*/ 6792 h 33992"/>
+            </a:gdLst>
+            <a:ahLst/>
+            <a:cxnLst>
+              <a:cxn ang="0">
+                <a:pos x="connsiteX0" y="connsiteY0"/>
+              </a:cxn>
+              <a:cxn ang="0">
+                <a:pos x="connsiteX1" y="connsiteY1"/>
+              </a:cxn>
+              <a:cxn ang="0">
+                <a:pos x="connsiteX2" y="connsiteY2"/>
+              </a:cxn>
+              <a:cxn ang="0">
+                <a:pos x="connsiteX3" y="connsiteY3"/>
+              </a:cxn>
+            </a:cxnLst>
+            <a:rect l="l" t="t" r="r" b="b"/>
+            <a:pathLst>
+              <a:path w="90421" h="33992">
+                <a:moveTo>
+                  <a:pt x="0" y="0"/>
+                </a:moveTo>
+                <a:cubicBezTo>
+                  <a:pt x="33392" y="16413"/>
+                  <a:pt x="66784" y="32827"/>
+                  <a:pt x="81499" y="33959"/>
+                </a:cubicBezTo>
+                <a:cubicBezTo>
+                  <a:pt x="96214" y="35091"/>
+                  <a:pt x="88291" y="6792"/>
+                  <a:pt x="88291" y="6792"/>
+                </a:cubicBezTo>
+                <a:lnTo>
+                  <a:pt x="88291" y="6792"/>
+                </a:lnTo>
+              </a:path>
+            </a:pathLst>
+          </a:custGeom>
+          <a:ln w="12700" cmpd="sng">
+            <a:solidFill>
+              <a:schemeClr val="tx1">
+                <a:lumMod val="50000"/>
+                <a:lumOff val="50000"/>
+                <a:alpha val="58000"/>
+              </a:schemeClr>
+            </a:solidFill>
+          </a:ln>
+          <a:effectLst>
+            <a:innerShdw blurRad="63500" dist="50800" dir="2700000">
+              <a:prstClr val="black">
+                <a:alpha val="50000"/>
+              </a:prstClr>
+            </a:innerShdw>
+          </a:effectLst>
+        </p:spPr>
+        <p:style>
+          <a:lnRef idx="2">
+            <a:schemeClr val="accent1"/>
+          </a:lnRef>
+          <a:fillRef idx="0">
+            <a:schemeClr val="accent1"/>
+          </a:fillRef>
+          <a:effectRef idx="1">
+            <a:schemeClr val="accent1"/>
+          </a:effectRef>
+          <a:fontRef idx="minor">
+            <a:schemeClr val="tx1"/>
+          </a:fontRef>
+        </p:style>
+        <p:txBody>
+          <a:bodyPr rtlCol="0" anchor="ctr"/>
+          <a:lstStyle/>
+          <a:p>
+            <a:pPr algn="ctr"/>
+            <a:endParaRPr lang="en-US"/>
+          </a:p>
+        </p:txBody>
+      </p:sp>
+      <p:sp>
+        <p:nvSpPr>
+          <p:cNvPr id="102" name="Freeform 101"/>
+          <p:cNvSpPr/>
+          <p:nvPr/>
+        </p:nvSpPr>
+        <p:spPr>
+          <a:xfrm rot="21480000">
+            <a:off x="2297852" y="2899759"/>
+            <a:ext cx="517752" cy="971959"/>
+          </a:xfrm>
+          <a:custGeom>
+            <a:avLst/>
+            <a:gdLst>
+              <a:gd name="connsiteX0" fmla="*/ 546090 w 548356"/>
+              <a:gd name="connsiteY0" fmla="*/ 506791 h 885135"/>
+              <a:gd name="connsiteX1" fmla="*/ 468137 w 548356"/>
+              <a:gd name="connsiteY1" fmla="*/ 555513 h 885135"/>
+              <a:gd name="connsiteX2" fmla="*/ 341464 w 548356"/>
+              <a:gd name="connsiteY2" fmla="*/ 610731 h 885135"/>
+              <a:gd name="connsiteX3" fmla="*/ 292744 w 548356"/>
+              <a:gd name="connsiteY3" fmla="*/ 568505 h 885135"/>
+              <a:gd name="connsiteX4" fmla="*/ 172567 w 548356"/>
+              <a:gd name="connsiteY4" fmla="*/ 389859 h 885135"/>
+              <a:gd name="connsiteX5" fmla="*/ 127095 w 548356"/>
+              <a:gd name="connsiteY5" fmla="*/ 292415 h 885135"/>
+              <a:gd name="connsiteX6" fmla="*/ 97863 w 548356"/>
+              <a:gd name="connsiteY6" fmla="*/ 175483 h 885135"/>
+              <a:gd name="connsiteX7" fmla="*/ 68630 w 548356"/>
+              <a:gd name="connsiteY7" fmla="*/ 84 h 885135"/>
+              <a:gd name="connsiteX8" fmla="*/ 29654 w 548356"/>
+              <a:gd name="connsiteY8" fmla="*/ 152746 h 885135"/>
+              <a:gd name="connsiteX9" fmla="*/ 6918 w 548356"/>
+              <a:gd name="connsiteY9" fmla="*/ 188475 h 885135"/>
+              <a:gd name="connsiteX10" fmla="*/ 422 w 548356"/>
+              <a:gd name="connsiteY10" fmla="*/ 263182 h 885135"/>
+              <a:gd name="connsiteX11" fmla="*/ 16662 w 548356"/>
+              <a:gd name="connsiteY11" fmla="*/ 383363 h 885135"/>
+              <a:gd name="connsiteX12" fmla="*/ 13414 w 548356"/>
+              <a:gd name="connsiteY12" fmla="*/ 477558 h 885135"/>
+              <a:gd name="connsiteX13" fmla="*/ 39398 w 548356"/>
+              <a:gd name="connsiteY13" fmla="*/ 529528 h 885135"/>
+              <a:gd name="connsiteX14" fmla="*/ 42646 w 548356"/>
+              <a:gd name="connsiteY14" fmla="*/ 600987 h 885135"/>
+              <a:gd name="connsiteX15" fmla="*/ 81622 w 548356"/>
+              <a:gd name="connsiteY15" fmla="*/ 682190 h 885135"/>
+              <a:gd name="connsiteX16" fmla="*/ 162823 w 548356"/>
+              <a:gd name="connsiteY16" fmla="*/ 756896 h 885135"/>
+              <a:gd name="connsiteX17" fmla="*/ 208295 w 548356"/>
+              <a:gd name="connsiteY17" fmla="*/ 838099 h 885135"/>
+              <a:gd name="connsiteX18" fmla="*/ 237528 w 548356"/>
+              <a:gd name="connsiteY18" fmla="*/ 883573 h 885135"/>
+              <a:gd name="connsiteX19" fmla="*/ 357705 w 548356"/>
+              <a:gd name="connsiteY19" fmla="*/ 782881 h 885135"/>
+              <a:gd name="connsiteX20" fmla="*/ 510362 w 548356"/>
+              <a:gd name="connsiteY20" fmla="*/ 691934 h 885135"/>
+              <a:gd name="connsiteX21" fmla="*/ 546090 w 548356"/>
+              <a:gd name="connsiteY21" fmla="*/ 506791 h 885135"/>
+            </a:gdLst>
+            <a:ahLst/>
+            <a:cxnLst>
+              <a:cxn ang="0">
+                <a:pos x="connsiteX0" y="connsiteY0"/>
+              </a:cxn>
+              <a:cxn ang="0">
+                <a:pos x="connsiteX1" y="connsiteY1"/>
+              </a:cxn>
+              <a:cxn ang="0">
+                <a:pos x="connsiteX2" y="connsiteY2"/>
+              </a:cxn>
+              <a:cxn ang="0">
+                <a:pos x="connsiteX3" y="connsiteY3"/>
+              </a:cxn>
+              <a:cxn ang="0">
+                <a:pos x="connsiteX4" y="connsiteY4"/>
+              </a:cxn>
+              <a:cxn ang="0">
+                <a:pos x="connsiteX5" y="connsiteY5"/>
+              </a:cxn>
+              <a:cxn ang="0">
+                <a:pos x="connsiteX6" y="connsiteY6"/>
+              </a:cxn>
+              <a:cxn ang="0">
+                <a:pos x="connsiteX7" y="connsiteY7"/>
+              </a:cxn>
+              <a:cxn ang="0">
+                <a:pos x="connsiteX8" y="connsiteY8"/>
+              </a:cxn>
+              <a:cxn ang="0">
+                <a:pos x="connsiteX9" y="connsiteY9"/>
+              </a:cxn>
+              <a:cxn ang="0">
+                <a:pos x="connsiteX10" y="connsiteY10"/>
+              </a:cxn>
+              <a:cxn ang="0">
+                <a:pos x="connsiteX11" y="connsiteY11"/>
+              </a:cxn>
+              <a:cxn ang="0">
+                <a:pos x="connsiteX12" y="connsiteY12"/>
+              </a:cxn>
+              <a:cxn ang="0">
+                <a:pos x="connsiteX13" y="connsiteY13"/>
+              </a:cxn>
+              <a:cxn ang="0">
+                <a:pos x="connsiteX14" y="connsiteY14"/>
+              </a:cxn>
+              <a:cxn ang="0">
+                <a:pos x="connsiteX15" y="connsiteY15"/>
+              </a:cxn>
+              <a:cxn ang="0">
+                <a:pos x="connsiteX16" y="connsiteY16"/>
+              </a:cxn>
+              <a:cxn ang="0">
+                <a:pos x="connsiteX17" y="connsiteY17"/>
+              </a:cxn>
+              <a:cxn ang="0">
+                <a:pos x="connsiteX18" y="connsiteY18"/>
+              </a:cxn>
+              <a:cxn ang="0">
+                <a:pos x="connsiteX19" y="connsiteY19"/>
+              </a:cxn>
+              <a:cxn ang="0">
+                <a:pos x="connsiteX20" y="connsiteY20"/>
+              </a:cxn>
+              <a:cxn ang="0">
+                <a:pos x="connsiteX21" y="connsiteY21"/>
+              </a:cxn>
+            </a:cxnLst>
+            <a:rect l="l" t="t" r="r" b="b"/>
+            <a:pathLst>
+              <a:path w="548356" h="885135">
+                <a:moveTo>
+                  <a:pt x="546090" y="506791"/>
+                </a:moveTo>
+                <a:cubicBezTo>
+                  <a:pt x="539052" y="484054"/>
+                  <a:pt x="502241" y="538190"/>
+                  <a:pt x="468137" y="555513"/>
+                </a:cubicBezTo>
+                <a:cubicBezTo>
+                  <a:pt x="434033" y="572836"/>
+                  <a:pt x="370696" y="608566"/>
+                  <a:pt x="341464" y="610731"/>
+                </a:cubicBezTo>
+                <a:cubicBezTo>
+                  <a:pt x="312232" y="612896"/>
+                  <a:pt x="320893" y="605317"/>
+                  <a:pt x="292744" y="568505"/>
+                </a:cubicBezTo>
+                <a:cubicBezTo>
+                  <a:pt x="264595" y="531693"/>
+                  <a:pt x="200175" y="435874"/>
+                  <a:pt x="172567" y="389859"/>
+                </a:cubicBezTo>
+                <a:cubicBezTo>
+                  <a:pt x="144959" y="343844"/>
+                  <a:pt x="139546" y="328144"/>
+                  <a:pt x="127095" y="292415"/>
+                </a:cubicBezTo>
+                <a:cubicBezTo>
+                  <a:pt x="114644" y="256686"/>
+                  <a:pt x="107607" y="224205"/>
+                  <a:pt x="97863" y="175483"/>
+                </a:cubicBezTo>
+                <a:cubicBezTo>
+                  <a:pt x="88119" y="126761"/>
+                  <a:pt x="79998" y="3873"/>
+                  <a:pt x="68630" y="84"/>
+                </a:cubicBezTo>
+                <a:cubicBezTo>
+                  <a:pt x="57262" y="-3705"/>
+                  <a:pt x="39939" y="121347"/>
+                  <a:pt x="29654" y="152746"/>
+                </a:cubicBezTo>
+                <a:cubicBezTo>
+                  <a:pt x="19369" y="184144"/>
+                  <a:pt x="11790" y="170069"/>
+                  <a:pt x="6918" y="188475"/>
+                </a:cubicBezTo>
+                <a:cubicBezTo>
+                  <a:pt x="2046" y="206881"/>
+                  <a:pt x="-1202" y="230701"/>
+                  <a:pt x="422" y="263182"/>
+                </a:cubicBezTo>
+                <a:cubicBezTo>
+                  <a:pt x="2046" y="295663"/>
+                  <a:pt x="14497" y="347634"/>
+                  <a:pt x="16662" y="383363"/>
+                </a:cubicBezTo>
+                <a:cubicBezTo>
+                  <a:pt x="18827" y="419092"/>
+                  <a:pt x="9625" y="453197"/>
+                  <a:pt x="13414" y="477558"/>
+                </a:cubicBezTo>
+                <a:cubicBezTo>
+                  <a:pt x="17203" y="501919"/>
+                  <a:pt x="34526" y="508957"/>
+                  <a:pt x="39398" y="529528"/>
+                </a:cubicBezTo>
+                <a:cubicBezTo>
+                  <a:pt x="44270" y="550099"/>
+                  <a:pt x="35609" y="575543"/>
+                  <a:pt x="42646" y="600987"/>
+                </a:cubicBezTo>
+                <a:cubicBezTo>
+                  <a:pt x="49683" y="626431"/>
+                  <a:pt x="61593" y="656205"/>
+                  <a:pt x="81622" y="682190"/>
+                </a:cubicBezTo>
+                <a:cubicBezTo>
+                  <a:pt x="101651" y="708175"/>
+                  <a:pt x="141711" y="730911"/>
+                  <a:pt x="162823" y="756896"/>
+                </a:cubicBezTo>
+                <a:cubicBezTo>
+                  <a:pt x="183935" y="782881"/>
+                  <a:pt x="195844" y="816986"/>
+                  <a:pt x="208295" y="838099"/>
+                </a:cubicBezTo>
+                <a:cubicBezTo>
+                  <a:pt x="220746" y="859212"/>
+                  <a:pt x="212626" y="892776"/>
+                  <a:pt x="237528" y="883573"/>
+                </a:cubicBezTo>
+                <a:cubicBezTo>
+                  <a:pt x="262430" y="874370"/>
+                  <a:pt x="312233" y="814821"/>
+                  <a:pt x="357705" y="782881"/>
+                </a:cubicBezTo>
+                <a:cubicBezTo>
+                  <a:pt x="403177" y="750941"/>
+                  <a:pt x="476258" y="738490"/>
+                  <a:pt x="510362" y="691934"/>
+                </a:cubicBezTo>
+                <a:cubicBezTo>
+                  <a:pt x="544466" y="645378"/>
+                  <a:pt x="553128" y="529528"/>
+                  <a:pt x="546090" y="506791"/>
+                </a:cubicBezTo>
+                <a:close/>
+              </a:path>
+            </a:pathLst>
+          </a:custGeom>
+          <a:gradFill>
+            <a:gsLst>
+              <a:gs pos="0">
+                <a:schemeClr val="bg1">
+                  <a:lumMod val="65000"/>
+                </a:schemeClr>
+              </a:gs>
+              <a:gs pos="59000">
+                <a:schemeClr val="bg1">
+                  <a:lumMod val="95000"/>
+                </a:schemeClr>
+              </a:gs>
+            </a:gsLst>
+            <a:lin ang="1800000" scaled="0"/>
+          </a:gradFill>
+          <a:ln w="19050" cmpd="sng">
+            <a:solidFill>
+              <a:schemeClr val="bg1">
+                <a:lumMod val="85000"/>
+                <a:alpha val="59000"/>
+              </a:schemeClr>
+            </a:solidFill>
+          </a:ln>
+          <a:effectLst>
+            <a:outerShdw blurRad="40000" dist="23000" dir="7680000" rotWithShape="0">
+              <a:srgbClr val="000000">
+                <a:alpha val="35000"/>
+              </a:srgbClr>
+            </a:outerShdw>
+          </a:effectLst>
+        </p:spPr>
+        <p:style>
+          <a:lnRef idx="1">
+            <a:schemeClr val="accent1"/>
+          </a:lnRef>
+          <a:fillRef idx="3">
+            <a:schemeClr val="accent1"/>
+          </a:fillRef>
+          <a:effectRef idx="2">
+            <a:schemeClr val="accent1"/>
+          </a:effectRef>
+          <a:fontRef idx="minor">
+            <a:schemeClr val="lt1"/>
+          </a:fontRef>
+        </p:style>
+        <p:txBody>
+          <a:bodyPr lIns="91425" tIns="45713" rIns="91425" bIns="45713" spcCol="0" rtlCol="0" anchor="ctr"/>
+          <a:lstStyle/>
+          <a:p>
+            <a:pPr algn="ctr"/>
+            <a:endParaRPr lang="en-US">
+              <a:solidFill>
+                <a:schemeClr val="lt1"/>
+              </a:solidFill>
+            </a:endParaRPr>
+          </a:p>
+        </p:txBody>
+      </p:sp>
+      <p:sp>
+        <p:nvSpPr>
+          <p:cNvPr id="103" name="Freeform 102"/>
+          <p:cNvSpPr/>
+          <p:nvPr/>
+        </p:nvSpPr>
+        <p:spPr>
+          <a:xfrm rot="21480000">
+            <a:off x="2348683" y="3166714"/>
+            <a:ext cx="431798" cy="577679"/>
+          </a:xfrm>
+          <a:custGeom>
+            <a:avLst/>
+            <a:gdLst>
+              <a:gd name="connsiteX0" fmla="*/ 0 w 415747"/>
+              <a:gd name="connsiteY0" fmla="*/ 0 h 326651"/>
+              <a:gd name="connsiteX1" fmla="*/ 94192 w 415747"/>
+              <a:gd name="connsiteY1" fmla="*/ 185143 h 326651"/>
+              <a:gd name="connsiteX2" fmla="*/ 181889 w 415747"/>
+              <a:gd name="connsiteY2" fmla="*/ 324812 h 326651"/>
+              <a:gd name="connsiteX3" fmla="*/ 347538 w 415747"/>
+              <a:gd name="connsiteY3" fmla="*/ 263098 h 326651"/>
+              <a:gd name="connsiteX4" fmla="*/ 380019 w 415747"/>
+              <a:gd name="connsiteY4" fmla="*/ 233865 h 326651"/>
+              <a:gd name="connsiteX5" fmla="*/ 380019 w 415747"/>
+              <a:gd name="connsiteY5" fmla="*/ 233865 h 326651"/>
+              <a:gd name="connsiteX6" fmla="*/ 415747 w 415747"/>
+              <a:gd name="connsiteY6" fmla="*/ 204632 h 326651"/>
+            </a:gdLst>
+            <a:ahLst/>
+            <a:cxnLst>
+              <a:cxn ang="0">
+                <a:pos x="connsiteX0" y="connsiteY0"/>
+              </a:cxn>
+              <a:cxn ang="0">
+                <a:pos x="connsiteX1" y="connsiteY1"/>
+              </a:cxn>
+              <a:cxn ang="0">
+                <a:pos x="connsiteX2" y="connsiteY2"/>
+              </a:cxn>
+              <a:cxn ang="0">
+                <a:pos x="connsiteX3" y="connsiteY3"/>
+              </a:cxn>
+              <a:cxn ang="0">
+                <a:pos x="connsiteX4" y="connsiteY4"/>
+              </a:cxn>
+              <a:cxn ang="0">
+                <a:pos x="connsiteX5" y="connsiteY5"/>
+              </a:cxn>
+              <a:cxn ang="0">
+                <a:pos x="connsiteX6" y="connsiteY6"/>
+              </a:cxn>
+            </a:cxnLst>
+            <a:rect l="l" t="t" r="r" b="b"/>
+            <a:pathLst>
+              <a:path w="415747" h="326651">
+                <a:moveTo>
+                  <a:pt x="0" y="0"/>
+                </a:moveTo>
+                <a:cubicBezTo>
+                  <a:pt x="31938" y="65504"/>
+                  <a:pt x="63877" y="131008"/>
+                  <a:pt x="94192" y="185143"/>
+                </a:cubicBezTo>
+                <a:cubicBezTo>
+                  <a:pt x="124507" y="239278"/>
+                  <a:pt x="139665" y="311820"/>
+                  <a:pt x="181889" y="324812"/>
+                </a:cubicBezTo>
+                <a:cubicBezTo>
+                  <a:pt x="224113" y="337804"/>
+                  <a:pt x="314516" y="278256"/>
+                  <a:pt x="347538" y="263098"/>
+                </a:cubicBezTo>
+                <a:cubicBezTo>
+                  <a:pt x="380560" y="247940"/>
+                  <a:pt x="380019" y="233865"/>
+                  <a:pt x="380019" y="233865"/>
+                </a:cubicBezTo>
+                <a:lnTo>
+                  <a:pt x="380019" y="233865"/>
+                </a:lnTo>
+                <a:lnTo>
+                  <a:pt x="415747" y="204632"/>
+                </a:lnTo>
+              </a:path>
+            </a:pathLst>
+          </a:custGeom>
+          <a:ln w="50800" cap="rnd" cmpd="sng">
+            <a:gradFill flip="none" rotWithShape="1">
+              <a:gsLst>
+                <a:gs pos="0">
+                  <a:schemeClr val="bg1">
+                    <a:lumMod val="85000"/>
+                    <a:alpha val="46000"/>
+                  </a:schemeClr>
+                </a:gs>
+                <a:gs pos="65000">
+                  <a:schemeClr val="bg1">
+                    <a:alpha val="46000"/>
+                  </a:schemeClr>
+                </a:gs>
+              </a:gsLst>
+              <a:lin ang="12420000" scaled="0"/>
+              <a:tileRect/>
+            </a:gradFill>
+          </a:ln>
+          <a:effectLst>
+            <a:glow rad="114300">
+              <a:schemeClr val="bg1">
+                <a:lumMod val="95000"/>
+                <a:alpha val="69000"/>
+              </a:schemeClr>
+            </a:glow>
+            <a:softEdge rad="25400"/>
+          </a:effectLst>
+        </p:spPr>
+        <p:style>
+          <a:lnRef idx="2">
+            <a:schemeClr val="accent1"/>
+          </a:lnRef>
+          <a:fillRef idx="0">
+            <a:schemeClr val="accent1"/>
+          </a:fillRef>
+          <a:effectRef idx="1">
+            <a:schemeClr val="accent1"/>
+          </a:effectRef>
+          <a:fontRef idx="minor">
+            <a:schemeClr val="tx1"/>
+          </a:fontRef>
+        </p:style>
+        <p:txBody>
+          <a:bodyPr rtlCol="0" anchor="ctr"/>
+          <a:lstStyle/>
+          <a:p>
+            <a:pPr algn="ctr"/>
+            <a:endParaRPr lang="en-US" dirty="0"/>
+          </a:p>
+        </p:txBody>
+      </p:sp>
+      <p:sp>
+        <p:nvSpPr>
+          <p:cNvPr id="104" name="Freeform 103"/>
+          <p:cNvSpPr/>
+          <p:nvPr/>
+        </p:nvSpPr>
+        <p:spPr>
+          <a:xfrm rot="21540000" flipV="1">
+            <a:off x="2723806" y="2766106"/>
+            <a:ext cx="85548" cy="39802"/>
+          </a:xfrm>
+          <a:custGeom>
+            <a:avLst/>
+            <a:gdLst>
+              <a:gd name="connsiteX0" fmla="*/ 0 w 90421"/>
+              <a:gd name="connsiteY0" fmla="*/ 0 h 33992"/>
+              <a:gd name="connsiteX1" fmla="*/ 81499 w 90421"/>
+              <a:gd name="connsiteY1" fmla="*/ 33959 h 33992"/>
+              <a:gd name="connsiteX2" fmla="*/ 88291 w 90421"/>
+              <a:gd name="connsiteY2" fmla="*/ 6792 h 33992"/>
+              <a:gd name="connsiteX3" fmla="*/ 88291 w 90421"/>
+              <a:gd name="connsiteY3" fmla="*/ 6792 h 33992"/>
+            </a:gdLst>
+            <a:ahLst/>
+            <a:cxnLst>
+              <a:cxn ang="0">
+                <a:pos x="connsiteX0" y="connsiteY0"/>
+              </a:cxn>
+              <a:cxn ang="0">
+                <a:pos x="connsiteX1" y="connsiteY1"/>
+              </a:cxn>
+              <a:cxn ang="0">
+                <a:pos x="connsiteX2" y="connsiteY2"/>
+              </a:cxn>
+              <a:cxn ang="0">
+                <a:pos x="connsiteX3" y="connsiteY3"/>
+              </a:cxn>
+            </a:cxnLst>
+            <a:rect l="l" t="t" r="r" b="b"/>
+            <a:pathLst>
+              <a:path w="90421" h="33992">
+                <a:moveTo>
+                  <a:pt x="0" y="0"/>
+                </a:moveTo>
+                <a:cubicBezTo>
+                  <a:pt x="33392" y="16413"/>
+                  <a:pt x="66784" y="32827"/>
+                  <a:pt x="81499" y="33959"/>
+                </a:cubicBezTo>
+                <a:cubicBezTo>
+                  <a:pt x="96214" y="35091"/>
+                  <a:pt x="88291" y="6792"/>
+                  <a:pt x="88291" y="6792"/>
+                </a:cubicBezTo>
+                <a:lnTo>
+                  <a:pt x="88291" y="6792"/>
+                </a:lnTo>
+              </a:path>
+            </a:pathLst>
+          </a:custGeom>
+          <a:ln w="12700" cmpd="sng">
+            <a:solidFill>
+              <a:schemeClr val="tx1">
+                <a:lumMod val="50000"/>
+                <a:lumOff val="50000"/>
+                <a:alpha val="42000"/>
+              </a:schemeClr>
+            </a:solidFill>
+          </a:ln>
+          <a:effectLst>
+            <a:innerShdw blurRad="63500" dist="50800" dir="2700000">
+              <a:prstClr val="black">
+                <a:alpha val="50000"/>
+              </a:prstClr>
+            </a:innerShdw>
+          </a:effectLst>
+        </p:spPr>
+        <p:style>
+          <a:lnRef idx="2">
+            <a:schemeClr val="accent1"/>
+          </a:lnRef>
+          <a:fillRef idx="0">
+            <a:schemeClr val="accent1"/>
+          </a:fillRef>
+          <a:effectRef idx="1">
+            <a:schemeClr val="accent1"/>
+          </a:effectRef>
+          <a:fontRef idx="minor">
+            <a:schemeClr val="tx1"/>
+          </a:fontRef>
+        </p:style>
+        <p:txBody>
+          <a:bodyPr rtlCol="0" anchor="ctr"/>
+          <a:lstStyle/>
+          <a:p>
+            <a:pPr algn="ctr"/>
+            <a:endParaRPr lang="en-US"/>
+          </a:p>
+        </p:txBody>
+      </p:sp>
+      <p:grpSp>
+        <p:nvGrpSpPr>
+          <p:cNvPr id="105" name="Group 104"/>
+          <p:cNvGrpSpPr/>
+          <p:nvPr/>
+        </p:nvGrpSpPr>
+        <p:grpSpPr>
+          <a:xfrm rot="21540000">
+            <a:off x="2419366" y="624800"/>
+            <a:ext cx="371041" cy="2194374"/>
+            <a:chOff x="921590" y="579407"/>
+            <a:chExt cx="383212" cy="2239767"/>
+          </a:xfrm>
+        </p:grpSpPr>
+        <p:sp>
+          <p:nvSpPr>
+            <p:cNvPr id="106" name="Isosceles Triangle 105"/>
+            <p:cNvSpPr>
+              <a:spLocks noChangeAspect="1"/>
+            </p:cNvSpPr>
+            <p:nvPr/>
+          </p:nvSpPr>
+          <p:spPr>
+            <a:xfrm rot="9652179" flipH="1" flipV="1">
+              <a:off x="1182089" y="2325188"/>
+              <a:ext cx="73161" cy="250499"/>
+            </a:xfrm>
+            <a:prstGeom prst="triangle">
+              <a:avLst/>
+            </a:prstGeom>
+            <a:gradFill flip="none" rotWithShape="1">
+              <a:gsLst>
+                <a:gs pos="50000">
+                  <a:srgbClr val="FFFF00">
+                    <a:alpha val="69000"/>
+                  </a:srgbClr>
+                </a:gs>
+                <a:gs pos="92000">
+                  <a:srgbClr val="FFFFFF">
+                    <a:alpha val="69000"/>
+                  </a:srgbClr>
+                </a:gs>
+              </a:gsLst>
+              <a:lin ang="0" scaled="1"/>
+              <a:tileRect/>
+            </a:gradFill>
+            <a:ln>
+              <a:solidFill>
+                <a:srgbClr val="7F7F7F">
+                  <a:alpha val="59000"/>
+                </a:srgbClr>
+              </a:solidFill>
+            </a:ln>
+            <a:effectLst/>
+          </p:spPr>
+          <p:style>
+            <a:lnRef idx="1">
+              <a:schemeClr val="accent1"/>
+            </a:lnRef>
+            <a:fillRef idx="3">
+              <a:schemeClr val="accent1"/>
+            </a:fillRef>
+            <a:effectRef idx="2">
+              <a:schemeClr val="accent1"/>
+            </a:effectRef>
+            <a:fontRef idx="minor">
+              <a:schemeClr val="lt1"/>
+            </a:fontRef>
+          </p:style>
+          <p:txBody>
+            <a:bodyPr rtlCol="0" anchor="ctr"/>
+            <a:lstStyle/>
+            <a:p>
+              <a:pPr algn="ctr"/>
+              <a:endParaRPr lang="en-US"/>
+            </a:p>
+          </p:txBody>
+        </p:sp>
+        <p:sp>
+          <p:nvSpPr>
+            <p:cNvPr id="107" name="Freeform 106"/>
+            <p:cNvSpPr/>
+            <p:nvPr/>
+          </p:nvSpPr>
+          <p:spPr>
+            <a:xfrm rot="21026482" flipH="1">
+              <a:off x="981141" y="579407"/>
+              <a:ext cx="233032" cy="2239767"/>
+            </a:xfrm>
+            <a:custGeom>
+              <a:avLst/>
+              <a:gdLst>
+                <a:gd name="connsiteX0" fmla="*/ 19026 w 456628"/>
+                <a:gd name="connsiteY0" fmla="*/ 1360449 h 1413903"/>
+                <a:gd name="connsiteX1" fmla="*/ 14270 w 456628"/>
+                <a:gd name="connsiteY1" fmla="*/ 1336665 h 1413903"/>
+                <a:gd name="connsiteX2" fmla="*/ 9513 w 456628"/>
+                <a:gd name="connsiteY2" fmla="*/ 1322395 h 1413903"/>
+                <a:gd name="connsiteX3" fmla="*/ 0 w 456628"/>
+                <a:gd name="connsiteY3" fmla="*/ 1227258 h 1413903"/>
+                <a:gd name="connsiteX4" fmla="*/ 4757 w 456628"/>
+                <a:gd name="connsiteY4" fmla="*/ 1141636 h 1413903"/>
+                <a:gd name="connsiteX5" fmla="*/ 14270 w 456628"/>
+                <a:gd name="connsiteY5" fmla="*/ 1079797 h 1413903"/>
+                <a:gd name="connsiteX6" fmla="*/ 23783 w 456628"/>
+                <a:gd name="connsiteY6" fmla="*/ 1027472 h 1413903"/>
+                <a:gd name="connsiteX7" fmla="*/ 33296 w 456628"/>
+                <a:gd name="connsiteY7" fmla="*/ 818172 h 1413903"/>
+                <a:gd name="connsiteX8" fmla="*/ 38052 w 456628"/>
+                <a:gd name="connsiteY8" fmla="*/ 789631 h 1413903"/>
+                <a:gd name="connsiteX9" fmla="*/ 52322 w 456628"/>
+                <a:gd name="connsiteY9" fmla="*/ 737306 h 1413903"/>
+                <a:gd name="connsiteX10" fmla="*/ 61835 w 456628"/>
+                <a:gd name="connsiteY10" fmla="*/ 680225 h 1413903"/>
+                <a:gd name="connsiteX11" fmla="*/ 76105 w 456628"/>
+                <a:gd name="connsiteY11" fmla="*/ 665954 h 1413903"/>
+                <a:gd name="connsiteX12" fmla="*/ 80861 w 456628"/>
+                <a:gd name="connsiteY12" fmla="*/ 651684 h 1413903"/>
+                <a:gd name="connsiteX13" fmla="*/ 99887 w 456628"/>
+                <a:gd name="connsiteY13" fmla="*/ 623143 h 1413903"/>
+                <a:gd name="connsiteX14" fmla="*/ 109400 w 456628"/>
+                <a:gd name="connsiteY14" fmla="*/ 594602 h 1413903"/>
+                <a:gd name="connsiteX15" fmla="*/ 114157 w 456628"/>
+                <a:gd name="connsiteY15" fmla="*/ 580332 h 1413903"/>
+                <a:gd name="connsiteX16" fmla="*/ 123670 w 456628"/>
+                <a:gd name="connsiteY16" fmla="*/ 566061 h 1413903"/>
+                <a:gd name="connsiteX17" fmla="*/ 137939 w 456628"/>
+                <a:gd name="connsiteY17" fmla="*/ 513736 h 1413903"/>
+                <a:gd name="connsiteX18" fmla="*/ 152209 w 456628"/>
+                <a:gd name="connsiteY18" fmla="*/ 489952 h 1413903"/>
+                <a:gd name="connsiteX19" fmla="*/ 161722 w 456628"/>
+                <a:gd name="connsiteY19" fmla="*/ 466168 h 1413903"/>
+                <a:gd name="connsiteX20" fmla="*/ 175991 w 456628"/>
+                <a:gd name="connsiteY20" fmla="*/ 413843 h 1413903"/>
+                <a:gd name="connsiteX21" fmla="*/ 185504 w 456628"/>
+                <a:gd name="connsiteY21" fmla="*/ 399573 h 1413903"/>
+                <a:gd name="connsiteX22" fmla="*/ 199774 w 456628"/>
+                <a:gd name="connsiteY22" fmla="*/ 361518 h 1413903"/>
+                <a:gd name="connsiteX23" fmla="*/ 218800 w 456628"/>
+                <a:gd name="connsiteY23" fmla="*/ 342491 h 1413903"/>
+                <a:gd name="connsiteX24" fmla="*/ 223557 w 456628"/>
+                <a:gd name="connsiteY24" fmla="*/ 328220 h 1413903"/>
+                <a:gd name="connsiteX25" fmla="*/ 247339 w 456628"/>
+                <a:gd name="connsiteY25" fmla="*/ 294923 h 1413903"/>
+                <a:gd name="connsiteX26" fmla="*/ 271122 w 456628"/>
+                <a:gd name="connsiteY26" fmla="*/ 271139 h 1413903"/>
+                <a:gd name="connsiteX27" fmla="*/ 290148 w 456628"/>
+                <a:gd name="connsiteY27" fmla="*/ 247354 h 1413903"/>
+                <a:gd name="connsiteX28" fmla="*/ 299661 w 456628"/>
+                <a:gd name="connsiteY28" fmla="*/ 228327 h 1413903"/>
+                <a:gd name="connsiteX29" fmla="*/ 313930 w 456628"/>
+                <a:gd name="connsiteY29" fmla="*/ 214057 h 1413903"/>
+                <a:gd name="connsiteX30" fmla="*/ 332956 w 456628"/>
+                <a:gd name="connsiteY30" fmla="*/ 185516 h 1413903"/>
+                <a:gd name="connsiteX31" fmla="*/ 342469 w 456628"/>
+                <a:gd name="connsiteY31" fmla="*/ 171245 h 1413903"/>
+                <a:gd name="connsiteX32" fmla="*/ 390035 w 456628"/>
+                <a:gd name="connsiteY32" fmla="*/ 118920 h 1413903"/>
+                <a:gd name="connsiteX33" fmla="*/ 423330 w 456628"/>
+                <a:gd name="connsiteY33" fmla="*/ 52325 h 1413903"/>
+                <a:gd name="connsiteX34" fmla="*/ 447113 w 456628"/>
+                <a:gd name="connsiteY34" fmla="*/ 14271 h 1413903"/>
+                <a:gd name="connsiteX35" fmla="*/ 451869 w 456628"/>
+                <a:gd name="connsiteY35" fmla="*/ 0 h 1413903"/>
+                <a:gd name="connsiteX36" fmla="*/ 456626 w 456628"/>
+                <a:gd name="connsiteY36" fmla="*/ 14271 h 1413903"/>
+                <a:gd name="connsiteX37" fmla="*/ 451869 w 456628"/>
+                <a:gd name="connsiteY37" fmla="*/ 85623 h 1413903"/>
+                <a:gd name="connsiteX38" fmla="*/ 442356 w 456628"/>
+                <a:gd name="connsiteY38" fmla="*/ 128434 h 1413903"/>
+                <a:gd name="connsiteX39" fmla="*/ 437600 w 456628"/>
+                <a:gd name="connsiteY39" fmla="*/ 142705 h 1413903"/>
+                <a:gd name="connsiteX40" fmla="*/ 432843 w 456628"/>
+                <a:gd name="connsiteY40" fmla="*/ 166489 h 1413903"/>
+                <a:gd name="connsiteX41" fmla="*/ 423330 w 456628"/>
+                <a:gd name="connsiteY41" fmla="*/ 195029 h 1413903"/>
+                <a:gd name="connsiteX42" fmla="*/ 409061 w 456628"/>
+                <a:gd name="connsiteY42" fmla="*/ 237841 h 1413903"/>
+                <a:gd name="connsiteX43" fmla="*/ 394791 w 456628"/>
+                <a:gd name="connsiteY43" fmla="*/ 242598 h 1413903"/>
+                <a:gd name="connsiteX44" fmla="*/ 385278 w 456628"/>
+                <a:gd name="connsiteY44" fmla="*/ 299679 h 1413903"/>
+                <a:gd name="connsiteX45" fmla="*/ 375765 w 456628"/>
+                <a:gd name="connsiteY45" fmla="*/ 332977 h 1413903"/>
+                <a:gd name="connsiteX46" fmla="*/ 371008 w 456628"/>
+                <a:gd name="connsiteY46" fmla="*/ 413843 h 1413903"/>
+                <a:gd name="connsiteX47" fmla="*/ 366252 w 456628"/>
+                <a:gd name="connsiteY47" fmla="*/ 432870 h 1413903"/>
+                <a:gd name="connsiteX48" fmla="*/ 361495 w 456628"/>
+                <a:gd name="connsiteY48" fmla="*/ 461411 h 1413903"/>
+                <a:gd name="connsiteX49" fmla="*/ 351982 w 456628"/>
+                <a:gd name="connsiteY49" fmla="*/ 494709 h 1413903"/>
+                <a:gd name="connsiteX50" fmla="*/ 342469 w 456628"/>
+                <a:gd name="connsiteY50" fmla="*/ 537520 h 1413903"/>
+                <a:gd name="connsiteX51" fmla="*/ 337713 w 456628"/>
+                <a:gd name="connsiteY51" fmla="*/ 599359 h 1413903"/>
+                <a:gd name="connsiteX52" fmla="*/ 332956 w 456628"/>
+                <a:gd name="connsiteY52" fmla="*/ 646927 h 1413903"/>
+                <a:gd name="connsiteX53" fmla="*/ 337713 w 456628"/>
+                <a:gd name="connsiteY53" fmla="*/ 1060770 h 1413903"/>
+                <a:gd name="connsiteX54" fmla="*/ 342469 w 456628"/>
+                <a:gd name="connsiteY54" fmla="*/ 1084554 h 1413903"/>
+                <a:gd name="connsiteX55" fmla="*/ 347226 w 456628"/>
+                <a:gd name="connsiteY55" fmla="*/ 1117852 h 1413903"/>
+                <a:gd name="connsiteX56" fmla="*/ 351982 w 456628"/>
+                <a:gd name="connsiteY56" fmla="*/ 1132122 h 1413903"/>
+                <a:gd name="connsiteX57" fmla="*/ 356739 w 456628"/>
+                <a:gd name="connsiteY57" fmla="*/ 1151149 h 1413903"/>
+                <a:gd name="connsiteX58" fmla="*/ 361495 w 456628"/>
+                <a:gd name="connsiteY58" fmla="*/ 1189204 h 1413903"/>
+                <a:gd name="connsiteX59" fmla="*/ 371008 w 456628"/>
+                <a:gd name="connsiteY59" fmla="*/ 1217745 h 1413903"/>
+                <a:gd name="connsiteX60" fmla="*/ 375765 w 456628"/>
+                <a:gd name="connsiteY60" fmla="*/ 1251042 h 1413903"/>
+                <a:gd name="connsiteX61" fmla="*/ 385278 w 456628"/>
+                <a:gd name="connsiteY61" fmla="*/ 1322395 h 1413903"/>
+                <a:gd name="connsiteX62" fmla="*/ 399548 w 456628"/>
+                <a:gd name="connsiteY62" fmla="*/ 1365206 h 1413903"/>
+                <a:gd name="connsiteX63" fmla="*/ 404304 w 456628"/>
+                <a:gd name="connsiteY63" fmla="*/ 1379476 h 1413903"/>
+                <a:gd name="connsiteX64" fmla="*/ 399548 w 456628"/>
+                <a:gd name="connsiteY64" fmla="*/ 1412774 h 1413903"/>
+                <a:gd name="connsiteX65" fmla="*/ 385278 w 456628"/>
+                <a:gd name="connsiteY65" fmla="*/ 1403261 h 1413903"/>
+                <a:gd name="connsiteX66" fmla="*/ 361495 w 456628"/>
+                <a:gd name="connsiteY66" fmla="*/ 1374720 h 1413903"/>
+                <a:gd name="connsiteX67" fmla="*/ 342469 w 456628"/>
+                <a:gd name="connsiteY67" fmla="*/ 1365206 h 1413903"/>
+                <a:gd name="connsiteX68" fmla="*/ 328200 w 456628"/>
+                <a:gd name="connsiteY68" fmla="*/ 1355692 h 1413903"/>
+                <a:gd name="connsiteX69" fmla="*/ 313930 w 456628"/>
+                <a:gd name="connsiteY69" fmla="*/ 1350936 h 1413903"/>
+                <a:gd name="connsiteX70" fmla="*/ 271122 w 456628"/>
+                <a:gd name="connsiteY70" fmla="*/ 1327151 h 1413903"/>
+                <a:gd name="connsiteX71" fmla="*/ 228313 w 456628"/>
+                <a:gd name="connsiteY71" fmla="*/ 1317638 h 1413903"/>
+                <a:gd name="connsiteX72" fmla="*/ 109400 w 456628"/>
+                <a:gd name="connsiteY72" fmla="*/ 1322395 h 1413903"/>
+                <a:gd name="connsiteX73" fmla="*/ 90374 w 456628"/>
+                <a:gd name="connsiteY73" fmla="*/ 1327151 h 1413903"/>
+                <a:gd name="connsiteX74" fmla="*/ 61835 w 456628"/>
+                <a:gd name="connsiteY74" fmla="*/ 1346179 h 1413903"/>
+                <a:gd name="connsiteX75" fmla="*/ 38052 w 456628"/>
+                <a:gd name="connsiteY75" fmla="*/ 1369963 h 1413903"/>
+                <a:gd name="connsiteX76" fmla="*/ 19026 w 456628"/>
+                <a:gd name="connsiteY76" fmla="*/ 1360449 h 1413903"/>
+              </a:gdLst>
+              <a:ahLst/>
+              <a:cxnLst>
+                <a:cxn ang="0">
+                  <a:pos x="connsiteX0" y="connsiteY0"/>
+                </a:cxn>
+                <a:cxn ang="0">
+                  <a:pos x="connsiteX1" y="connsiteY1"/>
+                </a:cxn>
+                <a:cxn ang="0">
+                  <a:pos x="connsiteX2" y="connsiteY2"/>
+                </a:cxn>
+                <a:cxn ang="0">
+                  <a:pos x="connsiteX3" y="connsiteY3"/>
+                </a:cxn>
+                <a:cxn ang="0">
+                  <a:pos x="connsiteX4" y="connsiteY4"/>
+                </a:cxn>
+                <a:cxn ang="0">
+                  <a:pos x="connsiteX5" y="connsiteY5"/>
+                </a:cxn>
+                <a:cxn ang="0">
+                  <a:pos x="connsiteX6" y="connsiteY6"/>
+                </a:cxn>
+                <a:cxn ang="0">
+                  <a:pos x="connsiteX7" y="connsiteY7"/>
+                </a:cxn>
+                <a:cxn ang="0">
+                  <a:pos x="connsiteX8" y="connsiteY8"/>
+                </a:cxn>
+                <a:cxn ang="0">
+                  <a:pos x="connsiteX9" y="connsiteY9"/>
+                </a:cxn>
+                <a:cxn ang="0">
+                  <a:pos x="connsiteX10" y="connsiteY10"/>
+                </a:cxn>
+                <a:cxn ang="0">
+                  <a:pos x="connsiteX11" y="connsiteY11"/>
+                </a:cxn>
+                <a:cxn ang="0">
+                  <a:pos x="connsiteX12" y="connsiteY12"/>
+                </a:cxn>
+                <a:cxn ang="0">
+                  <a:pos x="connsiteX13" y="connsiteY13"/>
+                </a:cxn>
+                <a:cxn ang="0">
+                  <a:pos x="connsiteX14" y="connsiteY14"/>
+                </a:cxn>
+                <a:cxn ang="0">
+                  <a:pos x="connsiteX15" y="connsiteY15"/>
+                </a:cxn>
+                <a:cxn ang="0">
+                  <a:pos x="connsiteX16" y="connsiteY16"/>
+                </a:cxn>
+                <a:cxn ang="0">
+                  <a:pos x="connsiteX17" y="connsiteY17"/>
+                </a:cxn>
+                <a:cxn ang="0">
+                  <a:pos x="connsiteX18" y="connsiteY18"/>
+                </a:cxn>
+                <a:cxn ang="0">
+                  <a:pos x="connsiteX19" y="connsiteY19"/>
+                </a:cxn>
+                <a:cxn ang="0">
+                  <a:pos x="connsiteX20" y="connsiteY20"/>
+                </a:cxn>
+                <a:cxn ang="0">
+                  <a:pos x="connsiteX21" y="connsiteY21"/>
+                </a:cxn>
+                <a:cxn ang="0">
+                  <a:pos x="connsiteX22" y="connsiteY22"/>
+                </a:cxn>
+                <a:cxn ang="0">
+                  <a:pos x="connsiteX23" y="connsiteY23"/>
+                </a:cxn>
+                <a:cxn ang="0">
+                  <a:pos x="connsiteX24" y="connsiteY24"/>
+                </a:cxn>
+                <a:cxn ang="0">
+                  <a:pos x="connsiteX25" y="connsiteY25"/>
+                </a:cxn>
+                <a:cxn ang="0">
+                  <a:pos x="connsiteX26" y="connsiteY26"/>
+                </a:cxn>
+                <a:cxn ang="0">
+                  <a:pos x="connsiteX27" y="connsiteY27"/>
+                </a:cxn>
+                <a:cxn ang="0">
+                  <a:pos x="connsiteX28" y="connsiteY28"/>
+                </a:cxn>
+                <a:cxn ang="0">
+                  <a:pos x="connsiteX29" y="connsiteY29"/>
+                </a:cxn>
+                <a:cxn ang="0">
+                  <a:pos x="connsiteX30" y="connsiteY30"/>
+                </a:cxn>
+                <a:cxn ang="0">
+                  <a:pos x="connsiteX31" y="connsiteY31"/>
+                </a:cxn>
+                <a:cxn ang="0">
+                  <a:pos x="connsiteX32" y="connsiteY32"/>
+                </a:cxn>
+                <a:cxn ang="0">
+                  <a:pos x="connsiteX33" y="connsiteY33"/>
+                </a:cxn>
+                <a:cxn ang="0">
+                  <a:pos x="connsiteX34" y="connsiteY34"/>
+                </a:cxn>
+                <a:cxn ang="0">
+                  <a:pos x="connsiteX35" y="connsiteY35"/>
+                </a:cxn>
+                <a:cxn ang="0">
+                  <a:pos x="connsiteX36" y="connsiteY36"/>
+                </a:cxn>
+                <a:cxn ang="0">
+                  <a:pos x="connsiteX37" y="connsiteY37"/>
+                </a:cxn>
+                <a:cxn ang="0">
+                  <a:pos x="connsiteX38" y="connsiteY38"/>
+                </a:cxn>
+                <a:cxn ang="0">
+                  <a:pos x="connsiteX39" y="connsiteY39"/>
+                </a:cxn>
+                <a:cxn ang="0">
+                  <a:pos x="connsiteX40" y="connsiteY40"/>
+                </a:cxn>
+                <a:cxn ang="0">
+                  <a:pos x="connsiteX41" y="connsiteY41"/>
+                </a:cxn>
+                <a:cxn ang="0">
+                  <a:pos x="connsiteX42" y="connsiteY42"/>
+                </a:cxn>
+                <a:cxn ang="0">
+                  <a:pos x="connsiteX43" y="connsiteY43"/>
+                </a:cxn>
+                <a:cxn ang="0">
+                  <a:pos x="connsiteX44" y="connsiteY44"/>
+                </a:cxn>
+                <a:cxn ang="0">
+                  <a:pos x="connsiteX45" y="connsiteY45"/>
+                </a:cxn>
+                <a:cxn ang="0">
+                  <a:pos x="connsiteX46" y="connsiteY46"/>
+                </a:cxn>
+                <a:cxn ang="0">
+                  <a:pos x="connsiteX47" y="connsiteY47"/>
+                </a:cxn>
+                <a:cxn ang="0">
+                  <a:pos x="connsiteX48" y="connsiteY48"/>
+                </a:cxn>
+                <a:cxn ang="0">
+                  <a:pos x="connsiteX49" y="connsiteY49"/>
+                </a:cxn>
+                <a:cxn ang="0">
+                  <a:pos x="connsiteX50" y="connsiteY50"/>
+                </a:cxn>
+                <a:cxn ang="0">
+                  <a:pos x="connsiteX51" y="connsiteY51"/>
+                </a:cxn>
+                <a:cxn ang="0">
+                  <a:pos x="connsiteX52" y="connsiteY52"/>
+                </a:cxn>
+                <a:cxn ang="0">
+                  <a:pos x="connsiteX53" y="connsiteY53"/>
+                </a:cxn>
+                <a:cxn ang="0">
+                  <a:pos x="connsiteX54" y="connsiteY54"/>
+                </a:cxn>
+                <a:cxn ang="0">
+                  <a:pos x="connsiteX55" y="connsiteY55"/>
+                </a:cxn>
+                <a:cxn ang="0">
+                  <a:pos x="connsiteX56" y="connsiteY56"/>
+                </a:cxn>
+                <a:cxn ang="0">
+                  <a:pos x="connsiteX57" y="connsiteY57"/>
+                </a:cxn>
+                <a:cxn ang="0">
+                  <a:pos x="connsiteX58" y="connsiteY58"/>
+                </a:cxn>
+                <a:cxn ang="0">
+                  <a:pos x="connsiteX59" y="connsiteY59"/>
+                </a:cxn>
+                <a:cxn ang="0">
+                  <a:pos x="connsiteX60" y="connsiteY60"/>
+                </a:cxn>
+                <a:cxn ang="0">
+                  <a:pos x="connsiteX61" y="connsiteY61"/>
+                </a:cxn>
+                <a:cxn ang="0">
+                  <a:pos x="connsiteX62" y="connsiteY62"/>
+                </a:cxn>
+                <a:cxn ang="0">
+                  <a:pos x="connsiteX63" y="connsiteY63"/>
+                </a:cxn>
+                <a:cxn ang="0">
+                  <a:pos x="connsiteX64" y="connsiteY64"/>
+                </a:cxn>
+                <a:cxn ang="0">
+                  <a:pos x="connsiteX65" y="connsiteY65"/>
+                </a:cxn>
+                <a:cxn ang="0">
+                  <a:pos x="connsiteX66" y="connsiteY66"/>
+                </a:cxn>
+                <a:cxn ang="0">
+                  <a:pos x="connsiteX67" y="connsiteY67"/>
+                </a:cxn>
+                <a:cxn ang="0">
+                  <a:pos x="connsiteX68" y="connsiteY68"/>
+                </a:cxn>
+                <a:cxn ang="0">
+                  <a:pos x="connsiteX69" y="connsiteY69"/>
+                </a:cxn>
+                <a:cxn ang="0">
+                  <a:pos x="connsiteX70" y="connsiteY70"/>
+                </a:cxn>
+                <a:cxn ang="0">
+                  <a:pos x="connsiteX71" y="connsiteY71"/>
+                </a:cxn>
+                <a:cxn ang="0">
+                  <a:pos x="connsiteX72" y="connsiteY72"/>
+                </a:cxn>
+                <a:cxn ang="0">
+                  <a:pos x="connsiteX73" y="connsiteY73"/>
+                </a:cxn>
+                <a:cxn ang="0">
+                  <a:pos x="connsiteX74" y="connsiteY74"/>
+                </a:cxn>
+                <a:cxn ang="0">
+                  <a:pos x="connsiteX75" y="connsiteY75"/>
+                </a:cxn>
+                <a:cxn ang="0">
+                  <a:pos x="connsiteX76" y="connsiteY76"/>
+                </a:cxn>
+              </a:cxnLst>
+              <a:rect l="l" t="t" r="r" b="b"/>
+              <a:pathLst>
+                <a:path w="456628" h="1413903">
+                  <a:moveTo>
+                    <a:pt x="19026" y="1360449"/>
+                  </a:moveTo>
+                  <a:cubicBezTo>
+                    <a:pt x="15062" y="1354899"/>
+                    <a:pt x="16231" y="1344509"/>
+                    <a:pt x="14270" y="1336665"/>
+                  </a:cubicBezTo>
+                  <a:cubicBezTo>
+                    <a:pt x="13054" y="1331801"/>
+                    <a:pt x="10410" y="1327328"/>
+                    <a:pt x="9513" y="1322395"/>
+                  </a:cubicBezTo>
+                  <a:cubicBezTo>
+                    <a:pt x="5131" y="1298291"/>
+                    <a:pt x="1724" y="1247946"/>
+                    <a:pt x="0" y="1227258"/>
+                  </a:cubicBezTo>
+                  <a:cubicBezTo>
+                    <a:pt x="1586" y="1198717"/>
+                    <a:pt x="2478" y="1170130"/>
+                    <a:pt x="4757" y="1141636"/>
+                  </a:cubicBezTo>
+                  <a:cubicBezTo>
+                    <a:pt x="5908" y="1127248"/>
+                    <a:pt x="11944" y="1094917"/>
+                    <a:pt x="14270" y="1079797"/>
+                  </a:cubicBezTo>
+                  <a:cubicBezTo>
+                    <a:pt x="21088" y="1035477"/>
+                    <a:pt x="15643" y="1060029"/>
+                    <a:pt x="23783" y="1027472"/>
+                  </a:cubicBezTo>
+                  <a:cubicBezTo>
+                    <a:pt x="26654" y="926960"/>
+                    <a:pt x="23001" y="895388"/>
+                    <a:pt x="33296" y="818172"/>
+                  </a:cubicBezTo>
+                  <a:cubicBezTo>
+                    <a:pt x="34571" y="808612"/>
+                    <a:pt x="35713" y="798988"/>
+                    <a:pt x="38052" y="789631"/>
+                  </a:cubicBezTo>
+                  <a:cubicBezTo>
+                    <a:pt x="51989" y="733878"/>
+                    <a:pt x="44093" y="786679"/>
+                    <a:pt x="52322" y="737306"/>
+                  </a:cubicBezTo>
+                  <a:cubicBezTo>
+                    <a:pt x="52462" y="736465"/>
+                    <a:pt x="59034" y="685827"/>
+                    <a:pt x="61835" y="680225"/>
+                  </a:cubicBezTo>
+                  <a:cubicBezTo>
+                    <a:pt x="64843" y="674208"/>
+                    <a:pt x="71348" y="670711"/>
+                    <a:pt x="76105" y="665954"/>
+                  </a:cubicBezTo>
+                  <a:cubicBezTo>
+                    <a:pt x="77690" y="661197"/>
+                    <a:pt x="78426" y="656067"/>
+                    <a:pt x="80861" y="651684"/>
+                  </a:cubicBezTo>
+                  <a:cubicBezTo>
+                    <a:pt x="86413" y="641689"/>
+                    <a:pt x="96272" y="633990"/>
+                    <a:pt x="99887" y="623143"/>
+                  </a:cubicBezTo>
+                  <a:lnTo>
+                    <a:pt x="109400" y="594602"/>
+                  </a:lnTo>
+                  <a:cubicBezTo>
+                    <a:pt x="110986" y="589845"/>
+                    <a:pt x="111376" y="584504"/>
+                    <a:pt x="114157" y="580332"/>
+                  </a:cubicBezTo>
+                  <a:lnTo>
+                    <a:pt x="123670" y="566061"/>
+                  </a:lnTo>
+                  <a:cubicBezTo>
+                    <a:pt x="127613" y="546345"/>
+                    <a:pt x="129317" y="532704"/>
+                    <a:pt x="137939" y="513736"/>
+                  </a:cubicBezTo>
+                  <a:cubicBezTo>
+                    <a:pt x="141765" y="505319"/>
+                    <a:pt x="148074" y="498221"/>
+                    <a:pt x="152209" y="489952"/>
+                  </a:cubicBezTo>
+                  <a:cubicBezTo>
+                    <a:pt x="156027" y="482315"/>
+                    <a:pt x="158551" y="474096"/>
+                    <a:pt x="161722" y="466168"/>
+                  </a:cubicBezTo>
+                  <a:cubicBezTo>
+                    <a:pt x="164275" y="453403"/>
+                    <a:pt x="169094" y="424190"/>
+                    <a:pt x="175991" y="413843"/>
+                  </a:cubicBezTo>
+                  <a:lnTo>
+                    <a:pt x="185504" y="399573"/>
+                  </a:lnTo>
+                  <a:cubicBezTo>
+                    <a:pt x="189114" y="385134"/>
+                    <a:pt x="190447" y="373955"/>
+                    <a:pt x="199774" y="361518"/>
+                  </a:cubicBezTo>
+                  <a:cubicBezTo>
+                    <a:pt x="205155" y="354343"/>
+                    <a:pt x="212458" y="348833"/>
+                    <a:pt x="218800" y="342491"/>
+                  </a:cubicBezTo>
+                  <a:cubicBezTo>
+                    <a:pt x="220386" y="337734"/>
+                    <a:pt x="221315" y="332705"/>
+                    <a:pt x="223557" y="328220"/>
+                  </a:cubicBezTo>
+                  <a:cubicBezTo>
+                    <a:pt x="227292" y="320749"/>
+                    <a:pt x="243750" y="299948"/>
+                    <a:pt x="247339" y="294923"/>
+                  </a:cubicBezTo>
+                  <a:cubicBezTo>
+                    <a:pt x="261752" y="274742"/>
+                    <a:pt x="250366" y="284976"/>
+                    <a:pt x="271122" y="271139"/>
+                  </a:cubicBezTo>
+                  <a:cubicBezTo>
+                    <a:pt x="282477" y="237068"/>
+                    <a:pt x="266243" y="276041"/>
+                    <a:pt x="290148" y="247354"/>
+                  </a:cubicBezTo>
+                  <a:cubicBezTo>
+                    <a:pt x="294687" y="241907"/>
+                    <a:pt x="295540" y="234097"/>
+                    <a:pt x="299661" y="228327"/>
+                  </a:cubicBezTo>
+                  <a:cubicBezTo>
+                    <a:pt x="303571" y="222853"/>
+                    <a:pt x="309800" y="219367"/>
+                    <a:pt x="313930" y="214057"/>
+                  </a:cubicBezTo>
+                  <a:cubicBezTo>
+                    <a:pt x="320949" y="205031"/>
+                    <a:pt x="326614" y="195030"/>
+                    <a:pt x="332956" y="185516"/>
+                  </a:cubicBezTo>
+                  <a:cubicBezTo>
+                    <a:pt x="336127" y="180759"/>
+                    <a:pt x="338427" y="175288"/>
+                    <a:pt x="342469" y="171245"/>
+                  </a:cubicBezTo>
+                  <a:cubicBezTo>
+                    <a:pt x="354334" y="159380"/>
+                    <a:pt x="380605" y="135209"/>
+                    <a:pt x="390035" y="118920"/>
+                  </a:cubicBezTo>
+                  <a:cubicBezTo>
+                    <a:pt x="402469" y="97441"/>
+                    <a:pt x="410177" y="73371"/>
+                    <a:pt x="423330" y="52325"/>
+                  </a:cubicBezTo>
+                  <a:lnTo>
+                    <a:pt x="447113" y="14271"/>
+                  </a:lnTo>
+                  <a:cubicBezTo>
+                    <a:pt x="448698" y="9514"/>
+                    <a:pt x="446855" y="0"/>
+                    <a:pt x="451869" y="0"/>
+                  </a:cubicBezTo>
+                  <a:cubicBezTo>
+                    <a:pt x="456883" y="0"/>
+                    <a:pt x="456626" y="9257"/>
+                    <a:pt x="456626" y="14271"/>
+                  </a:cubicBezTo>
+                  <a:cubicBezTo>
+                    <a:pt x="456626" y="38108"/>
+                    <a:pt x="454241" y="61904"/>
+                    <a:pt x="451869" y="85623"/>
+                  </a:cubicBezTo>
+                  <a:cubicBezTo>
+                    <a:pt x="451114" y="93177"/>
+                    <a:pt x="444802" y="119871"/>
+                    <a:pt x="442356" y="128434"/>
+                  </a:cubicBezTo>
+                  <a:cubicBezTo>
+                    <a:pt x="440979" y="133255"/>
+                    <a:pt x="438816" y="137840"/>
+                    <a:pt x="437600" y="142705"/>
+                  </a:cubicBezTo>
+                  <a:cubicBezTo>
+                    <a:pt x="435639" y="150549"/>
+                    <a:pt x="434970" y="158689"/>
+                    <a:pt x="432843" y="166489"/>
+                  </a:cubicBezTo>
+                  <a:cubicBezTo>
+                    <a:pt x="430205" y="176164"/>
+                    <a:pt x="425296" y="185196"/>
+                    <a:pt x="423330" y="195029"/>
+                  </a:cubicBezTo>
+                  <a:cubicBezTo>
+                    <a:pt x="420925" y="207055"/>
+                    <a:pt x="418908" y="227993"/>
+                    <a:pt x="409061" y="237841"/>
+                  </a:cubicBezTo>
+                  <a:cubicBezTo>
+                    <a:pt x="405516" y="241387"/>
+                    <a:pt x="399548" y="241012"/>
+                    <a:pt x="394791" y="242598"/>
+                  </a:cubicBezTo>
+                  <a:cubicBezTo>
+                    <a:pt x="391620" y="261625"/>
+                    <a:pt x="391378" y="281379"/>
+                    <a:pt x="385278" y="299679"/>
+                  </a:cubicBezTo>
+                  <a:cubicBezTo>
+                    <a:pt x="378454" y="320152"/>
+                    <a:pt x="381737" y="309085"/>
+                    <a:pt x="375765" y="332977"/>
+                  </a:cubicBezTo>
+                  <a:cubicBezTo>
+                    <a:pt x="374179" y="359932"/>
+                    <a:pt x="373568" y="386963"/>
+                    <a:pt x="371008" y="413843"/>
+                  </a:cubicBezTo>
+                  <a:cubicBezTo>
+                    <a:pt x="370388" y="420351"/>
+                    <a:pt x="367534" y="426459"/>
+                    <a:pt x="366252" y="432870"/>
+                  </a:cubicBezTo>
+                  <a:cubicBezTo>
+                    <a:pt x="364361" y="442328"/>
+                    <a:pt x="363386" y="451953"/>
+                    <a:pt x="361495" y="461411"/>
+                  </a:cubicBezTo>
+                  <a:cubicBezTo>
+                    <a:pt x="356536" y="486209"/>
+                    <a:pt x="358030" y="473541"/>
+                    <a:pt x="351982" y="494709"/>
+                  </a:cubicBezTo>
+                  <a:cubicBezTo>
+                    <a:pt x="347507" y="510374"/>
+                    <a:pt x="345736" y="521184"/>
+                    <a:pt x="342469" y="537520"/>
+                  </a:cubicBezTo>
+                  <a:cubicBezTo>
+                    <a:pt x="340884" y="558133"/>
+                    <a:pt x="339504" y="578763"/>
+                    <a:pt x="337713" y="599359"/>
+                  </a:cubicBezTo>
+                  <a:cubicBezTo>
+                    <a:pt x="336333" y="615234"/>
+                    <a:pt x="332956" y="630992"/>
+                    <a:pt x="332956" y="646927"/>
+                  </a:cubicBezTo>
+                  <a:cubicBezTo>
+                    <a:pt x="332956" y="784884"/>
+                    <a:pt x="334715" y="922846"/>
+                    <a:pt x="337713" y="1060770"/>
+                  </a:cubicBezTo>
+                  <a:cubicBezTo>
+                    <a:pt x="337889" y="1068853"/>
+                    <a:pt x="341140" y="1076579"/>
+                    <a:pt x="342469" y="1084554"/>
+                  </a:cubicBezTo>
+                  <a:cubicBezTo>
+                    <a:pt x="344312" y="1095613"/>
+                    <a:pt x="345027" y="1106858"/>
+                    <a:pt x="347226" y="1117852"/>
+                  </a:cubicBezTo>
+                  <a:cubicBezTo>
+                    <a:pt x="348209" y="1122769"/>
+                    <a:pt x="350605" y="1127301"/>
+                    <a:pt x="351982" y="1132122"/>
+                  </a:cubicBezTo>
+                  <a:cubicBezTo>
+                    <a:pt x="353778" y="1138408"/>
+                    <a:pt x="355153" y="1144807"/>
+                    <a:pt x="356739" y="1151149"/>
+                  </a:cubicBezTo>
+                  <a:cubicBezTo>
+                    <a:pt x="358324" y="1163834"/>
+                    <a:pt x="358817" y="1176704"/>
+                    <a:pt x="361495" y="1189204"/>
+                  </a:cubicBezTo>
+                  <a:cubicBezTo>
+                    <a:pt x="363596" y="1199010"/>
+                    <a:pt x="371008" y="1217745"/>
+                    <a:pt x="371008" y="1217745"/>
+                  </a:cubicBezTo>
+                  <a:cubicBezTo>
+                    <a:pt x="372594" y="1228844"/>
+                    <a:pt x="374455" y="1239907"/>
+                    <a:pt x="375765" y="1251042"/>
+                  </a:cubicBezTo>
+                  <a:cubicBezTo>
+                    <a:pt x="378768" y="1276569"/>
+                    <a:pt x="378693" y="1298250"/>
+                    <a:pt x="385278" y="1322395"/>
+                  </a:cubicBezTo>
+                  <a:cubicBezTo>
+                    <a:pt x="385287" y="1322429"/>
+                    <a:pt x="397164" y="1358054"/>
+                    <a:pt x="399548" y="1365206"/>
+                  </a:cubicBezTo>
+                  <a:lnTo>
+                    <a:pt x="404304" y="1379476"/>
+                  </a:lnTo>
+                  <a:cubicBezTo>
+                    <a:pt x="402719" y="1390575"/>
+                    <a:pt x="406552" y="1404019"/>
+                    <a:pt x="399548" y="1412774"/>
+                  </a:cubicBezTo>
+                  <a:cubicBezTo>
+                    <a:pt x="395977" y="1417238"/>
+                    <a:pt x="389320" y="1407303"/>
+                    <a:pt x="385278" y="1403261"/>
+                  </a:cubicBezTo>
+                  <a:cubicBezTo>
+                    <a:pt x="364413" y="1382395"/>
+                    <a:pt x="388775" y="1394207"/>
+                    <a:pt x="361495" y="1374720"/>
+                  </a:cubicBezTo>
+                  <a:cubicBezTo>
+                    <a:pt x="355725" y="1370598"/>
+                    <a:pt x="348625" y="1368724"/>
+                    <a:pt x="342469" y="1365206"/>
+                  </a:cubicBezTo>
+                  <a:cubicBezTo>
+                    <a:pt x="337506" y="1362369"/>
+                    <a:pt x="333313" y="1358249"/>
+                    <a:pt x="328200" y="1355692"/>
+                  </a:cubicBezTo>
+                  <a:cubicBezTo>
+                    <a:pt x="323715" y="1353450"/>
+                    <a:pt x="318415" y="1353178"/>
+                    <a:pt x="313930" y="1350936"/>
+                  </a:cubicBezTo>
+                  <a:cubicBezTo>
+                    <a:pt x="277852" y="1332896"/>
+                    <a:pt x="303185" y="1340892"/>
+                    <a:pt x="271122" y="1327151"/>
+                  </a:cubicBezTo>
+                  <a:cubicBezTo>
+                    <a:pt x="256224" y="1320766"/>
+                    <a:pt x="245407" y="1320487"/>
+                    <a:pt x="228313" y="1317638"/>
+                  </a:cubicBezTo>
+                  <a:cubicBezTo>
+                    <a:pt x="188675" y="1319224"/>
+                    <a:pt x="148975" y="1319666"/>
+                    <a:pt x="109400" y="1322395"/>
+                  </a:cubicBezTo>
+                  <a:cubicBezTo>
+                    <a:pt x="102878" y="1322845"/>
+                    <a:pt x="96221" y="1324227"/>
+                    <a:pt x="90374" y="1327151"/>
+                  </a:cubicBezTo>
+                  <a:cubicBezTo>
+                    <a:pt x="80148" y="1332265"/>
+                    <a:pt x="61835" y="1346179"/>
+                    <a:pt x="61835" y="1346179"/>
+                  </a:cubicBezTo>
+                  <a:cubicBezTo>
+                    <a:pt x="53763" y="1358287"/>
+                    <a:pt x="52466" y="1364197"/>
+                    <a:pt x="38052" y="1369963"/>
+                  </a:cubicBezTo>
+                  <a:cubicBezTo>
+                    <a:pt x="35108" y="1371141"/>
+                    <a:pt x="22990" y="1365999"/>
+                    <a:pt x="19026" y="1360449"/>
+                  </a:cubicBezTo>
+                  <a:close/>
+                </a:path>
+              </a:pathLst>
+            </a:custGeom>
+            <a:gradFill flip="none" rotWithShape="1">
+              <a:gsLst>
+                <a:gs pos="0">
+                  <a:srgbClr val="755997">
+                    <a:alpha val="95000"/>
+                  </a:srgbClr>
+                </a:gs>
+                <a:gs pos="100000">
+                  <a:srgbClr val="961AB3"/>
+                </a:gs>
+              </a:gsLst>
+              <a:lin ang="0" scaled="1"/>
+              <a:tileRect/>
+            </a:gradFill>
+            <a:ln w="6350" cmpd="sng">
+              <a:solidFill>
+                <a:srgbClr val="961AB3"/>
+              </a:solidFill>
+            </a:ln>
+            <a:effectLst>
+              <a:glow rad="139700">
+                <a:srgbClr val="DBC7EC">
+                  <a:alpha val="34000"/>
+                </a:srgbClr>
+              </a:glow>
+              <a:innerShdw blurRad="63500" dist="50800" dir="19920000">
+                <a:srgbClr val="000000">
+                  <a:alpha val="50000"/>
+                </a:srgbClr>
+              </a:innerShdw>
+            </a:effectLst>
+          </p:spPr>
+          <p:style>
+            <a:lnRef idx="1">
+              <a:schemeClr val="accent1"/>
+            </a:lnRef>
+            <a:fillRef idx="3">
+              <a:schemeClr val="accent1"/>
+            </a:fillRef>
+            <a:effectRef idx="2">
+              <a:schemeClr val="accent1"/>
+            </a:effectRef>
+            <a:fontRef idx="minor">
+              <a:schemeClr val="lt1"/>
+            </a:fontRef>
+          </p:style>
+          <p:txBody>
+            <a:bodyPr lIns="91425" tIns="45713" rIns="91425" bIns="45713" spcCol="0" rtlCol="0" anchor="ctr"/>
+            <a:lstStyle/>
+            <a:p>
+              <a:pPr algn="ctr"/>
+              <a:endParaRPr lang="en-US"/>
+            </a:p>
+          </p:txBody>
+        </p:sp>
+        <p:sp>
+          <p:nvSpPr>
+            <p:cNvPr id="108" name="Chord 107"/>
+            <p:cNvSpPr>
+              <a:spLocks noChangeAspect="1"/>
+            </p:cNvSpPr>
+            <p:nvPr/>
+          </p:nvSpPr>
+          <p:spPr>
+            <a:xfrm rot="9000000" flipH="1">
+              <a:off x="1231731" y="2147624"/>
+              <a:ext cx="73071" cy="212200"/>
+            </a:xfrm>
+            <a:prstGeom prst="chord">
+              <a:avLst/>
+            </a:prstGeom>
+            <a:gradFill flip="none" rotWithShape="1">
+              <a:gsLst>
+                <a:gs pos="50000">
+                  <a:srgbClr val="FFFF00">
+                    <a:alpha val="59000"/>
+                  </a:srgbClr>
+                </a:gs>
+                <a:gs pos="92000">
+                  <a:srgbClr val="FFFFFF">
+                    <a:alpha val="59000"/>
+                  </a:srgbClr>
+                </a:gs>
+              </a:gsLst>
+              <a:lin ang="0" scaled="1"/>
+              <a:tileRect/>
+            </a:gradFill>
+            <a:ln>
+              <a:solidFill>
+                <a:srgbClr val="7F7F7F">
+                  <a:alpha val="60000"/>
+                </a:srgbClr>
+              </a:solidFill>
+            </a:ln>
+            <a:effectLst/>
+          </p:spPr>
+          <p:style>
+            <a:lnRef idx="1">
+              <a:schemeClr val="accent1"/>
+            </a:lnRef>
+            <a:fillRef idx="3">
+              <a:schemeClr val="accent1"/>
+            </a:fillRef>
+            <a:effectRef idx="2">
+              <a:schemeClr val="accent1"/>
+            </a:effectRef>
+            <a:fontRef idx="minor">
+              <a:schemeClr val="lt1"/>
+            </a:fontRef>
+          </p:style>
+          <p:txBody>
+            <a:bodyPr rtlCol="0" anchor="ctr"/>
+            <a:lstStyle/>
+            <a:p>
+              <a:pPr algn="ctr"/>
+              <a:endParaRPr lang="en-US"/>
+            </a:p>
+          </p:txBody>
+        </p:sp>
+        <p:sp>
+          <p:nvSpPr>
+            <p:cNvPr id="109" name="Isosceles Triangle 108"/>
+            <p:cNvSpPr>
+              <a:spLocks noChangeAspect="1"/>
+            </p:cNvSpPr>
+            <p:nvPr/>
+          </p:nvSpPr>
+          <p:spPr>
+            <a:xfrm rot="3718155" flipH="1">
+              <a:off x="1030910" y="1544113"/>
+              <a:ext cx="152529" cy="46827"/>
+            </a:xfrm>
+            <a:prstGeom prst="triangle">
+              <a:avLst/>
+            </a:prstGeom>
+            <a:gradFill flip="none" rotWithShape="1">
+              <a:gsLst>
+                <a:gs pos="50000">
+                  <a:srgbClr val="FFFF00">
+                    <a:alpha val="66000"/>
+                  </a:srgbClr>
+                </a:gs>
+                <a:gs pos="92000">
+                  <a:srgbClr val="FFFFFF">
+                    <a:alpha val="66000"/>
+                  </a:srgbClr>
+                </a:gs>
+              </a:gsLst>
+              <a:lin ang="0" scaled="1"/>
+              <a:tileRect/>
+            </a:gradFill>
+            <a:ln>
+              <a:solidFill>
+                <a:srgbClr val="7F7F7F">
+                  <a:alpha val="60000"/>
+                </a:srgbClr>
+              </a:solidFill>
+            </a:ln>
+            <a:effectLst/>
+          </p:spPr>
+          <p:style>
+            <a:lnRef idx="1">
+              <a:schemeClr val="accent1"/>
+            </a:lnRef>
+            <a:fillRef idx="3">
+              <a:schemeClr val="accent1"/>
+            </a:fillRef>
+            <a:effectRef idx="2">
+              <a:schemeClr val="accent1"/>
+            </a:effectRef>
+            <a:fontRef idx="minor">
+              <a:schemeClr val="lt1"/>
+            </a:fontRef>
+          </p:style>
+          <p:txBody>
+            <a:bodyPr rtlCol="0" anchor="ctr"/>
+            <a:lstStyle/>
+            <a:p>
+              <a:pPr algn="ctr"/>
+              <a:endParaRPr lang="en-US"/>
+            </a:p>
+          </p:txBody>
+        </p:sp>
+        <p:sp>
+          <p:nvSpPr>
+            <p:cNvPr id="110" name="Oval 109"/>
+            <p:cNvSpPr>
+              <a:spLocks noChangeAspect="1"/>
+            </p:cNvSpPr>
+            <p:nvPr/>
+          </p:nvSpPr>
+          <p:spPr>
+            <a:xfrm rot="21026482" flipH="1">
+              <a:off x="1007697" y="1218332"/>
+              <a:ext cx="37178" cy="122418"/>
+            </a:xfrm>
+            <a:prstGeom prst="ellipse">
+              <a:avLst/>
+            </a:prstGeom>
+            <a:gradFill flip="none" rotWithShape="1">
+              <a:gsLst>
+                <a:gs pos="50000">
+                  <a:srgbClr val="FFFF00">
+                    <a:alpha val="74000"/>
+                  </a:srgbClr>
+                </a:gs>
+                <a:gs pos="92000">
+                  <a:srgbClr val="FFFFFF">
+                    <a:alpha val="55000"/>
+                  </a:srgbClr>
+                </a:gs>
+              </a:gsLst>
+              <a:lin ang="0" scaled="1"/>
+              <a:tileRect/>
+            </a:gradFill>
+            <a:ln>
+              <a:solidFill>
+                <a:srgbClr val="7F7F7F">
+                  <a:alpha val="17000"/>
+                </a:srgbClr>
+              </a:solidFill>
+            </a:ln>
+            <a:effectLst/>
+          </p:spPr>
+          <p:style>
+            <a:lnRef idx="1">
+              <a:schemeClr val="accent1"/>
+            </a:lnRef>
+            <a:fillRef idx="3">
+              <a:schemeClr val="accent1"/>
+            </a:fillRef>
+            <a:effectRef idx="2">
+              <a:schemeClr val="accent1"/>
+            </a:effectRef>
+            <a:fontRef idx="minor">
+              <a:schemeClr val="lt1"/>
+            </a:fontRef>
+          </p:style>
+          <p:txBody>
+            <a:bodyPr rtlCol="0" anchor="ctr"/>
+            <a:lstStyle/>
+            <a:p>
+              <a:pPr algn="ctr"/>
+              <a:endParaRPr lang="en-US"/>
+            </a:p>
+          </p:txBody>
+        </p:sp>
+        <p:sp>
+          <p:nvSpPr>
+            <p:cNvPr id="111" name="Trapezoid 110"/>
+            <p:cNvSpPr>
+              <a:spLocks noChangeAspect="1"/>
+            </p:cNvSpPr>
+            <p:nvPr/>
+          </p:nvSpPr>
+          <p:spPr>
+            <a:xfrm rot="20398677" flipH="1">
+              <a:off x="1144693" y="1795493"/>
+              <a:ext cx="67480" cy="144832"/>
+            </a:xfrm>
+            <a:prstGeom prst="trapezoid">
+              <a:avLst/>
+            </a:prstGeom>
+            <a:gradFill flip="none" rotWithShape="1">
+              <a:gsLst>
+                <a:gs pos="50000">
+                  <a:srgbClr val="FFFF00">
+                    <a:alpha val="50000"/>
+                  </a:srgbClr>
+                </a:gs>
+                <a:gs pos="92000">
+                  <a:srgbClr val="FFFFFF">
+                    <a:alpha val="50000"/>
+                  </a:srgbClr>
+                </a:gs>
+              </a:gsLst>
+              <a:lin ang="0" scaled="1"/>
+              <a:tileRect/>
+            </a:gradFill>
+            <a:ln>
+              <a:solidFill>
+                <a:srgbClr val="7F7F7F">
+                  <a:alpha val="60000"/>
+                </a:srgbClr>
+              </a:solidFill>
+            </a:ln>
+            <a:effectLst/>
+          </p:spPr>
+          <p:style>
+            <a:lnRef idx="1">
+              <a:schemeClr val="accent1"/>
+            </a:lnRef>
+            <a:fillRef idx="3">
+              <a:schemeClr val="accent1"/>
+            </a:fillRef>
+            <a:effectRef idx="2">
+              <a:schemeClr val="accent1"/>
+            </a:effectRef>
+            <a:fontRef idx="minor">
+              <a:schemeClr val="lt1"/>
+            </a:fontRef>
+          </p:style>
+          <p:txBody>
+            <a:bodyPr rtlCol="0" anchor="ctr"/>
+            <a:lstStyle/>
+            <a:p>
+              <a:pPr algn="ctr"/>
+              <a:endParaRPr lang="en-US"/>
+            </a:p>
+          </p:txBody>
+        </p:sp>
+        <p:sp>
+          <p:nvSpPr>
+            <p:cNvPr id="112" name="Freeform 111"/>
+            <p:cNvSpPr/>
+            <p:nvPr/>
+          </p:nvSpPr>
+          <p:spPr>
+            <a:xfrm rot="21409213">
+              <a:off x="921590" y="911407"/>
+              <a:ext cx="382480" cy="1741177"/>
+            </a:xfrm>
+            <a:custGeom>
+              <a:avLst/>
+              <a:gdLst>
+                <a:gd name="connsiteX0" fmla="*/ 357188 w 357188"/>
+                <a:gd name="connsiteY0" fmla="*/ 1162844 h 1168221"/>
+                <a:gd name="connsiteX1" fmla="*/ 313531 w 357188"/>
+                <a:gd name="connsiteY1" fmla="*/ 1103313 h 1168221"/>
+                <a:gd name="connsiteX2" fmla="*/ 238125 w 357188"/>
+                <a:gd name="connsiteY2" fmla="*/ 1154907 h 1168221"/>
+                <a:gd name="connsiteX3" fmla="*/ 174625 w 357188"/>
+                <a:gd name="connsiteY3" fmla="*/ 809625 h 1168221"/>
+                <a:gd name="connsiteX4" fmla="*/ 107156 w 357188"/>
+                <a:gd name="connsiteY4" fmla="*/ 392907 h 1168221"/>
+                <a:gd name="connsiteX5" fmla="*/ 0 w 357188"/>
+                <a:gd name="connsiteY5" fmla="*/ 0 h 1168221"/>
+              </a:gdLst>
+              <a:ahLst/>
+              <a:cxnLst>
+                <a:cxn ang="0">
+                  <a:pos x="connsiteX0" y="connsiteY0"/>
+                </a:cxn>
+                <a:cxn ang="0">
+                  <a:pos x="connsiteX1" y="connsiteY1"/>
+                </a:cxn>
+                <a:cxn ang="0">
+                  <a:pos x="connsiteX2" y="connsiteY2"/>
+                </a:cxn>
+                <a:cxn ang="0">
+                  <a:pos x="connsiteX3" y="connsiteY3"/>
+                </a:cxn>
+                <a:cxn ang="0">
+                  <a:pos x="connsiteX4" y="connsiteY4"/>
+                </a:cxn>
+                <a:cxn ang="0">
+                  <a:pos x="connsiteX5" y="connsiteY5"/>
+                </a:cxn>
+              </a:cxnLst>
+              <a:rect l="l" t="t" r="r" b="b"/>
+              <a:pathLst>
+                <a:path w="357188" h="1168221">
+                  <a:moveTo>
+                    <a:pt x="357188" y="1162844"/>
+                  </a:moveTo>
+                  <a:cubicBezTo>
+                    <a:pt x="345281" y="1133740"/>
+                    <a:pt x="333375" y="1104636"/>
+                    <a:pt x="313531" y="1103313"/>
+                  </a:cubicBezTo>
+                  <a:cubicBezTo>
+                    <a:pt x="293687" y="1101990"/>
+                    <a:pt x="261276" y="1203855"/>
+                    <a:pt x="238125" y="1154907"/>
+                  </a:cubicBezTo>
+                  <a:cubicBezTo>
+                    <a:pt x="214974" y="1105959"/>
+                    <a:pt x="196453" y="936625"/>
+                    <a:pt x="174625" y="809625"/>
+                  </a:cubicBezTo>
+                  <a:cubicBezTo>
+                    <a:pt x="152797" y="682625"/>
+                    <a:pt x="136260" y="527844"/>
+                    <a:pt x="107156" y="392907"/>
+                  </a:cubicBezTo>
+                  <a:cubicBezTo>
+                    <a:pt x="78052" y="257969"/>
+                    <a:pt x="0" y="0"/>
+                    <a:pt x="0" y="0"/>
+                  </a:cubicBezTo>
+                </a:path>
+              </a:pathLst>
+            </a:custGeom>
+            <a:ln w="9525" cap="rnd">
+              <a:solidFill>
+                <a:srgbClr val="BD30B4">
+                  <a:alpha val="26000"/>
+                </a:srgbClr>
+              </a:solidFill>
+            </a:ln>
+            <a:effectLst>
+              <a:glow>
+                <a:schemeClr val="accent4">
+                  <a:lumMod val="20000"/>
+                  <a:lumOff val="80000"/>
+                  <a:alpha val="75000"/>
+                </a:schemeClr>
+              </a:glow>
+              <a:outerShdw blurRad="40000" dist="20000" dir="5400000" rotWithShape="0">
+                <a:srgbClr val="000000">
+                  <a:alpha val="38000"/>
+                </a:srgbClr>
+              </a:outerShdw>
+            </a:effectLst>
+          </p:spPr>
+          <p:style>
+            <a:lnRef idx="2">
+              <a:schemeClr val="accent1"/>
+            </a:lnRef>
+            <a:fillRef idx="0">
+              <a:schemeClr val="accent1"/>
+            </a:fillRef>
+            <a:effectRef idx="1">
+              <a:schemeClr val="accent1"/>
+            </a:effectRef>
+            <a:fontRef idx="minor">
+              <a:schemeClr val="tx1"/>
+            </a:fontRef>
+          </p:style>
+          <p:txBody>
+            <a:bodyPr rtlCol="0" anchor="ctr"/>
+            <a:lstStyle/>
+            <a:p>
+              <a:pPr algn="ctr"/>
+              <a:endParaRPr lang="en-US"/>
+            </a:p>
+          </p:txBody>
+        </p:sp>
+      </p:grpSp>
+      <p:sp>
+        <p:nvSpPr>
+          <p:cNvPr id="113" name="Freeform 112"/>
+          <p:cNvSpPr/>
+          <p:nvPr/>
+        </p:nvSpPr>
+        <p:spPr>
+          <a:xfrm rot="18360000">
+            <a:off x="2439640" y="6111459"/>
+            <a:ext cx="90399" cy="32095"/>
+          </a:xfrm>
+          <a:custGeom>
+            <a:avLst/>
+            <a:gdLst>
+              <a:gd name="connsiteX0" fmla="*/ 0 w 90421"/>
+              <a:gd name="connsiteY0" fmla="*/ 0 h 33992"/>
+              <a:gd name="connsiteX1" fmla="*/ 81499 w 90421"/>
+              <a:gd name="connsiteY1" fmla="*/ 33959 h 33992"/>
+              <a:gd name="connsiteX2" fmla="*/ 88291 w 90421"/>
+              <a:gd name="connsiteY2" fmla="*/ 6792 h 33992"/>
+              <a:gd name="connsiteX3" fmla="*/ 88291 w 90421"/>
+              <a:gd name="connsiteY3" fmla="*/ 6792 h 33992"/>
+            </a:gdLst>
+            <a:ahLst/>
+            <a:cxnLst>
+              <a:cxn ang="0">
+                <a:pos x="connsiteX0" y="connsiteY0"/>
+              </a:cxn>
+              <a:cxn ang="0">
+                <a:pos x="connsiteX1" y="connsiteY1"/>
+              </a:cxn>
+              <a:cxn ang="0">
+                <a:pos x="connsiteX2" y="connsiteY2"/>
+              </a:cxn>
+              <a:cxn ang="0">
+                <a:pos x="connsiteX3" y="connsiteY3"/>
+              </a:cxn>
+            </a:cxnLst>
+            <a:rect l="l" t="t" r="r" b="b"/>
+            <a:pathLst>
+              <a:path w="90421" h="33992">
+                <a:moveTo>
+                  <a:pt x="0" y="0"/>
+                </a:moveTo>
+                <a:cubicBezTo>
+                  <a:pt x="33392" y="16413"/>
+                  <a:pt x="66784" y="32827"/>
+                  <a:pt x="81499" y="33959"/>
+                </a:cubicBezTo>
+                <a:cubicBezTo>
+                  <a:pt x="96214" y="35091"/>
+                  <a:pt x="88291" y="6792"/>
+                  <a:pt x="88291" y="6792"/>
+                </a:cubicBezTo>
+                <a:lnTo>
+                  <a:pt x="88291" y="6792"/>
+                </a:lnTo>
+              </a:path>
+            </a:pathLst>
+          </a:custGeom>
+          <a:ln w="12700" cmpd="sng">
+            <a:solidFill>
+              <a:schemeClr val="tx1">
+                <a:lumMod val="50000"/>
+                <a:lumOff val="50000"/>
+                <a:alpha val="58000"/>
+              </a:schemeClr>
+            </a:solidFill>
+          </a:ln>
+          <a:effectLst>
+            <a:innerShdw blurRad="63500" dist="50800" dir="2700000">
+              <a:prstClr val="black">
+                <a:alpha val="50000"/>
+              </a:prstClr>
+            </a:innerShdw>
+          </a:effectLst>
+        </p:spPr>
+        <p:style>
+          <a:lnRef idx="2">
+            <a:schemeClr val="accent1"/>
+          </a:lnRef>
+          <a:fillRef idx="0">
+            <a:schemeClr val="accent1"/>
+          </a:fillRef>
+          <a:effectRef idx="1">
+            <a:schemeClr val="accent1"/>
+          </a:effectRef>
+          <a:fontRef idx="minor">
+            <a:schemeClr val="tx1"/>
+          </a:fontRef>
+        </p:style>
+        <p:txBody>
+          <a:bodyPr rtlCol="0" anchor="ctr"/>
+          <a:lstStyle/>
+          <a:p>
+            <a:pPr algn="ctr"/>
+            <a:endParaRPr lang="en-US"/>
+          </a:p>
+        </p:txBody>
+      </p:sp>
+      <p:sp>
+        <p:nvSpPr>
+          <p:cNvPr id="114" name="Freeform 113"/>
+          <p:cNvSpPr/>
+          <p:nvPr/>
+        </p:nvSpPr>
+        <p:spPr>
+          <a:xfrm rot="18360000">
+            <a:off x="2366151" y="5707722"/>
+            <a:ext cx="90399" cy="32095"/>
+          </a:xfrm>
+          <a:custGeom>
+            <a:avLst/>
+            <a:gdLst>
+              <a:gd name="connsiteX0" fmla="*/ 0 w 90421"/>
+              <a:gd name="connsiteY0" fmla="*/ 0 h 33992"/>
+              <a:gd name="connsiteX1" fmla="*/ 81499 w 90421"/>
+              <a:gd name="connsiteY1" fmla="*/ 33959 h 33992"/>
+              <a:gd name="connsiteX2" fmla="*/ 88291 w 90421"/>
+              <a:gd name="connsiteY2" fmla="*/ 6792 h 33992"/>
+              <a:gd name="connsiteX3" fmla="*/ 88291 w 90421"/>
+              <a:gd name="connsiteY3" fmla="*/ 6792 h 33992"/>
+            </a:gdLst>
+            <a:ahLst/>
+            <a:cxnLst>
+              <a:cxn ang="0">
+                <a:pos x="connsiteX0" y="connsiteY0"/>
+              </a:cxn>
+              <a:cxn ang="0">
+                <a:pos x="connsiteX1" y="connsiteY1"/>
+              </a:cxn>
+              <a:cxn ang="0">
+                <a:pos x="connsiteX2" y="connsiteY2"/>
+              </a:cxn>
+              <a:cxn ang="0">
+                <a:pos x="connsiteX3" y="connsiteY3"/>
+              </a:cxn>
+            </a:cxnLst>
+            <a:rect l="l" t="t" r="r" b="b"/>
+            <a:pathLst>
+              <a:path w="90421" h="33992">
+                <a:moveTo>
+                  <a:pt x="0" y="0"/>
+                </a:moveTo>
+                <a:cubicBezTo>
+                  <a:pt x="33392" y="16413"/>
+                  <a:pt x="66784" y="32827"/>
+                  <a:pt x="81499" y="33959"/>
+                </a:cubicBezTo>
+                <a:cubicBezTo>
+                  <a:pt x="96214" y="35091"/>
+                  <a:pt x="88291" y="6792"/>
+                  <a:pt x="88291" y="6792"/>
+                </a:cubicBezTo>
+                <a:lnTo>
+                  <a:pt x="88291" y="6792"/>
+                </a:lnTo>
+              </a:path>
+            </a:pathLst>
+          </a:custGeom>
+          <a:ln w="12700" cmpd="sng">
+            <a:solidFill>
+              <a:schemeClr val="tx1">
+                <a:lumMod val="50000"/>
+                <a:lumOff val="50000"/>
+                <a:alpha val="58000"/>
+              </a:schemeClr>
+            </a:solidFill>
+          </a:ln>
+          <a:effectLst>
+            <a:innerShdw blurRad="63500" dist="50800" dir="2700000">
+              <a:prstClr val="black">
+                <a:alpha val="50000"/>
+              </a:prstClr>
+            </a:innerShdw>
+          </a:effectLst>
+        </p:spPr>
+        <p:style>
+          <a:lnRef idx="2">
+            <a:schemeClr val="accent1"/>
+          </a:lnRef>
+          <a:fillRef idx="0">
+            <a:schemeClr val="accent1"/>
+          </a:fillRef>
+          <a:effectRef idx="1">
+            <a:schemeClr val="accent1"/>
+          </a:effectRef>
+          <a:fontRef idx="minor">
+            <a:schemeClr val="tx1"/>
+          </a:fontRef>
+        </p:style>
+        <p:txBody>
+          <a:bodyPr rtlCol="0" anchor="ctr"/>
+          <a:lstStyle/>
+          <a:p>
+            <a:pPr algn="ctr"/>
+            <a:endParaRPr lang="en-US"/>
+          </a:p>
+        </p:txBody>
+      </p:sp>
     </p:spTree>
     <p:extLst>
       <p:ext uri="{BB962C8B-B14F-4D97-AF65-F5344CB8AC3E}">
